--- a/CoursePPT/chap3_class_object_method.pptx
+++ b/CoursePPT/chap3_class_object_method.pptx
@@ -4,18 +4,49 @@
   <p:sldMasterIdLst>
     <p:sldMasterId id="2147483648" r:id="rId1"/>
   </p:sldMasterIdLst>
+  <p:notesMasterIdLst>
+    <p:notesMasterId r:id="rId41"/>
+  </p:notesMasterIdLst>
   <p:sldIdLst>
     <p:sldId id="256" r:id="rId2"/>
     <p:sldId id="257" r:id="rId3"/>
-    <p:sldId id="258" r:id="rId4"/>
-    <p:sldId id="259" r:id="rId5"/>
-    <p:sldId id="260" r:id="rId6"/>
-    <p:sldId id="261" r:id="rId7"/>
-    <p:sldId id="262" r:id="rId8"/>
-    <p:sldId id="263" r:id="rId9"/>
-    <p:sldId id="264" r:id="rId10"/>
-    <p:sldId id="265" r:id="rId11"/>
-    <p:sldId id="266" r:id="rId12"/>
+    <p:sldId id="267" r:id="rId4"/>
+    <p:sldId id="268" r:id="rId5"/>
+    <p:sldId id="269" r:id="rId6"/>
+    <p:sldId id="258" r:id="rId7"/>
+    <p:sldId id="270" r:id="rId8"/>
+    <p:sldId id="271" r:id="rId9"/>
+    <p:sldId id="272" r:id="rId10"/>
+    <p:sldId id="273" r:id="rId11"/>
+    <p:sldId id="274" r:id="rId12"/>
+    <p:sldId id="275" r:id="rId13"/>
+    <p:sldId id="276" r:id="rId14"/>
+    <p:sldId id="277" r:id="rId15"/>
+    <p:sldId id="259" r:id="rId16"/>
+    <p:sldId id="279" r:id="rId17"/>
+    <p:sldId id="260" r:id="rId18"/>
+    <p:sldId id="281" r:id="rId19"/>
+    <p:sldId id="261" r:id="rId20"/>
+    <p:sldId id="283" r:id="rId21"/>
+    <p:sldId id="284" r:id="rId22"/>
+    <p:sldId id="282" r:id="rId23"/>
+    <p:sldId id="278" r:id="rId24"/>
+    <p:sldId id="287" r:id="rId25"/>
+    <p:sldId id="285" r:id="rId26"/>
+    <p:sldId id="286" r:id="rId27"/>
+    <p:sldId id="263" r:id="rId28"/>
+    <p:sldId id="288" r:id="rId29"/>
+    <p:sldId id="289" r:id="rId30"/>
+    <p:sldId id="290" r:id="rId31"/>
+    <p:sldId id="291" r:id="rId32"/>
+    <p:sldId id="292" r:id="rId33"/>
+    <p:sldId id="293" r:id="rId34"/>
+    <p:sldId id="294" r:id="rId35"/>
+    <p:sldId id="295" r:id="rId36"/>
+    <p:sldId id="265" r:id="rId37"/>
+    <p:sldId id="296" r:id="rId38"/>
+    <p:sldId id="297" r:id="rId39"/>
+    <p:sldId id="266" r:id="rId40"/>
   </p:sldIdLst>
   <p:sldSz cx="9144000" cy="6858000" type="screen4x3"/>
   <p:notesSz cx="6858000" cy="9144000"/>
@@ -117,6 +148,542 @@
 </p:presentation>
 </file>
 
+<file path=ppt/notesMasters/notesMaster1.xml><?xml version="1.0" encoding="utf-8"?>
+<p:notesMaster xmlns:a="http://schemas.openxmlformats.org/drawingml/2006/main" xmlns:r="http://schemas.openxmlformats.org/officeDocument/2006/relationships" xmlns:p="http://schemas.openxmlformats.org/presentationml/2006/main">
+  <p:cSld>
+    <p:bg>
+      <p:bgRef idx="1001">
+        <a:schemeClr val="bg1"/>
+      </p:bgRef>
+    </p:bg>
+    <p:spTree>
+      <p:nvGrpSpPr>
+        <p:cNvPr id="1" name=""/>
+        <p:cNvGrpSpPr/>
+        <p:nvPr/>
+      </p:nvGrpSpPr>
+      <p:grpSpPr>
+        <a:xfrm>
+          <a:off x="0" y="0"/>
+          <a:ext cx="0" cy="0"/>
+          <a:chOff x="0" y="0"/>
+          <a:chExt cx="0" cy="0"/>
+        </a:xfrm>
+      </p:grpSpPr>
+      <p:sp>
+        <p:nvSpPr>
+          <p:cNvPr id="2" name="页眉占位符 1"/>
+          <p:cNvSpPr>
+            <a:spLocks noGrp="1"/>
+          </p:cNvSpPr>
+          <p:nvPr>
+            <p:ph type="hdr" sz="quarter"/>
+          </p:nvPr>
+        </p:nvSpPr>
+        <p:spPr>
+          <a:xfrm>
+            <a:off x="0" y="0"/>
+            <a:ext cx="2971800" cy="457200"/>
+          </a:xfrm>
+          <a:prstGeom prst="rect">
+            <a:avLst/>
+          </a:prstGeom>
+        </p:spPr>
+        <p:txBody>
+          <a:bodyPr vert="horz" lIns="91440" tIns="45720" rIns="91440" bIns="45720" rtlCol="0"/>
+          <a:lstStyle>
+            <a:lvl1pPr algn="l">
+              <a:defRPr sz="1200"/>
+            </a:lvl1pPr>
+          </a:lstStyle>
+          <a:p>
+            <a:endParaRPr kumimoji="1" lang="zh-CN" altLang="en-US"/>
+          </a:p>
+        </p:txBody>
+      </p:sp>
+      <p:sp>
+        <p:nvSpPr>
+          <p:cNvPr id="3" name="日期占位符 2"/>
+          <p:cNvSpPr>
+            <a:spLocks noGrp="1"/>
+          </p:cNvSpPr>
+          <p:nvPr>
+            <p:ph type="dt" idx="1"/>
+          </p:nvPr>
+        </p:nvSpPr>
+        <p:spPr>
+          <a:xfrm>
+            <a:off x="3884613" y="0"/>
+            <a:ext cx="2971800" cy="457200"/>
+          </a:xfrm>
+          <a:prstGeom prst="rect">
+            <a:avLst/>
+          </a:prstGeom>
+        </p:spPr>
+        <p:txBody>
+          <a:bodyPr vert="horz" lIns="91440" tIns="45720" rIns="91440" bIns="45720" rtlCol="0"/>
+          <a:lstStyle>
+            <a:lvl1pPr algn="r">
+              <a:defRPr sz="1200"/>
+            </a:lvl1pPr>
+          </a:lstStyle>
+          <a:p>
+            <a:fld id="{5FCF99D6-1F51-2B49-8552-7D1C5CC49976}" type="datetimeFigureOut">
+              <a:rPr kumimoji="1" lang="zh-CN" altLang="en-US" smtClean="0"/>
+              <a:t>11/24/15</a:t>
+            </a:fld>
+            <a:endParaRPr kumimoji="1" lang="zh-CN" altLang="en-US"/>
+          </a:p>
+        </p:txBody>
+      </p:sp>
+      <p:sp>
+        <p:nvSpPr>
+          <p:cNvPr id="4" name="幻灯片图像占位符 3"/>
+          <p:cNvSpPr>
+            <a:spLocks noGrp="1" noRot="1" noChangeAspect="1"/>
+          </p:cNvSpPr>
+          <p:nvPr>
+            <p:ph type="sldImg" idx="2"/>
+          </p:nvPr>
+        </p:nvSpPr>
+        <p:spPr>
+          <a:xfrm>
+            <a:off x="1143000" y="685800"/>
+            <a:ext cx="4572000" cy="3429000"/>
+          </a:xfrm>
+          <a:prstGeom prst="rect">
+            <a:avLst/>
+          </a:prstGeom>
+          <a:noFill/>
+          <a:ln w="12700">
+            <a:solidFill>
+              <a:prstClr val="black"/>
+            </a:solidFill>
+          </a:ln>
+        </p:spPr>
+        <p:txBody>
+          <a:bodyPr vert="horz" lIns="91440" tIns="45720" rIns="91440" bIns="45720" rtlCol="0" anchor="ctr"/>
+          <a:lstStyle/>
+          <a:p>
+            <a:endParaRPr lang="zh-CN" altLang="en-US"/>
+          </a:p>
+        </p:txBody>
+      </p:sp>
+      <p:sp>
+        <p:nvSpPr>
+          <p:cNvPr id="5" name="备注占位符 4"/>
+          <p:cNvSpPr>
+            <a:spLocks noGrp="1"/>
+          </p:cNvSpPr>
+          <p:nvPr>
+            <p:ph type="body" sz="quarter" idx="3"/>
+          </p:nvPr>
+        </p:nvSpPr>
+        <p:spPr>
+          <a:xfrm>
+            <a:off x="685800" y="4343400"/>
+            <a:ext cx="5486400" cy="4114800"/>
+          </a:xfrm>
+          <a:prstGeom prst="rect">
+            <a:avLst/>
+          </a:prstGeom>
+        </p:spPr>
+        <p:txBody>
+          <a:bodyPr vert="horz" lIns="91440" tIns="45720" rIns="91440" bIns="45720" rtlCol="0"/>
+          <a:lstStyle/>
+          <a:p>
+            <a:pPr lvl="0"/>
+            <a:r>
+              <a:rPr kumimoji="1" lang="zh-CN" altLang="en-US" smtClean="0"/>
+              <a:t>单击此处编辑母版文本样式</a:t>
+            </a:r>
+          </a:p>
+          <a:p>
+            <a:pPr lvl="1"/>
+            <a:r>
+              <a:rPr kumimoji="1" lang="zh-CN" altLang="en-US" smtClean="0"/>
+              <a:t>二级</a:t>
+            </a:r>
+          </a:p>
+          <a:p>
+            <a:pPr lvl="2"/>
+            <a:r>
+              <a:rPr kumimoji="1" lang="zh-CN" altLang="en-US" smtClean="0"/>
+              <a:t>三级</a:t>
+            </a:r>
+          </a:p>
+          <a:p>
+            <a:pPr lvl="3"/>
+            <a:r>
+              <a:rPr kumimoji="1" lang="zh-CN" altLang="en-US" smtClean="0"/>
+              <a:t>四级</a:t>
+            </a:r>
+          </a:p>
+          <a:p>
+            <a:pPr lvl="4"/>
+            <a:r>
+              <a:rPr kumimoji="1" lang="zh-CN" altLang="en-US" smtClean="0"/>
+              <a:t>五级</a:t>
+            </a:r>
+            <a:endParaRPr kumimoji="1" lang="zh-CN" altLang="en-US"/>
+          </a:p>
+        </p:txBody>
+      </p:sp>
+      <p:sp>
+        <p:nvSpPr>
+          <p:cNvPr id="6" name="页脚占位符 5"/>
+          <p:cNvSpPr>
+            <a:spLocks noGrp="1"/>
+          </p:cNvSpPr>
+          <p:nvPr>
+            <p:ph type="ftr" sz="quarter" idx="4"/>
+          </p:nvPr>
+        </p:nvSpPr>
+        <p:spPr>
+          <a:xfrm>
+            <a:off x="0" y="8685213"/>
+            <a:ext cx="2971800" cy="457200"/>
+          </a:xfrm>
+          <a:prstGeom prst="rect">
+            <a:avLst/>
+          </a:prstGeom>
+        </p:spPr>
+        <p:txBody>
+          <a:bodyPr vert="horz" lIns="91440" tIns="45720" rIns="91440" bIns="45720" rtlCol="0" anchor="b"/>
+          <a:lstStyle>
+            <a:lvl1pPr algn="l">
+              <a:defRPr sz="1200"/>
+            </a:lvl1pPr>
+          </a:lstStyle>
+          <a:p>
+            <a:endParaRPr kumimoji="1" lang="zh-CN" altLang="en-US"/>
+          </a:p>
+        </p:txBody>
+      </p:sp>
+      <p:sp>
+        <p:nvSpPr>
+          <p:cNvPr id="7" name="幻灯片编号占位符 6"/>
+          <p:cNvSpPr>
+            <a:spLocks noGrp="1"/>
+          </p:cNvSpPr>
+          <p:nvPr>
+            <p:ph type="sldNum" sz="quarter" idx="5"/>
+          </p:nvPr>
+        </p:nvSpPr>
+        <p:spPr>
+          <a:xfrm>
+            <a:off x="3884613" y="8685213"/>
+            <a:ext cx="2971800" cy="457200"/>
+          </a:xfrm>
+          <a:prstGeom prst="rect">
+            <a:avLst/>
+          </a:prstGeom>
+        </p:spPr>
+        <p:txBody>
+          <a:bodyPr vert="horz" lIns="91440" tIns="45720" rIns="91440" bIns="45720" rtlCol="0" anchor="b"/>
+          <a:lstStyle>
+            <a:lvl1pPr algn="r">
+              <a:defRPr sz="1200"/>
+            </a:lvl1pPr>
+          </a:lstStyle>
+          <a:p>
+            <a:fld id="{D375748E-342E-5745-B9FD-8E7E95143987}" type="slidenum">
+              <a:rPr kumimoji="1" lang="zh-CN" altLang="en-US" smtClean="0"/>
+              <a:t>‹#›</a:t>
+            </a:fld>
+            <a:endParaRPr kumimoji="1" lang="zh-CN" altLang="en-US"/>
+          </a:p>
+        </p:txBody>
+      </p:sp>
+    </p:spTree>
+    <p:extLst>
+      <p:ext uri="{BB962C8B-B14F-4D97-AF65-F5344CB8AC3E}">
+        <p14:creationId xmlns:p14="http://schemas.microsoft.com/office/powerpoint/2010/main" val="3025222504"/>
+      </p:ext>
+    </p:extLst>
+  </p:cSld>
+  <p:clrMap bg1="lt1" tx1="dk1" bg2="lt2" tx2="dk2" accent1="accent1" accent2="accent2" accent3="accent3" accent4="accent4" accent5="accent5" accent6="accent6" hlink="hlink" folHlink="folHlink"/>
+  <p:notesStyle>
+    <a:lvl1pPr marL="0" algn="l" defTabSz="457200" rtl="0" eaLnBrk="1" latinLnBrk="0" hangingPunct="1">
+      <a:defRPr sz="1200" kern="1200">
+        <a:solidFill>
+          <a:schemeClr val="tx1"/>
+        </a:solidFill>
+        <a:latin typeface="+mn-lt"/>
+        <a:ea typeface="+mn-ea"/>
+        <a:cs typeface="+mn-cs"/>
+      </a:defRPr>
+    </a:lvl1pPr>
+    <a:lvl2pPr marL="457200" algn="l" defTabSz="457200" rtl="0" eaLnBrk="1" latinLnBrk="0" hangingPunct="1">
+      <a:defRPr sz="1200" kern="1200">
+        <a:solidFill>
+          <a:schemeClr val="tx1"/>
+        </a:solidFill>
+        <a:latin typeface="+mn-lt"/>
+        <a:ea typeface="+mn-ea"/>
+        <a:cs typeface="+mn-cs"/>
+      </a:defRPr>
+    </a:lvl2pPr>
+    <a:lvl3pPr marL="914400" algn="l" defTabSz="457200" rtl="0" eaLnBrk="1" latinLnBrk="0" hangingPunct="1">
+      <a:defRPr sz="1200" kern="1200">
+        <a:solidFill>
+          <a:schemeClr val="tx1"/>
+        </a:solidFill>
+        <a:latin typeface="+mn-lt"/>
+        <a:ea typeface="+mn-ea"/>
+        <a:cs typeface="+mn-cs"/>
+      </a:defRPr>
+    </a:lvl3pPr>
+    <a:lvl4pPr marL="1371600" algn="l" defTabSz="457200" rtl="0" eaLnBrk="1" latinLnBrk="0" hangingPunct="1">
+      <a:defRPr sz="1200" kern="1200">
+        <a:solidFill>
+          <a:schemeClr val="tx1"/>
+        </a:solidFill>
+        <a:latin typeface="+mn-lt"/>
+        <a:ea typeface="+mn-ea"/>
+        <a:cs typeface="+mn-cs"/>
+      </a:defRPr>
+    </a:lvl4pPr>
+    <a:lvl5pPr marL="1828800" algn="l" defTabSz="457200" rtl="0" eaLnBrk="1" latinLnBrk="0" hangingPunct="1">
+      <a:defRPr sz="1200" kern="1200">
+        <a:solidFill>
+          <a:schemeClr val="tx1"/>
+        </a:solidFill>
+        <a:latin typeface="+mn-lt"/>
+        <a:ea typeface="+mn-ea"/>
+        <a:cs typeface="+mn-cs"/>
+      </a:defRPr>
+    </a:lvl5pPr>
+    <a:lvl6pPr marL="2286000" algn="l" defTabSz="457200" rtl="0" eaLnBrk="1" latinLnBrk="0" hangingPunct="1">
+      <a:defRPr sz="1200" kern="1200">
+        <a:solidFill>
+          <a:schemeClr val="tx1"/>
+        </a:solidFill>
+        <a:latin typeface="+mn-lt"/>
+        <a:ea typeface="+mn-ea"/>
+        <a:cs typeface="+mn-cs"/>
+      </a:defRPr>
+    </a:lvl6pPr>
+    <a:lvl7pPr marL="2743200" algn="l" defTabSz="457200" rtl="0" eaLnBrk="1" latinLnBrk="0" hangingPunct="1">
+      <a:defRPr sz="1200" kern="1200">
+        <a:solidFill>
+          <a:schemeClr val="tx1"/>
+        </a:solidFill>
+        <a:latin typeface="+mn-lt"/>
+        <a:ea typeface="+mn-ea"/>
+        <a:cs typeface="+mn-cs"/>
+      </a:defRPr>
+    </a:lvl7pPr>
+    <a:lvl8pPr marL="3200400" algn="l" defTabSz="457200" rtl="0" eaLnBrk="1" latinLnBrk="0" hangingPunct="1">
+      <a:defRPr sz="1200" kern="1200">
+        <a:solidFill>
+          <a:schemeClr val="tx1"/>
+        </a:solidFill>
+        <a:latin typeface="+mn-lt"/>
+        <a:ea typeface="+mn-ea"/>
+        <a:cs typeface="+mn-cs"/>
+      </a:defRPr>
+    </a:lvl8pPr>
+    <a:lvl9pPr marL="3657600" algn="l" defTabSz="457200" rtl="0" eaLnBrk="1" latinLnBrk="0" hangingPunct="1">
+      <a:defRPr sz="1200" kern="1200">
+        <a:solidFill>
+          <a:schemeClr val="tx1"/>
+        </a:solidFill>
+        <a:latin typeface="+mn-lt"/>
+        <a:ea typeface="+mn-ea"/>
+        <a:cs typeface="+mn-cs"/>
+      </a:defRPr>
+    </a:lvl9pPr>
+  </p:notesStyle>
+</p:notesMaster>
+</file>
+
+<file path=ppt/notesSlides/notesSlide1.xml><?xml version="1.0" encoding="utf-8"?>
+<p:notes xmlns:a="http://schemas.openxmlformats.org/drawingml/2006/main" xmlns:r="http://schemas.openxmlformats.org/officeDocument/2006/relationships" xmlns:p="http://schemas.openxmlformats.org/presentationml/2006/main">
+  <p:cSld>
+    <p:spTree>
+      <p:nvGrpSpPr>
+        <p:cNvPr id="1" name=""/>
+        <p:cNvGrpSpPr/>
+        <p:nvPr/>
+      </p:nvGrpSpPr>
+      <p:grpSpPr>
+        <a:xfrm>
+          <a:off x="0" y="0"/>
+          <a:ext cx="0" cy="0"/>
+          <a:chOff x="0" y="0"/>
+          <a:chExt cx="0" cy="0"/>
+        </a:xfrm>
+      </p:grpSpPr>
+      <p:sp>
+        <p:nvSpPr>
+          <p:cNvPr id="2" name="幻灯片图像占位符 1"/>
+          <p:cNvSpPr>
+            <a:spLocks noGrp="1" noRot="1" noChangeAspect="1"/>
+          </p:cNvSpPr>
+          <p:nvPr>
+            <p:ph type="sldImg"/>
+          </p:nvPr>
+        </p:nvSpPr>
+        <p:spPr/>
+      </p:sp>
+      <p:sp>
+        <p:nvSpPr>
+          <p:cNvPr id="3" name="备注占位符 2"/>
+          <p:cNvSpPr>
+            <a:spLocks noGrp="1"/>
+          </p:cNvSpPr>
+          <p:nvPr>
+            <p:ph type="body" idx="1"/>
+          </p:nvPr>
+        </p:nvSpPr>
+        <p:spPr/>
+        <p:txBody>
+          <a:bodyPr/>
+          <a:lstStyle/>
+          <a:p>
+            <a:r>
+              <a:rPr kumimoji="1" lang="zh-CN" altLang="en-US" dirty="0" smtClean="0"/>
+              <a:t>用代码示例</a:t>
+            </a:r>
+            <a:endParaRPr kumimoji="1" lang="en-US" altLang="zh-CN" dirty="0" smtClean="0"/>
+          </a:p>
+          <a:p>
+            <a:r>
+              <a:rPr kumimoji="1" lang="zh-CN" altLang="en-US" dirty="0" smtClean="0"/>
+              <a:t>让学生举一对象的例子</a:t>
+            </a:r>
+            <a:endParaRPr kumimoji="1" lang="en-US" altLang="zh-CN" smtClean="0"/>
+          </a:p>
+          <a:p>
+            <a:endParaRPr kumimoji="1" lang="zh-CN" altLang="en-US"/>
+          </a:p>
+        </p:txBody>
+      </p:sp>
+      <p:sp>
+        <p:nvSpPr>
+          <p:cNvPr id="4" name="幻灯片编号占位符 3"/>
+          <p:cNvSpPr>
+            <a:spLocks noGrp="1"/>
+          </p:cNvSpPr>
+          <p:nvPr>
+            <p:ph type="sldNum" sz="quarter" idx="10"/>
+          </p:nvPr>
+        </p:nvSpPr>
+        <p:spPr/>
+        <p:txBody>
+          <a:bodyPr/>
+          <a:lstStyle/>
+          <a:p>
+            <a:fld id="{D375748E-342E-5745-B9FD-8E7E95143987}" type="slidenum">
+              <a:rPr kumimoji="1" lang="zh-CN" altLang="en-US" smtClean="0"/>
+              <a:t>5</a:t>
+            </a:fld>
+            <a:endParaRPr kumimoji="1" lang="zh-CN" altLang="en-US"/>
+          </a:p>
+        </p:txBody>
+      </p:sp>
+    </p:spTree>
+    <p:extLst>
+      <p:ext uri="{BB962C8B-B14F-4D97-AF65-F5344CB8AC3E}">
+        <p14:creationId xmlns:p14="http://schemas.microsoft.com/office/powerpoint/2010/main" val="3374237679"/>
+      </p:ext>
+    </p:extLst>
+  </p:cSld>
+  <p:clrMapOvr>
+    <a:masterClrMapping/>
+  </p:clrMapOvr>
+</p:notes>
+</file>
+
+<file path=ppt/notesSlides/notesSlide2.xml><?xml version="1.0" encoding="utf-8"?>
+<p:notes xmlns:a="http://schemas.openxmlformats.org/drawingml/2006/main" xmlns:r="http://schemas.openxmlformats.org/officeDocument/2006/relationships" xmlns:p="http://schemas.openxmlformats.org/presentationml/2006/main">
+  <p:cSld>
+    <p:spTree>
+      <p:nvGrpSpPr>
+        <p:cNvPr id="1" name=""/>
+        <p:cNvGrpSpPr/>
+        <p:nvPr/>
+      </p:nvGrpSpPr>
+      <p:grpSpPr>
+        <a:xfrm>
+          <a:off x="0" y="0"/>
+          <a:ext cx="0" cy="0"/>
+          <a:chOff x="0" y="0"/>
+          <a:chExt cx="0" cy="0"/>
+        </a:xfrm>
+      </p:grpSpPr>
+      <p:sp>
+        <p:nvSpPr>
+          <p:cNvPr id="2" name="幻灯片图像占位符 1"/>
+          <p:cNvSpPr>
+            <a:spLocks noGrp="1" noRot="1" noChangeAspect="1"/>
+          </p:cNvSpPr>
+          <p:nvPr>
+            <p:ph type="sldImg"/>
+          </p:nvPr>
+        </p:nvSpPr>
+        <p:spPr/>
+      </p:sp>
+      <p:sp>
+        <p:nvSpPr>
+          <p:cNvPr id="3" name="备注占位符 2"/>
+          <p:cNvSpPr>
+            <a:spLocks noGrp="1"/>
+          </p:cNvSpPr>
+          <p:nvPr>
+            <p:ph type="body" idx="1"/>
+          </p:nvPr>
+        </p:nvSpPr>
+        <p:spPr/>
+        <p:txBody>
+          <a:bodyPr/>
+          <a:lstStyle/>
+          <a:p>
+            <a:r>
+              <a:rPr kumimoji="1" lang="zh-CN" altLang="en-US" dirty="0" smtClean="0"/>
+              <a:t>举例</a:t>
+            </a:r>
+            <a:endParaRPr kumimoji="1" lang="zh-CN" altLang="en-US" dirty="0"/>
+          </a:p>
+        </p:txBody>
+      </p:sp>
+      <p:sp>
+        <p:nvSpPr>
+          <p:cNvPr id="4" name="幻灯片编号占位符 3"/>
+          <p:cNvSpPr>
+            <a:spLocks noGrp="1"/>
+          </p:cNvSpPr>
+          <p:nvPr>
+            <p:ph type="sldNum" sz="quarter" idx="10"/>
+          </p:nvPr>
+        </p:nvSpPr>
+        <p:spPr/>
+        <p:txBody>
+          <a:bodyPr/>
+          <a:lstStyle/>
+          <a:p>
+            <a:fld id="{D375748E-342E-5745-B9FD-8E7E95143987}" type="slidenum">
+              <a:rPr kumimoji="1" lang="zh-CN" altLang="en-US" smtClean="0"/>
+              <a:t>6</a:t>
+            </a:fld>
+            <a:endParaRPr kumimoji="1" lang="zh-CN" altLang="en-US"/>
+          </a:p>
+        </p:txBody>
+      </p:sp>
+    </p:spTree>
+    <p:extLst>
+      <p:ext uri="{BB962C8B-B14F-4D97-AF65-F5344CB8AC3E}">
+        <p14:creationId xmlns:p14="http://schemas.microsoft.com/office/powerpoint/2010/main" val="2735076957"/>
+      </p:ext>
+    </p:extLst>
+  </p:cSld>
+  <p:clrMapOvr>
+    <a:masterClrMapping/>
+  </p:clrMapOvr>
+</p:notes>
+</file>
+
 <file path=ppt/slideLayouts/slideLayout1.xml><?xml version="1.0" encoding="utf-8"?>
 <p:sldLayout xmlns:a="http://schemas.openxmlformats.org/drawingml/2006/main" xmlns:r="http://schemas.openxmlformats.org/officeDocument/2006/relationships" xmlns:p="http://schemas.openxmlformats.org/presentationml/2006/main" type="title" preserve="1">
   <p:cSld name="标题幻灯片">
@@ -298,7 +865,7 @@
           <a:p>
             <a:fld id="{E3812BC1-F107-5949-9815-8BEE7F3ABC94}" type="datetimeFigureOut">
               <a:rPr kumimoji="1" lang="zh-CN" altLang="en-US" smtClean="0"/>
-              <a:t>11/23/15</a:t>
+              <a:t>11/24/15</a:t>
             </a:fld>
             <a:endParaRPr kumimoji="1" lang="zh-CN" altLang="en-US"/>
           </a:p>
@@ -468,7 +1035,7 @@
           <a:p>
             <a:fld id="{E3812BC1-F107-5949-9815-8BEE7F3ABC94}" type="datetimeFigureOut">
               <a:rPr kumimoji="1" lang="zh-CN" altLang="en-US" smtClean="0"/>
-              <a:t>11/23/15</a:t>
+              <a:t>11/24/15</a:t>
             </a:fld>
             <a:endParaRPr kumimoji="1" lang="zh-CN" altLang="en-US"/>
           </a:p>
@@ -648,7 +1215,7 @@
           <a:p>
             <a:fld id="{E3812BC1-F107-5949-9815-8BEE7F3ABC94}" type="datetimeFigureOut">
               <a:rPr kumimoji="1" lang="zh-CN" altLang="en-US" smtClean="0"/>
-              <a:t>11/23/15</a:t>
+              <a:t>11/24/15</a:t>
             </a:fld>
             <a:endParaRPr kumimoji="1" lang="zh-CN" altLang="en-US"/>
           </a:p>
@@ -818,7 +1385,7 @@
           <a:p>
             <a:fld id="{E3812BC1-F107-5949-9815-8BEE7F3ABC94}" type="datetimeFigureOut">
               <a:rPr kumimoji="1" lang="zh-CN" altLang="en-US" smtClean="0"/>
-              <a:t>11/23/15</a:t>
+              <a:t>11/24/15</a:t>
             </a:fld>
             <a:endParaRPr kumimoji="1" lang="zh-CN" altLang="en-US"/>
           </a:p>
@@ -1064,7 +1631,7 @@
           <a:p>
             <a:fld id="{E3812BC1-F107-5949-9815-8BEE7F3ABC94}" type="datetimeFigureOut">
               <a:rPr kumimoji="1" lang="zh-CN" altLang="en-US" smtClean="0"/>
-              <a:t>11/23/15</a:t>
+              <a:t>11/24/15</a:t>
             </a:fld>
             <a:endParaRPr kumimoji="1" lang="zh-CN" altLang="en-US"/>
           </a:p>
@@ -1352,7 +1919,7 @@
           <a:p>
             <a:fld id="{E3812BC1-F107-5949-9815-8BEE7F3ABC94}" type="datetimeFigureOut">
               <a:rPr kumimoji="1" lang="zh-CN" altLang="en-US" smtClean="0"/>
-              <a:t>11/23/15</a:t>
+              <a:t>11/24/15</a:t>
             </a:fld>
             <a:endParaRPr kumimoji="1" lang="zh-CN" altLang="en-US"/>
           </a:p>
@@ -1774,7 +2341,7 @@
           <a:p>
             <a:fld id="{E3812BC1-F107-5949-9815-8BEE7F3ABC94}" type="datetimeFigureOut">
               <a:rPr kumimoji="1" lang="zh-CN" altLang="en-US" smtClean="0"/>
-              <a:t>11/23/15</a:t>
+              <a:t>11/24/15</a:t>
             </a:fld>
             <a:endParaRPr kumimoji="1" lang="zh-CN" altLang="en-US"/>
           </a:p>
@@ -1892,7 +2459,7 @@
           <a:p>
             <a:fld id="{E3812BC1-F107-5949-9815-8BEE7F3ABC94}" type="datetimeFigureOut">
               <a:rPr kumimoji="1" lang="zh-CN" altLang="en-US" smtClean="0"/>
-              <a:t>11/23/15</a:t>
+              <a:t>11/24/15</a:t>
             </a:fld>
             <a:endParaRPr kumimoji="1" lang="zh-CN" altLang="en-US"/>
           </a:p>
@@ -1987,7 +2554,7 @@
           <a:p>
             <a:fld id="{E3812BC1-F107-5949-9815-8BEE7F3ABC94}" type="datetimeFigureOut">
               <a:rPr kumimoji="1" lang="zh-CN" altLang="en-US" smtClean="0"/>
-              <a:t>11/23/15</a:t>
+              <a:t>11/24/15</a:t>
             </a:fld>
             <a:endParaRPr kumimoji="1" lang="zh-CN" altLang="en-US"/>
           </a:p>
@@ -2264,7 +2831,7 @@
           <a:p>
             <a:fld id="{E3812BC1-F107-5949-9815-8BEE7F3ABC94}" type="datetimeFigureOut">
               <a:rPr kumimoji="1" lang="zh-CN" altLang="en-US" smtClean="0"/>
-              <a:t>11/23/15</a:t>
+              <a:t>11/24/15</a:t>
             </a:fld>
             <a:endParaRPr kumimoji="1" lang="zh-CN" altLang="en-US"/>
           </a:p>
@@ -2517,7 +3084,7 @@
           <a:p>
             <a:fld id="{E3812BC1-F107-5949-9815-8BEE7F3ABC94}" type="datetimeFigureOut">
               <a:rPr kumimoji="1" lang="zh-CN" altLang="en-US" smtClean="0"/>
-              <a:t>11/23/15</a:t>
+              <a:t>11/24/15</a:t>
             </a:fld>
             <a:endParaRPr kumimoji="1" lang="zh-CN" altLang="en-US"/>
           </a:p>
@@ -2730,7 +3297,7 @@
           <a:p>
             <a:fld id="{E3812BC1-F107-5949-9815-8BEE7F3ABC94}" type="datetimeFigureOut">
               <a:rPr kumimoji="1" lang="zh-CN" altLang="en-US" smtClean="0"/>
-              <a:t>11/23/15</a:t>
+              <a:t>11/24/15</a:t>
             </a:fld>
             <a:endParaRPr kumimoji="1" lang="zh-CN" altLang="en-US"/>
           </a:p>
@@ -3143,6 +3710,17 @@
           <a:bodyPr/>
           <a:lstStyle/>
           <a:p>
+            <a:r>
+              <a:rPr kumimoji="1" lang="zh-CN" altLang="en-US" dirty="0" smtClean="0"/>
+              <a:t>对象是类的特定表示</a:t>
+            </a:r>
+            <a:endParaRPr kumimoji="1" lang="en-US" altLang="zh-CN" dirty="0" smtClean="0"/>
+          </a:p>
+          <a:p>
+            <a:r>
+              <a:rPr kumimoji="1" lang="zh-CN" altLang="en-US" dirty="0" smtClean="0"/>
+              <a:t>方法是类或方法的形为</a:t>
+            </a:r>
             <a:endParaRPr kumimoji="1" lang="zh-CN" altLang="en-US" dirty="0"/>
           </a:p>
         </p:txBody>
@@ -3157,6 +3735,13 @@
   <p:clrMapOvr>
     <a:masterClrMapping/>
   </p:clrMapOvr>
+  <p:timing>
+    <p:tnLst>
+      <p:par>
+        <p:cTn xmlns:p14="http://schemas.microsoft.com/office/powerpoint/2010/main" id="1" dur="indefinite" restart="never" nodeType="tmRoot"/>
+      </p:par>
+    </p:tnLst>
+  </p:timing>
 </p:sld>
 </file>
 
@@ -3189,12 +3774,14 @@
         </p:nvSpPr>
         <p:spPr/>
         <p:txBody>
-          <a:bodyPr/>
-          <a:lstStyle/>
-          <a:p>
-            <a:r>
-              <a:rPr kumimoji="1" lang="zh-CN" altLang="en-US" dirty="0" smtClean="0"/>
-              <a:t>访问实例变量</a:t>
+          <a:bodyPr>
+            <a:normAutofit/>
+          </a:bodyPr>
+          <a:lstStyle/>
+          <a:p>
+            <a:r>
+              <a:rPr kumimoji="1" lang="zh-CN" altLang="en-US" dirty="0" smtClean="0"/>
+              <a:t>表达分数（不使用类）</a:t>
             </a:r>
             <a:endParaRPr kumimoji="1" lang="zh-CN" altLang="en-US" dirty="0"/>
           </a:p>
@@ -3212,50 +3799,192 @@
         </p:nvSpPr>
         <p:spPr/>
         <p:txBody>
-          <a:bodyPr/>
-          <a:lstStyle/>
-          <a:p>
-            <a:r>
-              <a:rPr kumimoji="1" lang="zh-CN" altLang="en-US" dirty="0" smtClean="0"/>
-              <a:t>数据封装：把实例变量隐藏起来</a:t>
-            </a:r>
-            <a:endParaRPr kumimoji="1" lang="en-US" altLang="zh-CN" dirty="0" smtClean="0"/>
-          </a:p>
-          <a:p>
+          <a:bodyPr>
+            <a:normAutofit fontScale="77500" lnSpcReduction="20000"/>
+          </a:bodyPr>
+          <a:lstStyle/>
+          <a:p>
+            <a:pPr marL="0" indent="0">
+              <a:buNone/>
+            </a:pPr>
             <a:r>
               <a:rPr kumimoji="1" lang="en-US" altLang="zh-CN" dirty="0" smtClean="0"/>
-              <a:t>Getter</a:t>
-            </a:r>
-            <a:r>
-              <a:rPr kumimoji="1" lang="zh-CN" altLang="en-US" dirty="0" smtClean="0"/>
-              <a:t>方法</a:t>
-            </a:r>
+              <a:t>#</a:t>
+            </a:r>
+            <a:r>
+              <a:rPr kumimoji="1" lang="en-US" altLang="zh-CN" dirty="0"/>
+              <a:t>import &lt;Foundation/</a:t>
+            </a:r>
+            <a:r>
+              <a:rPr kumimoji="1" lang="en-US" altLang="zh-CN" dirty="0" err="1"/>
+              <a:t>Foundation.h</a:t>
+            </a:r>
+            <a:r>
+              <a:rPr kumimoji="1" lang="en-US" altLang="zh-CN" dirty="0"/>
+              <a:t>&gt;</a:t>
+            </a:r>
+          </a:p>
+          <a:p>
+            <a:pPr marL="0" indent="0">
+              <a:buNone/>
+            </a:pPr>
+            <a:endParaRPr kumimoji="1" lang="en-US" altLang="zh-CN" dirty="0"/>
+          </a:p>
+          <a:p>
+            <a:pPr marL="0" indent="0">
+              <a:buNone/>
+            </a:pPr>
+            <a:r>
+              <a:rPr kumimoji="1" lang="en-US" altLang="zh-CN" dirty="0" err="1"/>
+              <a:t>int</a:t>
+            </a:r>
+            <a:r>
+              <a:rPr kumimoji="1" lang="en-US" altLang="zh-CN" dirty="0"/>
+              <a:t> main (</a:t>
+            </a:r>
+            <a:r>
+              <a:rPr kumimoji="1" lang="en-US" altLang="zh-CN" dirty="0" err="1"/>
+              <a:t>int</a:t>
+            </a:r>
+            <a:r>
+              <a:rPr kumimoji="1" lang="en-US" altLang="zh-CN" dirty="0"/>
+              <a:t> </a:t>
+            </a:r>
+            <a:r>
+              <a:rPr kumimoji="1" lang="en-US" altLang="zh-CN" dirty="0" err="1"/>
+              <a:t>argc</a:t>
+            </a:r>
+            <a:r>
+              <a:rPr kumimoji="1" lang="en-US" altLang="zh-CN" dirty="0"/>
+              <a:t>, char * </a:t>
+            </a:r>
+            <a:r>
+              <a:rPr kumimoji="1" lang="en-US" altLang="zh-CN" dirty="0" err="1"/>
+              <a:t>argv</a:t>
+            </a:r>
+            <a:r>
+              <a:rPr kumimoji="1" lang="en-US" altLang="zh-CN" dirty="0"/>
+              <a:t>[])</a:t>
+            </a:r>
+          </a:p>
+          <a:p>
+            <a:pPr marL="0" indent="0">
+              <a:buNone/>
+            </a:pPr>
+            <a:r>
+              <a:rPr kumimoji="1" lang="en-US" altLang="zh-CN" dirty="0"/>
+              <a:t>{</a:t>
+            </a:r>
+          </a:p>
+          <a:p>
+            <a:pPr marL="0" indent="0">
+              <a:buNone/>
+            </a:pPr>
+            <a:r>
+              <a:rPr kumimoji="1" lang="en-US" altLang="zh-CN" dirty="0"/>
+              <a:t>   @</a:t>
+            </a:r>
+            <a:r>
+              <a:rPr kumimoji="1" lang="en-US" altLang="zh-CN" dirty="0" err="1"/>
+              <a:t>autoreleasepool</a:t>
+            </a:r>
+            <a:r>
+              <a:rPr kumimoji="1" lang="en-US" altLang="zh-CN" dirty="0"/>
+              <a:t> {</a:t>
+            </a:r>
+          </a:p>
+          <a:p>
+            <a:pPr marL="0" indent="0">
+              <a:buNone/>
+            </a:pPr>
+            <a:r>
+              <a:rPr kumimoji="1" lang="en-US" altLang="zh-CN" dirty="0"/>
+              <a:t>      </a:t>
+            </a:r>
+            <a:r>
+              <a:rPr kumimoji="1" lang="en-US" altLang="zh-CN" dirty="0" err="1"/>
+              <a:t>int</a:t>
+            </a:r>
+            <a:r>
+              <a:rPr kumimoji="1" lang="en-US" altLang="zh-CN" dirty="0"/>
+              <a:t>  numerator = 1;</a:t>
+            </a:r>
+          </a:p>
+          <a:p>
+            <a:pPr marL="0" indent="0">
+              <a:buNone/>
+            </a:pPr>
+            <a:r>
+              <a:rPr kumimoji="1" lang="en-US" altLang="zh-CN" dirty="0"/>
+              <a:t>      </a:t>
+            </a:r>
+            <a:r>
+              <a:rPr kumimoji="1" lang="en-US" altLang="zh-CN" dirty="0" err="1"/>
+              <a:t>int</a:t>
+            </a:r>
+            <a:r>
+              <a:rPr kumimoji="1" lang="en-US" altLang="zh-CN" dirty="0"/>
+              <a:t>  denominator = 3;</a:t>
+            </a:r>
+          </a:p>
+          <a:p>
+            <a:pPr marL="0" indent="0">
+              <a:buNone/>
+            </a:pPr>
+            <a:r>
+              <a:rPr kumimoji="1" lang="en-US" altLang="zh-CN" dirty="0"/>
+              <a:t>      </a:t>
+            </a:r>
+            <a:r>
+              <a:rPr kumimoji="1" lang="en-US" altLang="zh-CN" dirty="0" err="1"/>
+              <a:t>NSLog</a:t>
+            </a:r>
+            <a:r>
+              <a:rPr kumimoji="1" lang="en-US" altLang="zh-CN" dirty="0"/>
+              <a:t> (@"The fraction is %</a:t>
+            </a:r>
+            <a:r>
+              <a:rPr kumimoji="1" lang="en-US" altLang="zh-CN" dirty="0" err="1"/>
+              <a:t>i</a:t>
+            </a:r>
+            <a:r>
+              <a:rPr kumimoji="1" lang="en-US" altLang="zh-CN" dirty="0"/>
+              <a:t>/%</a:t>
+            </a:r>
+            <a:r>
+              <a:rPr kumimoji="1" lang="en-US" altLang="zh-CN" dirty="0" err="1"/>
+              <a:t>i</a:t>
+            </a:r>
+            <a:r>
+              <a:rPr kumimoji="1" lang="en-US" altLang="zh-CN" dirty="0"/>
+              <a:t>", numerator, denominator);</a:t>
+            </a:r>
+          </a:p>
+          <a:p>
+            <a:pPr marL="0" indent="0">
+              <a:buNone/>
+            </a:pPr>
+            <a:r>
+              <a:rPr kumimoji="1" lang="en-US" altLang="zh-CN" dirty="0"/>
+              <a:t>   }</a:t>
+            </a:r>
+          </a:p>
+          <a:p>
+            <a:pPr marL="0" indent="0">
+              <a:buNone/>
+            </a:pPr>
+            <a:r>
+              <a:rPr kumimoji="1" lang="en-US" altLang="zh-CN" dirty="0"/>
+              <a:t>   return 0;</a:t>
+            </a:r>
+          </a:p>
+          <a:p>
+            <a:pPr marL="0" indent="0" algn="ctr">
+              <a:buNone/>
+            </a:pPr>
             <a:r>
               <a:rPr kumimoji="1" lang="en-US" altLang="zh-CN" dirty="0" smtClean="0"/>
-              <a:t>:</a:t>
-            </a:r>
-            <a:r>
-              <a:rPr kumimoji="1" lang="zh-CN" altLang="en-US" dirty="0" smtClean="0"/>
-              <a:t>检索实例变量的值</a:t>
-            </a:r>
-            <a:endParaRPr kumimoji="1" lang="en-US" altLang="zh-CN" dirty="0" smtClean="0"/>
-          </a:p>
-          <a:p>
-            <a:r>
-              <a:rPr kumimoji="1" lang="en-US" altLang="zh-CN" dirty="0" smtClean="0"/>
-              <a:t>Getter</a:t>
-            </a:r>
-            <a:r>
-              <a:rPr kumimoji="1" lang="zh-CN" altLang="en-US" dirty="0" smtClean="0"/>
-              <a:t>方法</a:t>
-            </a:r>
-            <a:r>
-              <a:rPr kumimoji="1" lang="en-US" altLang="zh-CN" dirty="0" smtClean="0"/>
-              <a:t>:</a:t>
-            </a:r>
-            <a:r>
-              <a:rPr kumimoji="1" lang="zh-CN" altLang="en-US" dirty="0" smtClean="0"/>
-              <a:t>设置实例变量的值</a:t>
+              <a:t>}</a:t>
             </a:r>
             <a:endParaRPr kumimoji="1" lang="zh-CN" altLang="en-US" dirty="0"/>
           </a:p>
@@ -3264,13 +3993,20 @@
     </p:spTree>
     <p:extLst>
       <p:ext uri="{BB962C8B-B14F-4D97-AF65-F5344CB8AC3E}">
-        <p14:creationId xmlns:p14="http://schemas.microsoft.com/office/powerpoint/2010/main" val="3166164094"/>
+        <p14:creationId xmlns:p14="http://schemas.microsoft.com/office/powerpoint/2010/main" val="2144573997"/>
       </p:ext>
     </p:extLst>
   </p:cSld>
   <p:clrMapOvr>
     <a:masterClrMapping/>
   </p:clrMapOvr>
+  <p:timing>
+    <p:tnLst>
+      <p:par>
+        <p:cTn xmlns:p14="http://schemas.microsoft.com/office/powerpoint/2010/main" id="1" dur="indefinite" restart="never" nodeType="tmRoot"/>
+      </p:par>
+    </p:tnLst>
+  </p:timing>
 </p:sld>
 </file>
 
@@ -3308,7 +4044,11 @@
           <a:p>
             <a:r>
               <a:rPr kumimoji="1" lang="zh-CN" altLang="en-US" dirty="0" smtClean="0"/>
-              <a:t>练习说明</a:t>
+              <a:t>用类定义分数</a:t>
+            </a:r>
+            <a:r>
+              <a:rPr kumimoji="1" lang="en-US" altLang="zh-CN" dirty="0" smtClean="0"/>
+              <a:t>interface </a:t>
             </a:r>
             <a:endParaRPr kumimoji="1" lang="zh-CN" altLang="en-US" dirty="0"/>
           </a:p>
@@ -3326,23 +4066,1428 @@
         </p:nvSpPr>
         <p:spPr/>
         <p:txBody>
-          <a:bodyPr/>
-          <a:lstStyle/>
-          <a:p>
-            <a:endParaRPr kumimoji="1" lang="zh-CN" altLang="en-US" dirty="0"/>
+          <a:bodyPr>
+            <a:normAutofit fontScale="92500" lnSpcReduction="20000"/>
+          </a:bodyPr>
+          <a:lstStyle/>
+          <a:p>
+            <a:pPr marL="0" indent="0">
+              <a:buNone/>
+            </a:pPr>
+            <a:r>
+              <a:rPr kumimoji="1" lang="en-US" altLang="zh-CN" dirty="0" smtClean="0"/>
+              <a:t>/</a:t>
+            </a:r>
+            <a:r>
+              <a:rPr kumimoji="1" lang="en-US" altLang="zh-CN" dirty="0"/>
+              <a:t>/---- @interface section ----</a:t>
+            </a:r>
+          </a:p>
+          <a:p>
+            <a:pPr marL="0" indent="0">
+              <a:buNone/>
+            </a:pPr>
+            <a:endParaRPr kumimoji="1" lang="en-US" altLang="zh-CN" dirty="0"/>
+          </a:p>
+          <a:p>
+            <a:pPr marL="0" indent="0">
+              <a:buNone/>
+            </a:pPr>
+            <a:r>
+              <a:rPr kumimoji="1" lang="en-US" altLang="zh-CN" dirty="0"/>
+              <a:t>@interface Fraction: </a:t>
+            </a:r>
+            <a:r>
+              <a:rPr kumimoji="1" lang="en-US" altLang="zh-CN" dirty="0" err="1"/>
+              <a:t>NSObject</a:t>
+            </a:r>
+            <a:endParaRPr kumimoji="1" lang="en-US" altLang="zh-CN" dirty="0"/>
+          </a:p>
+          <a:p>
+            <a:pPr marL="0" indent="0">
+              <a:buNone/>
+            </a:pPr>
+            <a:endParaRPr kumimoji="1" lang="en-US" altLang="zh-CN" dirty="0"/>
+          </a:p>
+          <a:p>
+            <a:pPr marL="0" indent="0">
+              <a:buNone/>
+            </a:pPr>
+            <a:r>
+              <a:rPr kumimoji="1" lang="en-US" altLang="zh-CN" dirty="0"/>
+              <a:t>-(void)   print;</a:t>
+            </a:r>
+          </a:p>
+          <a:p>
+            <a:pPr marL="0" indent="0">
+              <a:buNone/>
+            </a:pPr>
+            <a:r>
+              <a:rPr kumimoji="1" lang="en-US" altLang="zh-CN" dirty="0"/>
+              <a:t>-(void)   </a:t>
+            </a:r>
+            <a:r>
+              <a:rPr kumimoji="1" lang="en-US" altLang="zh-CN" dirty="0" err="1"/>
+              <a:t>setNumerator</a:t>
+            </a:r>
+            <a:r>
+              <a:rPr kumimoji="1" lang="en-US" altLang="zh-CN" dirty="0"/>
+              <a:t>: (</a:t>
+            </a:r>
+            <a:r>
+              <a:rPr kumimoji="1" lang="en-US" altLang="zh-CN" dirty="0" err="1"/>
+              <a:t>int</a:t>
+            </a:r>
+            <a:r>
+              <a:rPr kumimoji="1" lang="en-US" altLang="zh-CN" dirty="0"/>
+              <a:t>) n;</a:t>
+            </a:r>
+          </a:p>
+          <a:p>
+            <a:pPr marL="0" indent="0">
+              <a:buNone/>
+            </a:pPr>
+            <a:r>
+              <a:rPr kumimoji="1" lang="en-US" altLang="zh-CN" dirty="0"/>
+              <a:t>-(void)   </a:t>
+            </a:r>
+            <a:r>
+              <a:rPr kumimoji="1" lang="en-US" altLang="zh-CN" dirty="0" err="1"/>
+              <a:t>setDenominator</a:t>
+            </a:r>
+            <a:r>
+              <a:rPr kumimoji="1" lang="en-US" altLang="zh-CN" dirty="0"/>
+              <a:t>: (</a:t>
+            </a:r>
+            <a:r>
+              <a:rPr kumimoji="1" lang="en-US" altLang="zh-CN" dirty="0" err="1"/>
+              <a:t>int</a:t>
+            </a:r>
+            <a:r>
+              <a:rPr kumimoji="1" lang="en-US" altLang="zh-CN" dirty="0"/>
+              <a:t>) d;</a:t>
+            </a:r>
+          </a:p>
+          <a:p>
+            <a:pPr marL="0" indent="0">
+              <a:buNone/>
+            </a:pPr>
+            <a:endParaRPr kumimoji="1" lang="en-US" altLang="zh-CN" dirty="0"/>
+          </a:p>
+          <a:p>
+            <a:pPr marL="0" indent="0">
+              <a:buNone/>
+            </a:pPr>
+            <a:r>
+              <a:rPr kumimoji="1" lang="en-US" altLang="zh-CN" dirty="0"/>
+              <a:t>@</a:t>
+            </a:r>
+            <a:r>
+              <a:rPr kumimoji="1" lang="en-US" altLang="zh-CN" dirty="0" smtClean="0"/>
+              <a:t>end</a:t>
+            </a:r>
+          </a:p>
+          <a:p>
+            <a:pPr marL="0" indent="0">
+              <a:buNone/>
+            </a:pPr>
+            <a:endParaRPr kumimoji="1" lang="en-US" altLang="zh-CN" dirty="0"/>
           </a:p>
         </p:txBody>
       </p:sp>
     </p:spTree>
     <p:extLst>
       <p:ext uri="{BB962C8B-B14F-4D97-AF65-F5344CB8AC3E}">
-        <p14:creationId xmlns:p14="http://schemas.microsoft.com/office/powerpoint/2010/main" val="2407519209"/>
+        <p14:creationId xmlns:p14="http://schemas.microsoft.com/office/powerpoint/2010/main" val="1499542661"/>
       </p:ext>
     </p:extLst>
   </p:cSld>
   <p:clrMapOvr>
     <a:masterClrMapping/>
   </p:clrMapOvr>
+  <p:timing>
+    <p:tnLst>
+      <p:par>
+        <p:cTn xmlns:p14="http://schemas.microsoft.com/office/powerpoint/2010/main" id="1" dur="indefinite" restart="never" nodeType="tmRoot"/>
+      </p:par>
+    </p:tnLst>
+  </p:timing>
+</p:sld>
+</file>
+
+<file path=ppt/slides/slide12.xml><?xml version="1.0" encoding="utf-8"?>
+<p:sld xmlns:a="http://schemas.openxmlformats.org/drawingml/2006/main" xmlns:r="http://schemas.openxmlformats.org/officeDocument/2006/relationships" xmlns:p="http://schemas.openxmlformats.org/presentationml/2006/main">
+  <p:cSld>
+    <p:spTree>
+      <p:nvGrpSpPr>
+        <p:cNvPr id="1" name=""/>
+        <p:cNvGrpSpPr/>
+        <p:nvPr/>
+      </p:nvGrpSpPr>
+      <p:grpSpPr>
+        <a:xfrm>
+          <a:off x="0" y="0"/>
+          <a:ext cx="0" cy="0"/>
+          <a:chOff x="0" y="0"/>
+          <a:chExt cx="0" cy="0"/>
+        </a:xfrm>
+      </p:grpSpPr>
+      <p:sp>
+        <p:nvSpPr>
+          <p:cNvPr id="2" name="标题 1"/>
+          <p:cNvSpPr>
+            <a:spLocks noGrp="1"/>
+          </p:cNvSpPr>
+          <p:nvPr>
+            <p:ph type="title"/>
+          </p:nvPr>
+        </p:nvSpPr>
+        <p:spPr/>
+        <p:txBody>
+          <a:bodyPr/>
+          <a:lstStyle/>
+          <a:p>
+            <a:r>
+              <a:rPr kumimoji="1" lang="zh-CN" altLang="en-US" dirty="0"/>
+              <a:t>用类定义</a:t>
+            </a:r>
+            <a:r>
+              <a:rPr kumimoji="1" lang="zh-CN" altLang="en-US" dirty="0" smtClean="0"/>
+              <a:t>分数</a:t>
+            </a:r>
+            <a:r>
+              <a:rPr kumimoji="1" lang="en-US" altLang="zh-CN" dirty="0"/>
+              <a:t>implementation </a:t>
+            </a:r>
+            <a:endParaRPr kumimoji="1" lang="zh-CN" altLang="en-US" dirty="0"/>
+          </a:p>
+        </p:txBody>
+      </p:sp>
+      <p:sp>
+        <p:nvSpPr>
+          <p:cNvPr id="3" name="内容占位符 2"/>
+          <p:cNvSpPr>
+            <a:spLocks noGrp="1"/>
+          </p:cNvSpPr>
+          <p:nvPr>
+            <p:ph idx="1"/>
+          </p:nvPr>
+        </p:nvSpPr>
+        <p:spPr/>
+        <p:txBody>
+          <a:bodyPr>
+            <a:normAutofit/>
+          </a:bodyPr>
+          <a:lstStyle/>
+          <a:p>
+            <a:pPr marL="0" indent="0">
+              <a:buNone/>
+            </a:pPr>
+            <a:r>
+              <a:rPr kumimoji="1" lang="en-US" altLang="zh-CN" dirty="0" smtClean="0"/>
+              <a:t>/</a:t>
+            </a:r>
+            <a:r>
+              <a:rPr kumimoji="1" lang="en-US" altLang="zh-CN" dirty="0"/>
+              <a:t>/---- @implementation section ----</a:t>
+            </a:r>
+          </a:p>
+          <a:p>
+            <a:pPr marL="0" indent="0">
+              <a:buNone/>
+            </a:pPr>
+            <a:endParaRPr kumimoji="1" lang="en-US" altLang="zh-CN" dirty="0"/>
+          </a:p>
+          <a:p>
+            <a:pPr marL="0" indent="0">
+              <a:buNone/>
+            </a:pPr>
+            <a:r>
+              <a:rPr kumimoji="1" lang="en-US" altLang="zh-CN" dirty="0"/>
+              <a:t>@implementation Fraction</a:t>
+            </a:r>
+          </a:p>
+          <a:p>
+            <a:pPr marL="0" indent="0">
+              <a:buNone/>
+            </a:pPr>
+            <a:r>
+              <a:rPr kumimoji="1" lang="en-US" altLang="zh-CN" dirty="0"/>
+              <a:t>{</a:t>
+            </a:r>
+          </a:p>
+          <a:p>
+            <a:pPr marL="0" indent="0">
+              <a:buNone/>
+            </a:pPr>
+            <a:r>
+              <a:rPr kumimoji="1" lang="en-US" altLang="zh-CN" dirty="0"/>
+              <a:t>   </a:t>
+            </a:r>
+            <a:r>
+              <a:rPr kumimoji="1" lang="en-US" altLang="zh-CN" dirty="0" err="1"/>
+              <a:t>int</a:t>
+            </a:r>
+            <a:r>
+              <a:rPr kumimoji="1" lang="en-US" altLang="zh-CN" dirty="0"/>
+              <a:t>  numerator;</a:t>
+            </a:r>
+          </a:p>
+          <a:p>
+            <a:pPr marL="0" indent="0">
+              <a:buNone/>
+            </a:pPr>
+            <a:r>
+              <a:rPr kumimoji="1" lang="en-US" altLang="zh-CN" dirty="0"/>
+              <a:t>   </a:t>
+            </a:r>
+            <a:r>
+              <a:rPr kumimoji="1" lang="en-US" altLang="zh-CN" dirty="0" err="1"/>
+              <a:t>int</a:t>
+            </a:r>
+            <a:r>
+              <a:rPr kumimoji="1" lang="en-US" altLang="zh-CN" dirty="0"/>
+              <a:t>  denominator;</a:t>
+            </a:r>
+          </a:p>
+          <a:p>
+            <a:pPr marL="0" indent="0">
+              <a:buNone/>
+            </a:pPr>
+            <a:r>
+              <a:rPr kumimoji="1" lang="en-US" altLang="zh-CN" dirty="0" smtClean="0"/>
+              <a:t>}</a:t>
+            </a:r>
+            <a:endParaRPr kumimoji="1" lang="en-US" altLang="zh-CN" dirty="0"/>
+          </a:p>
+        </p:txBody>
+      </p:sp>
+    </p:spTree>
+    <p:extLst>
+      <p:ext uri="{BB962C8B-B14F-4D97-AF65-F5344CB8AC3E}">
+        <p14:creationId xmlns:p14="http://schemas.microsoft.com/office/powerpoint/2010/main" val="449140521"/>
+      </p:ext>
+    </p:extLst>
+  </p:cSld>
+  <p:clrMapOvr>
+    <a:masterClrMapping/>
+  </p:clrMapOvr>
+  <p:timing>
+    <p:tnLst>
+      <p:par>
+        <p:cTn xmlns:p14="http://schemas.microsoft.com/office/powerpoint/2010/main" id="1" dur="indefinite" restart="never" nodeType="tmRoot"/>
+      </p:par>
+    </p:tnLst>
+  </p:timing>
+</p:sld>
+</file>
+
+<file path=ppt/slides/slide13.xml><?xml version="1.0" encoding="utf-8"?>
+<p:sld xmlns:a="http://schemas.openxmlformats.org/drawingml/2006/main" xmlns:r="http://schemas.openxmlformats.org/officeDocument/2006/relationships" xmlns:p="http://schemas.openxmlformats.org/presentationml/2006/main">
+  <p:cSld>
+    <p:spTree>
+      <p:nvGrpSpPr>
+        <p:cNvPr id="1" name=""/>
+        <p:cNvGrpSpPr/>
+        <p:nvPr/>
+      </p:nvGrpSpPr>
+      <p:grpSpPr>
+        <a:xfrm>
+          <a:off x="0" y="0"/>
+          <a:ext cx="0" cy="0"/>
+          <a:chOff x="0" y="0"/>
+          <a:chExt cx="0" cy="0"/>
+        </a:xfrm>
+      </p:grpSpPr>
+      <p:sp>
+        <p:nvSpPr>
+          <p:cNvPr id="2" name="标题 1"/>
+          <p:cNvSpPr>
+            <a:spLocks noGrp="1"/>
+          </p:cNvSpPr>
+          <p:nvPr>
+            <p:ph type="title"/>
+          </p:nvPr>
+        </p:nvSpPr>
+        <p:spPr/>
+        <p:txBody>
+          <a:bodyPr/>
+          <a:lstStyle/>
+          <a:p>
+            <a:r>
+              <a:rPr kumimoji="1" lang="zh-CN" altLang="en-US" dirty="0"/>
+              <a:t>用类定义</a:t>
+            </a:r>
+            <a:r>
+              <a:rPr kumimoji="1" lang="zh-CN" altLang="en-US" dirty="0" smtClean="0"/>
+              <a:t>分数（方法定义）</a:t>
+            </a:r>
+            <a:r>
+              <a:rPr kumimoji="1" lang="en-US" altLang="zh-CN" dirty="0" smtClean="0"/>
+              <a:t> </a:t>
+            </a:r>
+            <a:endParaRPr kumimoji="1" lang="zh-CN" altLang="en-US" dirty="0"/>
+          </a:p>
+        </p:txBody>
+      </p:sp>
+      <p:sp>
+        <p:nvSpPr>
+          <p:cNvPr id="3" name="内容占位符 2"/>
+          <p:cNvSpPr>
+            <a:spLocks noGrp="1"/>
+          </p:cNvSpPr>
+          <p:nvPr>
+            <p:ph idx="1"/>
+          </p:nvPr>
+        </p:nvSpPr>
+        <p:spPr/>
+        <p:txBody>
+          <a:bodyPr>
+            <a:normAutofit fontScale="55000" lnSpcReduction="20000"/>
+          </a:bodyPr>
+          <a:lstStyle/>
+          <a:p>
+            <a:pPr marL="0" indent="0">
+              <a:buNone/>
+            </a:pPr>
+            <a:r>
+              <a:rPr kumimoji="1" lang="en-US" altLang="zh-CN" dirty="0"/>
+              <a:t>-(void) print</a:t>
+            </a:r>
+          </a:p>
+          <a:p>
+            <a:pPr marL="0" indent="0">
+              <a:buNone/>
+            </a:pPr>
+            <a:r>
+              <a:rPr kumimoji="1" lang="en-US" altLang="zh-CN" dirty="0"/>
+              <a:t>{</a:t>
+            </a:r>
+          </a:p>
+          <a:p>
+            <a:pPr marL="0" indent="0">
+              <a:buNone/>
+            </a:pPr>
+            <a:r>
+              <a:rPr kumimoji="1" lang="en-US" altLang="zh-CN" dirty="0"/>
+              <a:t>   </a:t>
+            </a:r>
+            <a:r>
+              <a:rPr kumimoji="1" lang="en-US" altLang="zh-CN" dirty="0" err="1"/>
+              <a:t>NSLog</a:t>
+            </a:r>
+            <a:r>
+              <a:rPr kumimoji="1" lang="en-US" altLang="zh-CN" dirty="0"/>
+              <a:t> (@"%</a:t>
+            </a:r>
+            <a:r>
+              <a:rPr kumimoji="1" lang="en-US" altLang="zh-CN" dirty="0" err="1"/>
+              <a:t>i</a:t>
+            </a:r>
+            <a:r>
+              <a:rPr kumimoji="1" lang="en-US" altLang="zh-CN" dirty="0"/>
+              <a:t>/%</a:t>
+            </a:r>
+            <a:r>
+              <a:rPr kumimoji="1" lang="en-US" altLang="zh-CN" dirty="0" err="1"/>
+              <a:t>i</a:t>
+            </a:r>
+            <a:r>
+              <a:rPr kumimoji="1" lang="en-US" altLang="zh-CN" dirty="0"/>
+              <a:t>", numerator, denominator);</a:t>
+            </a:r>
+          </a:p>
+          <a:p>
+            <a:pPr marL="0" indent="0">
+              <a:buNone/>
+            </a:pPr>
+            <a:r>
+              <a:rPr kumimoji="1" lang="en-US" altLang="zh-CN" dirty="0"/>
+              <a:t>}</a:t>
+            </a:r>
+          </a:p>
+          <a:p>
+            <a:pPr marL="0" indent="0">
+              <a:buNone/>
+            </a:pPr>
+            <a:endParaRPr kumimoji="1" lang="en-US" altLang="zh-CN" dirty="0"/>
+          </a:p>
+          <a:p>
+            <a:pPr marL="0" indent="0">
+              <a:buNone/>
+            </a:pPr>
+            <a:r>
+              <a:rPr kumimoji="1" lang="en-US" altLang="zh-CN" dirty="0"/>
+              <a:t>-(void) </a:t>
+            </a:r>
+            <a:r>
+              <a:rPr kumimoji="1" lang="en-US" altLang="zh-CN" dirty="0" err="1"/>
+              <a:t>setNumerator</a:t>
+            </a:r>
+            <a:r>
+              <a:rPr kumimoji="1" lang="en-US" altLang="zh-CN" dirty="0"/>
+              <a:t>: (</a:t>
+            </a:r>
+            <a:r>
+              <a:rPr kumimoji="1" lang="en-US" altLang="zh-CN" dirty="0" err="1"/>
+              <a:t>int</a:t>
+            </a:r>
+            <a:r>
+              <a:rPr kumimoji="1" lang="en-US" altLang="zh-CN" dirty="0"/>
+              <a:t>) n</a:t>
+            </a:r>
+          </a:p>
+          <a:p>
+            <a:pPr marL="0" indent="0">
+              <a:buNone/>
+            </a:pPr>
+            <a:r>
+              <a:rPr kumimoji="1" lang="en-US" altLang="zh-CN" dirty="0" smtClean="0"/>
+              <a:t>{</a:t>
+            </a:r>
+            <a:endParaRPr kumimoji="1" lang="en-US" altLang="zh-CN" dirty="0"/>
+          </a:p>
+          <a:p>
+            <a:pPr marL="0" indent="0">
+              <a:buNone/>
+            </a:pPr>
+            <a:r>
+              <a:rPr kumimoji="1" lang="en-US" altLang="zh-CN" dirty="0"/>
+              <a:t>   numerator = n;</a:t>
+            </a:r>
+          </a:p>
+          <a:p>
+            <a:pPr marL="0" indent="0">
+              <a:buNone/>
+            </a:pPr>
+            <a:r>
+              <a:rPr kumimoji="1" lang="en-US" altLang="zh-CN" dirty="0"/>
+              <a:t>}</a:t>
+            </a:r>
+          </a:p>
+          <a:p>
+            <a:pPr marL="0" indent="0">
+              <a:buNone/>
+            </a:pPr>
+            <a:endParaRPr kumimoji="1" lang="en-US" altLang="zh-CN" dirty="0"/>
+          </a:p>
+          <a:p>
+            <a:pPr marL="0" indent="0">
+              <a:buNone/>
+            </a:pPr>
+            <a:r>
+              <a:rPr kumimoji="1" lang="en-US" altLang="zh-CN" dirty="0"/>
+              <a:t>-(void) </a:t>
+            </a:r>
+            <a:r>
+              <a:rPr kumimoji="1" lang="en-US" altLang="zh-CN" dirty="0" err="1"/>
+              <a:t>setDenominator</a:t>
+            </a:r>
+            <a:r>
+              <a:rPr kumimoji="1" lang="en-US" altLang="zh-CN" dirty="0"/>
+              <a:t>: (</a:t>
+            </a:r>
+            <a:r>
+              <a:rPr kumimoji="1" lang="en-US" altLang="zh-CN" dirty="0" err="1"/>
+              <a:t>int</a:t>
+            </a:r>
+            <a:r>
+              <a:rPr kumimoji="1" lang="en-US" altLang="zh-CN" dirty="0"/>
+              <a:t>) d</a:t>
+            </a:r>
+          </a:p>
+          <a:p>
+            <a:pPr marL="0" indent="0">
+              <a:buNone/>
+            </a:pPr>
+            <a:r>
+              <a:rPr kumimoji="1" lang="en-US" altLang="zh-CN" dirty="0"/>
+              <a:t>{</a:t>
+            </a:r>
+          </a:p>
+          <a:p>
+            <a:pPr marL="0" indent="0">
+              <a:buNone/>
+            </a:pPr>
+            <a:r>
+              <a:rPr kumimoji="1" lang="en-US" altLang="zh-CN" dirty="0"/>
+              <a:t>   denominator = d;</a:t>
+            </a:r>
+          </a:p>
+          <a:p>
+            <a:pPr marL="0" indent="0">
+              <a:buNone/>
+            </a:pPr>
+            <a:r>
+              <a:rPr kumimoji="1" lang="en-US" altLang="zh-CN" dirty="0"/>
+              <a:t>}</a:t>
+            </a:r>
+          </a:p>
+          <a:p>
+            <a:pPr marL="0" indent="0">
+              <a:buNone/>
+            </a:pPr>
+            <a:endParaRPr kumimoji="1" lang="en-US" altLang="zh-CN" dirty="0"/>
+          </a:p>
+          <a:p>
+            <a:pPr marL="0" indent="0">
+              <a:buNone/>
+            </a:pPr>
+            <a:r>
+              <a:rPr kumimoji="1" lang="en-US" altLang="zh-CN" dirty="0"/>
+              <a:t>@end</a:t>
+            </a:r>
+          </a:p>
+          <a:p>
+            <a:endParaRPr kumimoji="1" lang="zh-CN" altLang="en-US" dirty="0"/>
+          </a:p>
+        </p:txBody>
+      </p:sp>
+    </p:spTree>
+    <p:extLst>
+      <p:ext uri="{BB962C8B-B14F-4D97-AF65-F5344CB8AC3E}">
+        <p14:creationId xmlns:p14="http://schemas.microsoft.com/office/powerpoint/2010/main" val="2539499416"/>
+      </p:ext>
+    </p:extLst>
+  </p:cSld>
+  <p:clrMapOvr>
+    <a:masterClrMapping/>
+  </p:clrMapOvr>
+  <p:timing>
+    <p:tnLst>
+      <p:par>
+        <p:cTn xmlns:p14="http://schemas.microsoft.com/office/powerpoint/2010/main" id="1" dur="indefinite" restart="never" nodeType="tmRoot"/>
+      </p:par>
+    </p:tnLst>
+  </p:timing>
+</p:sld>
+</file>
+
+<file path=ppt/slides/slide14.xml><?xml version="1.0" encoding="utf-8"?>
+<p:sld xmlns:a="http://schemas.openxmlformats.org/drawingml/2006/main" xmlns:r="http://schemas.openxmlformats.org/officeDocument/2006/relationships" xmlns:p="http://schemas.openxmlformats.org/presentationml/2006/main">
+  <p:cSld>
+    <p:spTree>
+      <p:nvGrpSpPr>
+        <p:cNvPr id="1" name=""/>
+        <p:cNvGrpSpPr/>
+        <p:nvPr/>
+      </p:nvGrpSpPr>
+      <p:grpSpPr>
+        <a:xfrm>
+          <a:off x="0" y="0"/>
+          <a:ext cx="0" cy="0"/>
+          <a:chOff x="0" y="0"/>
+          <a:chExt cx="0" cy="0"/>
+        </a:xfrm>
+      </p:grpSpPr>
+      <p:sp>
+        <p:nvSpPr>
+          <p:cNvPr id="2" name="标题 1"/>
+          <p:cNvSpPr>
+            <a:spLocks noGrp="1"/>
+          </p:cNvSpPr>
+          <p:nvPr>
+            <p:ph type="title"/>
+          </p:nvPr>
+        </p:nvSpPr>
+        <p:spPr/>
+        <p:txBody>
+          <a:bodyPr/>
+          <a:lstStyle/>
+          <a:p>
+            <a:r>
+              <a:rPr kumimoji="1" lang="zh-CN" altLang="en-US" dirty="0" smtClean="0"/>
+              <a:t>程序解释</a:t>
+            </a:r>
+            <a:endParaRPr kumimoji="1" lang="zh-CN" altLang="en-US" dirty="0"/>
+          </a:p>
+        </p:txBody>
+      </p:sp>
+      <p:sp>
+        <p:nvSpPr>
+          <p:cNvPr id="3" name="内容占位符 2"/>
+          <p:cNvSpPr>
+            <a:spLocks noGrp="1"/>
+          </p:cNvSpPr>
+          <p:nvPr>
+            <p:ph idx="1"/>
+          </p:nvPr>
+        </p:nvSpPr>
+        <p:spPr/>
+        <p:txBody>
+          <a:bodyPr/>
+          <a:lstStyle/>
+          <a:p>
+            <a:pPr marL="0" indent="0">
+              <a:buNone/>
+            </a:pPr>
+            <a:r>
+              <a:rPr kumimoji="1" lang="en-US" altLang="zh-CN" dirty="0"/>
+              <a:t>@interface </a:t>
+            </a:r>
+            <a:r>
+              <a:rPr kumimoji="1" lang="en-US" altLang="zh-CN" dirty="0" smtClean="0"/>
+              <a:t>section</a:t>
+            </a:r>
+            <a:r>
+              <a:rPr kumimoji="1" lang="zh-CN" altLang="en-US" dirty="0" smtClean="0"/>
+              <a:t>：</a:t>
+            </a:r>
+            <a:endParaRPr kumimoji="1" lang="en-US" altLang="zh-CN" dirty="0" smtClean="0"/>
+          </a:p>
+          <a:p>
+            <a:pPr marL="0" indent="0">
+              <a:buNone/>
+            </a:pPr>
+            <a:r>
+              <a:rPr kumimoji="1" lang="zh-CN" altLang="en-US" dirty="0" smtClean="0"/>
+              <a:t>方法和类的声明</a:t>
+            </a:r>
+            <a:endParaRPr kumimoji="1" lang="en-US" altLang="zh-CN" dirty="0" smtClean="0"/>
+          </a:p>
+          <a:p>
+            <a:pPr marL="0" indent="0">
+              <a:buNone/>
+            </a:pPr>
+            <a:r>
+              <a:rPr kumimoji="1" lang="en-US" altLang="zh-CN" dirty="0" smtClean="0"/>
+              <a:t>@</a:t>
+            </a:r>
+            <a:r>
+              <a:rPr kumimoji="1" lang="en-US" altLang="zh-CN" dirty="0"/>
+              <a:t>implementation </a:t>
+            </a:r>
+            <a:r>
+              <a:rPr kumimoji="1" lang="en-US" altLang="zh-CN" dirty="0" smtClean="0"/>
+              <a:t>section</a:t>
+            </a:r>
+          </a:p>
+          <a:p>
+            <a:pPr marL="0" indent="0">
+              <a:buNone/>
+            </a:pPr>
+            <a:r>
+              <a:rPr kumimoji="1" lang="zh-CN" altLang="en-US" dirty="0" smtClean="0"/>
+              <a:t>实例变量</a:t>
+            </a:r>
+            <a:r>
+              <a:rPr kumimoji="1" lang="zh-CN" altLang="zh-CN" dirty="0"/>
+              <a:t>，</a:t>
+            </a:r>
+            <a:r>
+              <a:rPr kumimoji="1" lang="zh-CN" altLang="en-US" dirty="0" smtClean="0"/>
+              <a:t>方法的实现</a:t>
+            </a:r>
+            <a:endParaRPr kumimoji="1" lang="en-US" altLang="zh-CN" dirty="0"/>
+          </a:p>
+          <a:p>
+            <a:pPr marL="0" indent="0">
+              <a:buNone/>
+            </a:pPr>
+            <a:r>
+              <a:rPr kumimoji="1" lang="en-US" altLang="zh-CN" dirty="0"/>
+              <a:t> program section</a:t>
+            </a:r>
+          </a:p>
+          <a:p>
+            <a:pPr marL="0" indent="0">
+              <a:buNone/>
+            </a:pPr>
+            <a:r>
+              <a:rPr kumimoji="1" lang="zh-CN" altLang="en-US" dirty="0" smtClean="0"/>
+              <a:t>实现程序预期的目的</a:t>
+            </a:r>
+            <a:endParaRPr kumimoji="1" lang="en-US" altLang="zh-CN" dirty="0"/>
+          </a:p>
+        </p:txBody>
+      </p:sp>
+    </p:spTree>
+    <p:extLst>
+      <p:ext uri="{BB962C8B-B14F-4D97-AF65-F5344CB8AC3E}">
+        <p14:creationId xmlns:p14="http://schemas.microsoft.com/office/powerpoint/2010/main" val="457942000"/>
+      </p:ext>
+    </p:extLst>
+  </p:cSld>
+  <p:clrMapOvr>
+    <a:masterClrMapping/>
+  </p:clrMapOvr>
+  <p:timing>
+    <p:tnLst>
+      <p:par>
+        <p:cTn xmlns:p14="http://schemas.microsoft.com/office/powerpoint/2010/main" id="1" dur="indefinite" restart="never" nodeType="tmRoot"/>
+      </p:par>
+    </p:tnLst>
+  </p:timing>
+</p:sld>
+</file>
+
+<file path=ppt/slides/slide15.xml><?xml version="1.0" encoding="utf-8"?>
+<p:sld xmlns:a="http://schemas.openxmlformats.org/drawingml/2006/main" xmlns:r="http://schemas.openxmlformats.org/officeDocument/2006/relationships" xmlns:p="http://schemas.openxmlformats.org/presentationml/2006/main">
+  <p:cSld>
+    <p:spTree>
+      <p:nvGrpSpPr>
+        <p:cNvPr id="1" name=""/>
+        <p:cNvGrpSpPr/>
+        <p:nvPr/>
+      </p:nvGrpSpPr>
+      <p:grpSpPr>
+        <a:xfrm>
+          <a:off x="0" y="0"/>
+          <a:ext cx="0" cy="0"/>
+          <a:chOff x="0" y="0"/>
+          <a:chExt cx="0" cy="0"/>
+        </a:xfrm>
+      </p:grpSpPr>
+      <p:sp>
+        <p:nvSpPr>
+          <p:cNvPr id="2" name="标题 1"/>
+          <p:cNvSpPr>
+            <a:spLocks noGrp="1"/>
+          </p:cNvSpPr>
+          <p:nvPr>
+            <p:ph type="title"/>
+          </p:nvPr>
+        </p:nvSpPr>
+        <p:spPr/>
+        <p:txBody>
+          <a:bodyPr/>
+          <a:lstStyle/>
+          <a:p>
+            <a:r>
+              <a:rPr kumimoji="1" lang="en-US" altLang="zh-CN" dirty="0" smtClean="0"/>
+              <a:t>@interface</a:t>
+            </a:r>
+            <a:r>
+              <a:rPr kumimoji="1" lang="zh-CN" altLang="en-US" dirty="0" smtClean="0"/>
+              <a:t>部分</a:t>
+            </a:r>
+            <a:endParaRPr kumimoji="1" lang="zh-CN" altLang="en-US" dirty="0"/>
+          </a:p>
+        </p:txBody>
+      </p:sp>
+      <p:sp>
+        <p:nvSpPr>
+          <p:cNvPr id="3" name="内容占位符 2"/>
+          <p:cNvSpPr>
+            <a:spLocks noGrp="1"/>
+          </p:cNvSpPr>
+          <p:nvPr>
+            <p:ph idx="1"/>
+          </p:nvPr>
+        </p:nvSpPr>
+        <p:spPr/>
+        <p:txBody>
+          <a:bodyPr>
+            <a:normAutofit/>
+          </a:bodyPr>
+          <a:lstStyle/>
+          <a:p>
+            <a:pPr marL="514350" indent="-514350">
+              <a:buFont typeface="+mj-lt"/>
+              <a:buAutoNum type="arabicPeriod"/>
+            </a:pPr>
+            <a:r>
+              <a:rPr kumimoji="1" lang="en-US" altLang="zh-CN" dirty="0" smtClean="0"/>
+              <a:t>@interface</a:t>
+            </a:r>
+            <a:r>
+              <a:rPr kumimoji="1" lang="zh-CN" altLang="en-US" dirty="0" smtClean="0"/>
+              <a:t>声明的语法</a:t>
+            </a:r>
+            <a:endParaRPr kumimoji="1" lang="en-US" altLang="zh-CN" dirty="0" smtClean="0"/>
+          </a:p>
+          <a:p>
+            <a:pPr marL="514350" indent="-514350">
+              <a:buFont typeface="+mj-lt"/>
+              <a:buAutoNum type="arabicPeriod"/>
+            </a:pPr>
+            <a:r>
+              <a:rPr kumimoji="1" lang="zh-CN" altLang="en-US" dirty="0" smtClean="0"/>
+              <a:t>命名的一些约定</a:t>
+            </a:r>
+            <a:endParaRPr kumimoji="1" lang="en-US" altLang="zh-CN" dirty="0" smtClean="0"/>
+          </a:p>
+          <a:p>
+            <a:pPr marL="514350" indent="-514350">
+              <a:buFont typeface="+mj-lt"/>
+              <a:buAutoNum type="arabicPeriod"/>
+            </a:pPr>
+            <a:r>
+              <a:rPr kumimoji="1" lang="zh-CN" altLang="en-US" dirty="0" smtClean="0"/>
+              <a:t>类方法和实例方法</a:t>
+            </a:r>
+            <a:endParaRPr kumimoji="1" lang="en-US" altLang="zh-CN" dirty="0"/>
+          </a:p>
+        </p:txBody>
+      </p:sp>
+    </p:spTree>
+    <p:extLst>
+      <p:ext uri="{BB962C8B-B14F-4D97-AF65-F5344CB8AC3E}">
+        <p14:creationId xmlns:p14="http://schemas.microsoft.com/office/powerpoint/2010/main" val="4103207823"/>
+      </p:ext>
+    </p:extLst>
+  </p:cSld>
+  <p:clrMapOvr>
+    <a:masterClrMapping/>
+  </p:clrMapOvr>
+  <p:timing>
+    <p:tnLst>
+      <p:par>
+        <p:cTn xmlns:p14="http://schemas.microsoft.com/office/powerpoint/2010/main" id="1" dur="indefinite" restart="never" nodeType="tmRoot"/>
+      </p:par>
+    </p:tnLst>
+  </p:timing>
+</p:sld>
+</file>
+
+<file path=ppt/slides/slide16.xml><?xml version="1.0" encoding="utf-8"?>
+<p:sld xmlns:a="http://schemas.openxmlformats.org/drawingml/2006/main" xmlns:r="http://schemas.openxmlformats.org/officeDocument/2006/relationships" xmlns:p="http://schemas.openxmlformats.org/presentationml/2006/main">
+  <p:cSld>
+    <p:spTree>
+      <p:nvGrpSpPr>
+        <p:cNvPr id="1" name=""/>
+        <p:cNvGrpSpPr/>
+        <p:nvPr/>
+      </p:nvGrpSpPr>
+      <p:grpSpPr>
+        <a:xfrm>
+          <a:off x="0" y="0"/>
+          <a:ext cx="0" cy="0"/>
+          <a:chOff x="0" y="0"/>
+          <a:chExt cx="0" cy="0"/>
+        </a:xfrm>
+      </p:grpSpPr>
+      <p:sp>
+        <p:nvSpPr>
+          <p:cNvPr id="2" name="标题 1"/>
+          <p:cNvSpPr>
+            <a:spLocks noGrp="1"/>
+          </p:cNvSpPr>
+          <p:nvPr>
+            <p:ph type="title"/>
+          </p:nvPr>
+        </p:nvSpPr>
+        <p:spPr/>
+        <p:txBody>
+          <a:bodyPr>
+            <a:normAutofit fontScale="90000"/>
+          </a:bodyPr>
+          <a:lstStyle/>
+          <a:p>
+            <a:r>
+              <a:rPr kumimoji="1" lang="en-US" altLang="zh-CN" dirty="0"/>
+              <a:t>@interface</a:t>
+            </a:r>
+            <a:r>
+              <a:rPr kumimoji="1" lang="zh-CN" altLang="en-US" dirty="0"/>
+              <a:t>声明的语法</a:t>
+            </a:r>
+            <a:r>
+              <a:rPr kumimoji="1" lang="en-US" altLang="zh-CN" dirty="0"/>
+              <a:t/>
+            </a:r>
+            <a:br>
+              <a:rPr kumimoji="1" lang="en-US" altLang="zh-CN" dirty="0"/>
+            </a:br>
+            <a:endParaRPr kumimoji="1" lang="zh-CN" altLang="en-US" dirty="0"/>
+          </a:p>
+        </p:txBody>
+      </p:sp>
+      <p:sp>
+        <p:nvSpPr>
+          <p:cNvPr id="3" name="内容占位符 2"/>
+          <p:cNvSpPr>
+            <a:spLocks noGrp="1"/>
+          </p:cNvSpPr>
+          <p:nvPr>
+            <p:ph idx="1"/>
+          </p:nvPr>
+        </p:nvSpPr>
+        <p:spPr/>
+        <p:txBody>
+          <a:bodyPr/>
+          <a:lstStyle/>
+          <a:p>
+            <a:pPr marL="0" indent="0">
+              <a:buNone/>
+            </a:pPr>
+            <a:r>
+              <a:rPr kumimoji="1" lang="en-US" altLang="zh-CN" dirty="0"/>
+              <a:t>@</a:t>
+            </a:r>
+            <a:r>
+              <a:rPr kumimoji="1" lang="en-US" altLang="zh-CN" dirty="0" err="1"/>
+              <a:t>interace</a:t>
+            </a:r>
+            <a:r>
+              <a:rPr kumimoji="1" lang="en-US" altLang="zh-CN" dirty="0"/>
+              <a:t> </a:t>
+            </a:r>
+            <a:r>
+              <a:rPr kumimoji="1" lang="en-US" altLang="zh-CN" dirty="0" err="1"/>
+              <a:t>NewClassName:ParentClassName</a:t>
+            </a:r>
+            <a:endParaRPr kumimoji="1" lang="en-US" altLang="zh-CN" dirty="0"/>
+          </a:p>
+          <a:p>
+            <a:pPr marL="0" indent="0">
+              <a:buNone/>
+            </a:pPr>
+            <a:r>
+              <a:rPr kumimoji="1" lang="en-US" altLang="zh-CN" dirty="0" err="1"/>
+              <a:t>propertyAndMethodDeclarations</a:t>
+            </a:r>
+            <a:r>
+              <a:rPr kumimoji="1" lang="en-US" altLang="zh-CN" dirty="0"/>
+              <a:t>;</a:t>
+            </a:r>
+          </a:p>
+          <a:p>
+            <a:pPr marL="0" indent="0">
+              <a:buNone/>
+            </a:pPr>
+            <a:r>
+              <a:rPr kumimoji="1" lang="en-US" altLang="zh-CN" dirty="0"/>
+              <a:t>@end</a:t>
+            </a:r>
+          </a:p>
+          <a:p>
+            <a:endParaRPr kumimoji="1" lang="zh-CN" altLang="en-US" dirty="0"/>
+          </a:p>
+        </p:txBody>
+      </p:sp>
+    </p:spTree>
+    <p:extLst>
+      <p:ext uri="{BB962C8B-B14F-4D97-AF65-F5344CB8AC3E}">
+        <p14:creationId xmlns:p14="http://schemas.microsoft.com/office/powerpoint/2010/main" val="3125111537"/>
+      </p:ext>
+    </p:extLst>
+  </p:cSld>
+  <p:clrMapOvr>
+    <a:masterClrMapping/>
+  </p:clrMapOvr>
+  <p:timing>
+    <p:tnLst>
+      <p:par>
+        <p:cTn xmlns:p14="http://schemas.microsoft.com/office/powerpoint/2010/main" id="1" dur="indefinite" restart="never" nodeType="tmRoot"/>
+      </p:par>
+    </p:tnLst>
+  </p:timing>
+</p:sld>
+</file>
+
+<file path=ppt/slides/slide17.xml><?xml version="1.0" encoding="utf-8"?>
+<p:sld xmlns:a="http://schemas.openxmlformats.org/drawingml/2006/main" xmlns:r="http://schemas.openxmlformats.org/officeDocument/2006/relationships" xmlns:p="http://schemas.openxmlformats.org/presentationml/2006/main">
+  <p:cSld>
+    <p:spTree>
+      <p:nvGrpSpPr>
+        <p:cNvPr id="1" name=""/>
+        <p:cNvGrpSpPr/>
+        <p:nvPr/>
+      </p:nvGrpSpPr>
+      <p:grpSpPr>
+        <a:xfrm>
+          <a:off x="0" y="0"/>
+          <a:ext cx="0" cy="0"/>
+          <a:chOff x="0" y="0"/>
+          <a:chExt cx="0" cy="0"/>
+        </a:xfrm>
+      </p:grpSpPr>
+      <p:sp>
+        <p:nvSpPr>
+          <p:cNvPr id="2" name="标题 1"/>
+          <p:cNvSpPr>
+            <a:spLocks noGrp="1"/>
+          </p:cNvSpPr>
+          <p:nvPr>
+            <p:ph type="title"/>
+          </p:nvPr>
+        </p:nvSpPr>
+        <p:spPr/>
+        <p:txBody>
+          <a:bodyPr/>
+          <a:lstStyle/>
+          <a:p>
+            <a:pPr marL="514350" indent="-514350"/>
+            <a:r>
+              <a:rPr kumimoji="1" lang="zh-CN" altLang="en-US" dirty="0"/>
+              <a:t>命名的一些约定</a:t>
+            </a:r>
+            <a:endParaRPr kumimoji="1" lang="en-US" altLang="zh-CN" dirty="0"/>
+          </a:p>
+        </p:txBody>
+      </p:sp>
+      <p:sp>
+        <p:nvSpPr>
+          <p:cNvPr id="3" name="内容占位符 2"/>
+          <p:cNvSpPr>
+            <a:spLocks noGrp="1"/>
+          </p:cNvSpPr>
+          <p:nvPr>
+            <p:ph idx="1"/>
+          </p:nvPr>
+        </p:nvSpPr>
+        <p:spPr/>
+        <p:txBody>
+          <a:bodyPr>
+            <a:normAutofit/>
+          </a:bodyPr>
+          <a:lstStyle/>
+          <a:p>
+            <a:pPr marL="0" indent="0">
+              <a:buNone/>
+            </a:pPr>
+            <a:r>
+              <a:rPr kumimoji="1" lang="zh-CN" altLang="en-US" dirty="0" smtClean="0"/>
+              <a:t>必须满足的：</a:t>
+            </a:r>
+            <a:endParaRPr kumimoji="1" lang="en-US" altLang="zh-CN" dirty="0" smtClean="0"/>
+          </a:p>
+          <a:p>
+            <a:pPr marL="514350" indent="-514350">
+              <a:buFont typeface="+mj-lt"/>
+              <a:buAutoNum type="arabicPeriod"/>
+            </a:pPr>
+            <a:r>
+              <a:rPr kumimoji="1" lang="zh-CN" altLang="en-US" dirty="0" smtClean="0"/>
+              <a:t>必须以下划线或字母开头</a:t>
+            </a:r>
+            <a:endParaRPr kumimoji="1" lang="en-US" altLang="zh-CN" dirty="0" smtClean="0"/>
+          </a:p>
+          <a:p>
+            <a:pPr marL="514350" indent="-514350">
+              <a:buFont typeface="+mj-lt"/>
+              <a:buAutoNum type="arabicPeriod"/>
+            </a:pPr>
+            <a:r>
+              <a:rPr kumimoji="1" lang="zh-CN" altLang="en-US" dirty="0" smtClean="0"/>
+              <a:t>大小写字母是有区别的</a:t>
+            </a:r>
+            <a:endParaRPr kumimoji="1" lang="en-US" altLang="zh-CN" dirty="0" smtClean="0"/>
+          </a:p>
+          <a:p>
+            <a:pPr marL="0" indent="0">
+              <a:buNone/>
+            </a:pPr>
+            <a:r>
+              <a:rPr kumimoji="1" lang="zh-CN" altLang="en-US" dirty="0" smtClean="0"/>
+              <a:t>推荐采用</a:t>
+            </a:r>
+            <a:endParaRPr kumimoji="1" lang="en-US" altLang="zh-CN" dirty="0"/>
+          </a:p>
+          <a:p>
+            <a:pPr marL="514350" indent="-514350">
+              <a:buFont typeface="+mj-lt"/>
+              <a:buAutoNum type="arabicPeriod"/>
+            </a:pPr>
+            <a:r>
+              <a:rPr kumimoji="1" lang="zh-CN" altLang="en-US" dirty="0" smtClean="0"/>
+              <a:t>类名首字母应大写</a:t>
+            </a:r>
+            <a:endParaRPr kumimoji="1" lang="en-US" altLang="zh-CN" dirty="0"/>
+          </a:p>
+          <a:p>
+            <a:pPr marL="514350" indent="-514350">
+              <a:buFont typeface="+mj-lt"/>
+              <a:buAutoNum type="arabicPeriod"/>
+            </a:pPr>
+            <a:r>
+              <a:rPr kumimoji="1" lang="zh-CN" altLang="en-US" dirty="0"/>
+              <a:t>方法、实例、变量名首字母小写</a:t>
+            </a:r>
+            <a:endParaRPr kumimoji="1" lang="en-US" altLang="zh-CN" dirty="0"/>
+          </a:p>
+          <a:p>
+            <a:endParaRPr kumimoji="1" lang="en-US" altLang="zh-CN" dirty="0" smtClean="0"/>
+          </a:p>
+        </p:txBody>
+      </p:sp>
+    </p:spTree>
+    <p:extLst>
+      <p:ext uri="{BB962C8B-B14F-4D97-AF65-F5344CB8AC3E}">
+        <p14:creationId xmlns:p14="http://schemas.microsoft.com/office/powerpoint/2010/main" val="4066536200"/>
+      </p:ext>
+    </p:extLst>
+  </p:cSld>
+  <p:clrMapOvr>
+    <a:masterClrMapping/>
+  </p:clrMapOvr>
+  <p:timing>
+    <p:tnLst>
+      <p:par>
+        <p:cTn xmlns:p14="http://schemas.microsoft.com/office/powerpoint/2010/main" id="1" dur="indefinite" restart="never" nodeType="tmRoot"/>
+      </p:par>
+    </p:tnLst>
+  </p:timing>
+</p:sld>
+</file>
+
+<file path=ppt/slides/slide18.xml><?xml version="1.0" encoding="utf-8"?>
+<p:sld xmlns:a="http://schemas.openxmlformats.org/drawingml/2006/main" xmlns:r="http://schemas.openxmlformats.org/officeDocument/2006/relationships" xmlns:p="http://schemas.openxmlformats.org/presentationml/2006/main">
+  <p:cSld>
+    <p:spTree>
+      <p:nvGrpSpPr>
+        <p:cNvPr id="1" name=""/>
+        <p:cNvGrpSpPr/>
+        <p:nvPr/>
+      </p:nvGrpSpPr>
+      <p:grpSpPr>
+        <a:xfrm>
+          <a:off x="0" y="0"/>
+          <a:ext cx="0" cy="0"/>
+          <a:chOff x="0" y="0"/>
+          <a:chExt cx="0" cy="0"/>
+        </a:xfrm>
+      </p:grpSpPr>
+      <p:sp>
+        <p:nvSpPr>
+          <p:cNvPr id="2" name="标题 1"/>
+          <p:cNvSpPr>
+            <a:spLocks noGrp="1"/>
+          </p:cNvSpPr>
+          <p:nvPr>
+            <p:ph type="title"/>
+          </p:nvPr>
+        </p:nvSpPr>
+        <p:spPr/>
+        <p:txBody>
+          <a:bodyPr/>
+          <a:lstStyle/>
+          <a:p>
+            <a:r>
+              <a:rPr kumimoji="1" lang="zh-CN" altLang="en-US" dirty="0"/>
+              <a:t>命名的一些约定</a:t>
+            </a:r>
+          </a:p>
+        </p:txBody>
+      </p:sp>
+      <p:sp>
+        <p:nvSpPr>
+          <p:cNvPr id="3" name="内容占位符 2"/>
+          <p:cNvSpPr>
+            <a:spLocks noGrp="1"/>
+          </p:cNvSpPr>
+          <p:nvPr>
+            <p:ph idx="1"/>
+          </p:nvPr>
+        </p:nvSpPr>
+        <p:spPr/>
+        <p:txBody>
+          <a:bodyPr/>
+          <a:lstStyle/>
+          <a:p>
+            <a:pPr marL="0" indent="0">
+              <a:buNone/>
+            </a:pPr>
+            <a:r>
+              <a:rPr kumimoji="1" lang="zh-CN" altLang="en-US" dirty="0" smtClean="0"/>
+              <a:t>以下为非法的命名</a:t>
+            </a:r>
+            <a:endParaRPr kumimoji="1" lang="en-US" altLang="zh-CN" dirty="0" smtClean="0"/>
+          </a:p>
+          <a:p>
+            <a:pPr marL="514350" indent="-514350">
+              <a:buFont typeface="+mj-lt"/>
+              <a:buAutoNum type="arabicPeriod"/>
+            </a:pPr>
+            <a:r>
+              <a:rPr kumimoji="1" lang="en-US" altLang="zh-CN" dirty="0" smtClean="0"/>
+              <a:t>$</a:t>
+            </a:r>
+            <a:endParaRPr kumimoji="1" lang="en-US" altLang="zh-CN" dirty="0"/>
+          </a:p>
+          <a:p>
+            <a:pPr marL="514350" indent="-514350">
+              <a:buFont typeface="+mj-lt"/>
+              <a:buAutoNum type="arabicPeriod"/>
+            </a:pPr>
+            <a:r>
+              <a:rPr kumimoji="1" lang="en-US" altLang="zh-CN" dirty="0"/>
+              <a:t>My leg</a:t>
+            </a:r>
+          </a:p>
+          <a:p>
+            <a:pPr marL="514350" indent="-514350">
+              <a:buFont typeface="+mj-lt"/>
+              <a:buAutoNum type="arabicPeriod"/>
+            </a:pPr>
+            <a:r>
+              <a:rPr kumimoji="1" lang="en-US" altLang="zh-CN" dirty="0"/>
+              <a:t>3name</a:t>
+            </a:r>
+          </a:p>
+          <a:p>
+            <a:pPr marL="514350" indent="-514350">
+              <a:buFont typeface="+mj-lt"/>
+              <a:buAutoNum type="arabicPeriod"/>
+            </a:pPr>
+            <a:r>
+              <a:rPr kumimoji="1" lang="en-US" altLang="zh-CN" dirty="0" err="1"/>
+              <a:t>int</a:t>
+            </a:r>
+            <a:endParaRPr kumimoji="1" lang="zh-CN" altLang="en-US" dirty="0"/>
+          </a:p>
+          <a:p>
+            <a:endParaRPr kumimoji="1" lang="zh-CN" altLang="en-US" dirty="0"/>
+          </a:p>
+        </p:txBody>
+      </p:sp>
+    </p:spTree>
+    <p:extLst>
+      <p:ext uri="{BB962C8B-B14F-4D97-AF65-F5344CB8AC3E}">
+        <p14:creationId xmlns:p14="http://schemas.microsoft.com/office/powerpoint/2010/main" val="41438777"/>
+      </p:ext>
+    </p:extLst>
+  </p:cSld>
+  <p:clrMapOvr>
+    <a:masterClrMapping/>
+  </p:clrMapOvr>
+  <p:timing>
+    <p:tnLst>
+      <p:par>
+        <p:cTn xmlns:p14="http://schemas.microsoft.com/office/powerpoint/2010/main" id="1" dur="indefinite" restart="never" nodeType="tmRoot"/>
+      </p:par>
+    </p:tnLst>
+  </p:timing>
+</p:sld>
+</file>
+
+<file path=ppt/slides/slide19.xml><?xml version="1.0" encoding="utf-8"?>
+<p:sld xmlns:a="http://schemas.openxmlformats.org/drawingml/2006/main" xmlns:r="http://schemas.openxmlformats.org/officeDocument/2006/relationships" xmlns:p="http://schemas.openxmlformats.org/presentationml/2006/main">
+  <p:cSld>
+    <p:spTree>
+      <p:nvGrpSpPr>
+        <p:cNvPr id="1" name=""/>
+        <p:cNvGrpSpPr/>
+        <p:nvPr/>
+      </p:nvGrpSpPr>
+      <p:grpSpPr>
+        <a:xfrm>
+          <a:off x="0" y="0"/>
+          <a:ext cx="0" cy="0"/>
+          <a:chOff x="0" y="0"/>
+          <a:chExt cx="0" cy="0"/>
+        </a:xfrm>
+      </p:grpSpPr>
+      <p:sp>
+        <p:nvSpPr>
+          <p:cNvPr id="2" name="标题 1"/>
+          <p:cNvSpPr>
+            <a:spLocks noGrp="1"/>
+          </p:cNvSpPr>
+          <p:nvPr>
+            <p:ph type="title"/>
+          </p:nvPr>
+        </p:nvSpPr>
+        <p:spPr/>
+        <p:txBody>
+          <a:bodyPr/>
+          <a:lstStyle/>
+          <a:p>
+            <a:r>
+              <a:rPr kumimoji="1" lang="zh-CN" altLang="en-US" dirty="0" smtClean="0"/>
+              <a:t>类方法和实例方法</a:t>
+            </a:r>
+            <a:r>
+              <a:rPr kumimoji="1" lang="en-US" altLang="zh-CN" dirty="0" smtClean="0"/>
+              <a:t>	</a:t>
+            </a:r>
+            <a:endParaRPr kumimoji="1" lang="zh-CN" altLang="en-US" dirty="0"/>
+          </a:p>
+        </p:txBody>
+      </p:sp>
+      <p:sp>
+        <p:nvSpPr>
+          <p:cNvPr id="3" name="内容占位符 2"/>
+          <p:cNvSpPr>
+            <a:spLocks noGrp="1"/>
+          </p:cNvSpPr>
+          <p:nvPr>
+            <p:ph idx="1"/>
+          </p:nvPr>
+        </p:nvSpPr>
+        <p:spPr/>
+        <p:txBody>
+          <a:bodyPr/>
+          <a:lstStyle/>
+          <a:p>
+            <a:pPr marL="514350" indent="-514350">
+              <a:buFont typeface="+mj-lt"/>
+              <a:buAutoNum type="arabicPeriod"/>
+            </a:pPr>
+            <a:r>
+              <a:rPr kumimoji="1" lang="en-US" altLang="zh-CN" dirty="0" smtClean="0"/>
+              <a:t>+</a:t>
+            </a:r>
+            <a:r>
+              <a:rPr kumimoji="1" lang="zh-CN" altLang="en-US" dirty="0" smtClean="0"/>
+              <a:t>类，</a:t>
+            </a:r>
+            <a:r>
+              <a:rPr kumimoji="1" lang="en-US" altLang="zh-CN" dirty="0" smtClean="0"/>
+              <a:t>-</a:t>
+            </a:r>
+            <a:r>
+              <a:rPr kumimoji="1" lang="zh-CN" altLang="en-US" dirty="0" smtClean="0"/>
+              <a:t>实例</a:t>
+            </a:r>
+            <a:endParaRPr kumimoji="1" lang="en-US" altLang="zh-CN" dirty="0" smtClean="0"/>
+          </a:p>
+          <a:p>
+            <a:pPr marL="514350" indent="-514350">
+              <a:buFont typeface="+mj-lt"/>
+              <a:buAutoNum type="arabicPeriod"/>
+            </a:pPr>
+            <a:r>
+              <a:rPr kumimoji="1" lang="zh-CN" altLang="en-US" dirty="0" smtClean="0"/>
+              <a:t>返回值</a:t>
+            </a:r>
+            <a:endParaRPr kumimoji="1" lang="en-US" altLang="zh-CN" dirty="0" smtClean="0"/>
+          </a:p>
+          <a:p>
+            <a:pPr marL="514350" indent="-514350">
+              <a:buFont typeface="+mj-lt"/>
+              <a:buAutoNum type="arabicPeriod"/>
+            </a:pPr>
+            <a:r>
+              <a:rPr kumimoji="1" lang="zh-CN" altLang="en-US" dirty="0" smtClean="0"/>
+              <a:t>方法参数</a:t>
+            </a:r>
+            <a:endParaRPr kumimoji="1" lang="en-US" altLang="zh-CN" dirty="0" smtClean="0"/>
+          </a:p>
+          <a:p>
+            <a:pPr marL="514350" indent="-514350">
+              <a:buFont typeface="+mj-lt"/>
+              <a:buAutoNum type="arabicPeriod"/>
+            </a:pPr>
+            <a:r>
+              <a:rPr kumimoji="1" lang="zh-CN" altLang="en-US" dirty="0"/>
+              <a:t>方法的语法</a:t>
+            </a:r>
+            <a:endParaRPr kumimoji="1" lang="en-US" altLang="zh-CN" dirty="0" smtClean="0"/>
+          </a:p>
+          <a:p>
+            <a:endParaRPr kumimoji="1" lang="zh-CN" altLang="en-US" dirty="0"/>
+          </a:p>
+        </p:txBody>
+      </p:sp>
+    </p:spTree>
+    <p:extLst>
+      <p:ext uri="{BB962C8B-B14F-4D97-AF65-F5344CB8AC3E}">
+        <p14:creationId xmlns:p14="http://schemas.microsoft.com/office/powerpoint/2010/main" val="2342254730"/>
+      </p:ext>
+    </p:extLst>
+  </p:cSld>
+  <p:clrMapOvr>
+    <a:masterClrMapping/>
+  </p:clrMapOvr>
+  <p:timing>
+    <p:tnLst>
+      <p:par>
+        <p:cTn xmlns:p14="http://schemas.microsoft.com/office/powerpoint/2010/main" id="1" dur="indefinite" restart="never" nodeType="tmRoot"/>
+      </p:par>
+    </p:tnLst>
+  </p:timing>
 </p:sld>
 </file>
 
@@ -3453,6 +5598,1587 @@
   <p:clrMapOvr>
     <a:masterClrMapping/>
   </p:clrMapOvr>
+  <p:timing>
+    <p:tnLst>
+      <p:par>
+        <p:cTn xmlns:p14="http://schemas.microsoft.com/office/powerpoint/2010/main" id="1" dur="indefinite" restart="never" nodeType="tmRoot"/>
+      </p:par>
+    </p:tnLst>
+  </p:timing>
+</p:sld>
+</file>
+
+<file path=ppt/slides/slide20.xml><?xml version="1.0" encoding="utf-8"?>
+<p:sld xmlns:a="http://schemas.openxmlformats.org/drawingml/2006/main" xmlns:r="http://schemas.openxmlformats.org/officeDocument/2006/relationships" xmlns:p="http://schemas.openxmlformats.org/presentationml/2006/main">
+  <p:cSld>
+    <p:spTree>
+      <p:nvGrpSpPr>
+        <p:cNvPr id="1" name=""/>
+        <p:cNvGrpSpPr/>
+        <p:nvPr/>
+      </p:nvGrpSpPr>
+      <p:grpSpPr>
+        <a:xfrm>
+          <a:off x="0" y="0"/>
+          <a:ext cx="0" cy="0"/>
+          <a:chOff x="0" y="0"/>
+          <a:chExt cx="0" cy="0"/>
+        </a:xfrm>
+      </p:grpSpPr>
+      <p:sp>
+        <p:nvSpPr>
+          <p:cNvPr id="2" name="标题 1"/>
+          <p:cNvSpPr>
+            <a:spLocks noGrp="1"/>
+          </p:cNvSpPr>
+          <p:nvPr>
+            <p:ph type="title"/>
+          </p:nvPr>
+        </p:nvSpPr>
+        <p:spPr/>
+        <p:txBody>
+          <a:bodyPr/>
+          <a:lstStyle/>
+          <a:p>
+            <a:r>
+              <a:rPr kumimoji="1" lang="zh-CN" altLang="en-US" dirty="0" smtClean="0"/>
+              <a:t>返回值</a:t>
+            </a:r>
+            <a:endParaRPr kumimoji="1" lang="zh-CN" altLang="en-US" dirty="0"/>
+          </a:p>
+        </p:txBody>
+      </p:sp>
+      <p:sp>
+        <p:nvSpPr>
+          <p:cNvPr id="3" name="内容占位符 2"/>
+          <p:cNvSpPr>
+            <a:spLocks noGrp="1"/>
+          </p:cNvSpPr>
+          <p:nvPr>
+            <p:ph idx="1"/>
+          </p:nvPr>
+        </p:nvSpPr>
+        <p:spPr/>
+        <p:txBody>
+          <a:bodyPr/>
+          <a:lstStyle/>
+          <a:p>
+            <a:r>
+              <a:rPr kumimoji="1" lang="en-US" altLang="zh-CN" dirty="0"/>
+              <a:t>–(</a:t>
+            </a:r>
+            <a:r>
+              <a:rPr kumimoji="1" lang="en-US" altLang="zh-CN" dirty="0" err="1"/>
+              <a:t>int</a:t>
+            </a:r>
+            <a:r>
+              <a:rPr kumimoji="1" lang="en-US" altLang="zh-CN" dirty="0"/>
+              <a:t>) </a:t>
+            </a:r>
+            <a:r>
+              <a:rPr kumimoji="1" lang="en-US" altLang="zh-CN" dirty="0" err="1"/>
+              <a:t>currentAge</a:t>
+            </a:r>
+            <a:r>
+              <a:rPr kumimoji="1" lang="en-US" altLang="zh-CN" dirty="0" smtClean="0"/>
+              <a:t>;</a:t>
+            </a:r>
+          </a:p>
+          <a:p>
+            <a:r>
+              <a:rPr kumimoji="1" lang="en-US" altLang="zh-CN" dirty="0"/>
+              <a:t>–(double) </a:t>
+            </a:r>
+            <a:r>
+              <a:rPr kumimoji="1" lang="en-US" altLang="zh-CN" dirty="0" err="1"/>
+              <a:t>retrieveDoubleValue</a:t>
+            </a:r>
+            <a:r>
+              <a:rPr kumimoji="1" lang="en-US" altLang="zh-CN" dirty="0" smtClean="0"/>
+              <a:t>;</a:t>
+            </a:r>
+          </a:p>
+          <a:p>
+            <a:r>
+              <a:rPr kumimoji="1" lang="en-US" altLang="zh-CN" dirty="0"/>
+              <a:t>–(void) print</a:t>
+            </a:r>
+            <a:r>
+              <a:rPr kumimoji="1" lang="en-US" altLang="zh-CN" dirty="0" smtClean="0"/>
+              <a:t>;// </a:t>
+            </a:r>
+            <a:r>
+              <a:rPr kumimoji="1" lang="zh-CN" altLang="en-US" dirty="0" smtClean="0"/>
+              <a:t>不需要执行</a:t>
+            </a:r>
+            <a:r>
+              <a:rPr kumimoji="1" lang="en-US" altLang="zh-CN" dirty="0" smtClean="0"/>
+              <a:t>return</a:t>
+            </a:r>
+            <a:r>
+              <a:rPr kumimoji="1" lang="en-US" altLang="zh-CN" dirty="0"/>
+              <a:t>;</a:t>
+            </a:r>
+            <a:endParaRPr kumimoji="1" lang="zh-CN" altLang="en-US" dirty="0"/>
+          </a:p>
+          <a:p>
+            <a:endParaRPr kumimoji="1" lang="en-US" altLang="zh-CN" dirty="0" smtClean="0"/>
+          </a:p>
+        </p:txBody>
+      </p:sp>
+    </p:spTree>
+    <p:extLst>
+      <p:ext uri="{BB962C8B-B14F-4D97-AF65-F5344CB8AC3E}">
+        <p14:creationId xmlns:p14="http://schemas.microsoft.com/office/powerpoint/2010/main" val="3360835561"/>
+      </p:ext>
+    </p:extLst>
+  </p:cSld>
+  <p:clrMapOvr>
+    <a:masterClrMapping/>
+  </p:clrMapOvr>
+  <p:timing>
+    <p:tnLst>
+      <p:par>
+        <p:cTn xmlns:p14="http://schemas.microsoft.com/office/powerpoint/2010/main" id="1" dur="indefinite" restart="never" nodeType="tmRoot"/>
+      </p:par>
+    </p:tnLst>
+  </p:timing>
+</p:sld>
+</file>
+
+<file path=ppt/slides/slide21.xml><?xml version="1.0" encoding="utf-8"?>
+<p:sld xmlns:a="http://schemas.openxmlformats.org/drawingml/2006/main" xmlns:r="http://schemas.openxmlformats.org/officeDocument/2006/relationships" xmlns:p="http://schemas.openxmlformats.org/presentationml/2006/main">
+  <p:cSld>
+    <p:spTree>
+      <p:nvGrpSpPr>
+        <p:cNvPr id="1" name=""/>
+        <p:cNvGrpSpPr/>
+        <p:nvPr/>
+      </p:nvGrpSpPr>
+      <p:grpSpPr>
+        <a:xfrm>
+          <a:off x="0" y="0"/>
+          <a:ext cx="0" cy="0"/>
+          <a:chOff x="0" y="0"/>
+          <a:chExt cx="0" cy="0"/>
+        </a:xfrm>
+      </p:grpSpPr>
+      <p:sp>
+        <p:nvSpPr>
+          <p:cNvPr id="2" name="标题 1"/>
+          <p:cNvSpPr>
+            <a:spLocks noGrp="1"/>
+          </p:cNvSpPr>
+          <p:nvPr>
+            <p:ph type="title"/>
+          </p:nvPr>
+        </p:nvSpPr>
+        <p:spPr/>
+        <p:txBody>
+          <a:bodyPr/>
+          <a:lstStyle/>
+          <a:p>
+            <a:r>
+              <a:rPr kumimoji="1" lang="zh-CN" altLang="en-US" dirty="0"/>
+              <a:t>方法参数</a:t>
+            </a:r>
+          </a:p>
+        </p:txBody>
+      </p:sp>
+      <p:sp>
+        <p:nvSpPr>
+          <p:cNvPr id="3" name="内容占位符 2"/>
+          <p:cNvSpPr>
+            <a:spLocks noGrp="1"/>
+          </p:cNvSpPr>
+          <p:nvPr>
+            <p:ph idx="1"/>
+          </p:nvPr>
+        </p:nvSpPr>
+        <p:spPr/>
+        <p:txBody>
+          <a:bodyPr/>
+          <a:lstStyle/>
+          <a:p>
+            <a:r>
+              <a:rPr kumimoji="1" lang="en-US" altLang="zh-CN" dirty="0" smtClean="0"/>
+              <a:t>–</a:t>
+            </a:r>
+            <a:r>
+              <a:rPr kumimoji="1" lang="en-US" altLang="zh-CN" dirty="0"/>
+              <a:t>(void) </a:t>
+            </a:r>
+            <a:r>
+              <a:rPr kumimoji="1" lang="en-US" altLang="zh-CN" dirty="0" err="1"/>
+              <a:t>setNumerator</a:t>
+            </a:r>
+            <a:r>
+              <a:rPr kumimoji="1" lang="en-US" altLang="zh-CN" dirty="0"/>
+              <a:t>: (</a:t>
+            </a:r>
+            <a:r>
+              <a:rPr kumimoji="1" lang="en-US" altLang="zh-CN" dirty="0" err="1"/>
+              <a:t>int</a:t>
+            </a:r>
+            <a:r>
+              <a:rPr kumimoji="1" lang="en-US" altLang="zh-CN" dirty="0"/>
+              <a:t>) n;</a:t>
+            </a:r>
+          </a:p>
+          <a:p>
+            <a:r>
+              <a:rPr kumimoji="1" lang="en-US" altLang="zh-CN" dirty="0"/>
+              <a:t>–(void) </a:t>
+            </a:r>
+            <a:r>
+              <a:rPr kumimoji="1" lang="en-US" altLang="zh-CN" dirty="0" err="1"/>
+              <a:t>setDenominator</a:t>
+            </a:r>
+            <a:r>
+              <a:rPr kumimoji="1" lang="en-US" altLang="zh-CN" dirty="0"/>
+              <a:t>: (</a:t>
+            </a:r>
+            <a:r>
+              <a:rPr kumimoji="1" lang="en-US" altLang="zh-CN" dirty="0" err="1"/>
+              <a:t>int</a:t>
+            </a:r>
+            <a:r>
+              <a:rPr kumimoji="1" lang="en-US" altLang="zh-CN" dirty="0"/>
+              <a:t>) d</a:t>
+            </a:r>
+            <a:r>
+              <a:rPr kumimoji="1" lang="en-US" altLang="zh-CN" dirty="0" smtClean="0"/>
+              <a:t>;</a:t>
+            </a:r>
+          </a:p>
+          <a:p>
+            <a:endParaRPr kumimoji="1" lang="en-US" altLang="zh-CN" dirty="0"/>
+          </a:p>
+          <a:p>
+            <a:pPr marL="514350" indent="-514350">
+              <a:buFont typeface="+mj-lt"/>
+              <a:buAutoNum type="arabicPeriod"/>
+            </a:pPr>
+            <a:r>
+              <a:rPr kumimoji="1" lang="zh-CN" altLang="en-US" dirty="0" smtClean="0"/>
+              <a:t>参数同样也有类型</a:t>
+            </a:r>
+            <a:endParaRPr kumimoji="1" lang="en-US" altLang="zh-CN" dirty="0" smtClean="0"/>
+          </a:p>
+          <a:p>
+            <a:pPr marL="514350" indent="-514350">
+              <a:buFont typeface="+mj-lt"/>
+              <a:buAutoNum type="arabicPeriod"/>
+            </a:pPr>
+            <a:r>
+              <a:rPr kumimoji="1" lang="zh-CN" altLang="en-US" dirty="0" smtClean="0"/>
+              <a:t>有冒号就有参数，无冒号则是无参数的</a:t>
+            </a:r>
+            <a:endParaRPr kumimoji="1" lang="zh-CN" altLang="en-US" dirty="0"/>
+          </a:p>
+        </p:txBody>
+      </p:sp>
+    </p:spTree>
+    <p:extLst>
+      <p:ext uri="{BB962C8B-B14F-4D97-AF65-F5344CB8AC3E}">
+        <p14:creationId xmlns:p14="http://schemas.microsoft.com/office/powerpoint/2010/main" val="4248993816"/>
+      </p:ext>
+    </p:extLst>
+  </p:cSld>
+  <p:clrMapOvr>
+    <a:masterClrMapping/>
+  </p:clrMapOvr>
+  <p:timing>
+    <p:tnLst>
+      <p:par>
+        <p:cTn xmlns:p14="http://schemas.microsoft.com/office/powerpoint/2010/main" id="1" dur="indefinite" restart="never" nodeType="tmRoot"/>
+      </p:par>
+    </p:tnLst>
+  </p:timing>
+</p:sld>
+</file>
+
+<file path=ppt/slides/slide22.xml><?xml version="1.0" encoding="utf-8"?>
+<p:sld xmlns:a="http://schemas.openxmlformats.org/drawingml/2006/main" xmlns:r="http://schemas.openxmlformats.org/officeDocument/2006/relationships" xmlns:p="http://schemas.openxmlformats.org/presentationml/2006/main">
+  <p:cSld>
+    <p:spTree>
+      <p:nvGrpSpPr>
+        <p:cNvPr id="1" name=""/>
+        <p:cNvGrpSpPr/>
+        <p:nvPr/>
+      </p:nvGrpSpPr>
+      <p:grpSpPr>
+        <a:xfrm>
+          <a:off x="0" y="0"/>
+          <a:ext cx="0" cy="0"/>
+          <a:chOff x="0" y="0"/>
+          <a:chExt cx="0" cy="0"/>
+        </a:xfrm>
+      </p:grpSpPr>
+      <p:sp>
+        <p:nvSpPr>
+          <p:cNvPr id="2" name="标题 1"/>
+          <p:cNvSpPr>
+            <a:spLocks noGrp="1"/>
+          </p:cNvSpPr>
+          <p:nvPr>
+            <p:ph type="title"/>
+          </p:nvPr>
+        </p:nvSpPr>
+        <p:spPr/>
+        <p:txBody>
+          <a:bodyPr>
+            <a:normAutofit/>
+          </a:bodyPr>
+          <a:lstStyle/>
+          <a:p>
+            <a:r>
+              <a:rPr kumimoji="1" lang="zh-CN" altLang="en-US" dirty="0" smtClean="0"/>
+              <a:t>方法的语法</a:t>
+            </a:r>
+            <a:endParaRPr kumimoji="1" lang="zh-CN" altLang="en-US" dirty="0"/>
+          </a:p>
+        </p:txBody>
+      </p:sp>
+      <p:pic>
+        <p:nvPicPr>
+          <p:cNvPr id="4" name="内容占位符 3"/>
+          <p:cNvPicPr>
+            <a:picLocks noGrp="1" noChangeAspect="1"/>
+          </p:cNvPicPr>
+          <p:nvPr>
+            <p:ph idx="1"/>
+          </p:nvPr>
+        </p:nvPicPr>
+        <p:blipFill>
+          <a:blip r:embed="rId2"/>
+          <a:srcRect t="-27034" b="-27034"/>
+          <a:stretch>
+            <a:fillRect/>
+          </a:stretch>
+        </p:blipFill>
+        <p:spPr>
+          <a:prstGeom prst="rect">
+            <a:avLst/>
+          </a:prstGeom>
+        </p:spPr>
+      </p:pic>
+    </p:spTree>
+    <p:extLst>
+      <p:ext uri="{BB962C8B-B14F-4D97-AF65-F5344CB8AC3E}">
+        <p14:creationId xmlns:p14="http://schemas.microsoft.com/office/powerpoint/2010/main" val="1765603465"/>
+      </p:ext>
+    </p:extLst>
+  </p:cSld>
+  <p:clrMapOvr>
+    <a:masterClrMapping/>
+  </p:clrMapOvr>
+  <p:timing>
+    <p:tnLst>
+      <p:par>
+        <p:cTn xmlns:p14="http://schemas.microsoft.com/office/powerpoint/2010/main" id="1" dur="indefinite" restart="never" nodeType="tmRoot"/>
+      </p:par>
+    </p:tnLst>
+  </p:timing>
+</p:sld>
+</file>
+
+<file path=ppt/slides/slide23.xml><?xml version="1.0" encoding="utf-8"?>
+<p:sld xmlns:a="http://schemas.openxmlformats.org/drawingml/2006/main" xmlns:r="http://schemas.openxmlformats.org/officeDocument/2006/relationships" xmlns:p="http://schemas.openxmlformats.org/presentationml/2006/main">
+  <p:cSld>
+    <p:spTree>
+      <p:nvGrpSpPr>
+        <p:cNvPr id="1" name=""/>
+        <p:cNvGrpSpPr/>
+        <p:nvPr/>
+      </p:nvGrpSpPr>
+      <p:grpSpPr>
+        <a:xfrm>
+          <a:off x="0" y="0"/>
+          <a:ext cx="0" cy="0"/>
+          <a:chOff x="0" y="0"/>
+          <a:chExt cx="0" cy="0"/>
+        </a:xfrm>
+      </p:grpSpPr>
+      <p:sp>
+        <p:nvSpPr>
+          <p:cNvPr id="2" name="标题 1"/>
+          <p:cNvSpPr>
+            <a:spLocks noGrp="1"/>
+          </p:cNvSpPr>
+          <p:nvPr>
+            <p:ph type="title"/>
+          </p:nvPr>
+        </p:nvSpPr>
+        <p:spPr/>
+        <p:txBody>
+          <a:bodyPr/>
+          <a:lstStyle/>
+          <a:p>
+            <a:r>
+              <a:rPr kumimoji="1" lang="en-US" altLang="zh-CN" dirty="0" smtClean="0"/>
+              <a:t>@implementation</a:t>
+            </a:r>
+            <a:r>
+              <a:rPr kumimoji="1" lang="zh-CN" altLang="en-US" dirty="0" smtClean="0"/>
+              <a:t>部分</a:t>
+            </a:r>
+            <a:endParaRPr kumimoji="1" lang="zh-CN" altLang="en-US" dirty="0"/>
+          </a:p>
+        </p:txBody>
+      </p:sp>
+      <p:sp>
+        <p:nvSpPr>
+          <p:cNvPr id="3" name="内容占位符 2"/>
+          <p:cNvSpPr>
+            <a:spLocks noGrp="1"/>
+          </p:cNvSpPr>
+          <p:nvPr>
+            <p:ph idx="1"/>
+          </p:nvPr>
+        </p:nvSpPr>
+        <p:spPr/>
+        <p:txBody>
+          <a:bodyPr/>
+          <a:lstStyle/>
+          <a:p>
+            <a:endParaRPr kumimoji="1" lang="en-US" altLang="zh-CN" dirty="0" smtClean="0"/>
+          </a:p>
+          <a:p>
+            <a:pPr marL="514350" indent="-514350">
+              <a:buFont typeface="+mj-lt"/>
+              <a:buAutoNum type="arabicPeriod"/>
+            </a:pPr>
+            <a:r>
+              <a:rPr kumimoji="1" lang="en-US" altLang="zh-CN" dirty="0" smtClean="0"/>
+              <a:t>@implementation</a:t>
+            </a:r>
+            <a:r>
+              <a:rPr kumimoji="1" lang="zh-CN" altLang="en-US" dirty="0" smtClean="0"/>
+              <a:t>的语法</a:t>
+            </a:r>
+            <a:endParaRPr kumimoji="1" lang="en-US" altLang="zh-CN" dirty="0" smtClean="0"/>
+          </a:p>
+          <a:p>
+            <a:pPr marL="514350" indent="-514350">
+              <a:buFont typeface="+mj-lt"/>
+              <a:buAutoNum type="arabicPeriod"/>
+            </a:pPr>
+            <a:r>
+              <a:rPr kumimoji="1" lang="en-US" altLang="zh-CN" dirty="0" err="1" smtClean="0"/>
+              <a:t>memberDeclaratiions</a:t>
+            </a:r>
+            <a:endParaRPr kumimoji="1" lang="en-US" altLang="zh-CN" dirty="0" smtClean="0"/>
+          </a:p>
+          <a:p>
+            <a:pPr marL="514350" indent="-514350">
+              <a:buFont typeface="+mj-lt"/>
+              <a:buAutoNum type="arabicPeriod"/>
+            </a:pPr>
+            <a:r>
+              <a:rPr kumimoji="1" lang="en-US" altLang="zh-CN" dirty="0"/>
+              <a:t>Method </a:t>
+            </a:r>
+            <a:r>
+              <a:rPr kumimoji="1" lang="en-US" altLang="zh-CN" dirty="0" err="1"/>
+              <a:t>Definiation</a:t>
+            </a:r>
+            <a:endParaRPr kumimoji="1" lang="en-US" altLang="zh-CN" dirty="0"/>
+          </a:p>
+          <a:p>
+            <a:endParaRPr kumimoji="1" lang="en-US" altLang="zh-CN" dirty="0" smtClean="0"/>
+          </a:p>
+          <a:p>
+            <a:endParaRPr kumimoji="1" lang="zh-CN" altLang="en-US" dirty="0"/>
+          </a:p>
+        </p:txBody>
+      </p:sp>
+    </p:spTree>
+    <p:extLst>
+      <p:ext uri="{BB962C8B-B14F-4D97-AF65-F5344CB8AC3E}">
+        <p14:creationId xmlns:p14="http://schemas.microsoft.com/office/powerpoint/2010/main" val="3945817712"/>
+      </p:ext>
+    </p:extLst>
+  </p:cSld>
+  <p:clrMapOvr>
+    <a:masterClrMapping/>
+  </p:clrMapOvr>
+  <p:timing>
+    <p:tnLst>
+      <p:par>
+        <p:cTn xmlns:p14="http://schemas.microsoft.com/office/powerpoint/2010/main" id="1" dur="indefinite" restart="never" nodeType="tmRoot"/>
+      </p:par>
+    </p:tnLst>
+  </p:timing>
+</p:sld>
+</file>
+
+<file path=ppt/slides/slide24.xml><?xml version="1.0" encoding="utf-8"?>
+<p:sld xmlns:a="http://schemas.openxmlformats.org/drawingml/2006/main" xmlns:r="http://schemas.openxmlformats.org/officeDocument/2006/relationships" xmlns:p="http://schemas.openxmlformats.org/presentationml/2006/main">
+  <p:cSld>
+    <p:spTree>
+      <p:nvGrpSpPr>
+        <p:cNvPr id="1" name=""/>
+        <p:cNvGrpSpPr/>
+        <p:nvPr/>
+      </p:nvGrpSpPr>
+      <p:grpSpPr>
+        <a:xfrm>
+          <a:off x="0" y="0"/>
+          <a:ext cx="0" cy="0"/>
+          <a:chOff x="0" y="0"/>
+          <a:chExt cx="0" cy="0"/>
+        </a:xfrm>
+      </p:grpSpPr>
+      <p:sp>
+        <p:nvSpPr>
+          <p:cNvPr id="2" name="标题 1"/>
+          <p:cNvSpPr>
+            <a:spLocks noGrp="1"/>
+          </p:cNvSpPr>
+          <p:nvPr>
+            <p:ph type="title"/>
+          </p:nvPr>
+        </p:nvSpPr>
+        <p:spPr/>
+        <p:txBody>
+          <a:bodyPr>
+            <a:normAutofit fontScale="90000"/>
+          </a:bodyPr>
+          <a:lstStyle/>
+          <a:p>
+            <a:r>
+              <a:rPr kumimoji="1" lang="en-US" altLang="zh-CN" dirty="0"/>
+              <a:t>@implementation</a:t>
+            </a:r>
+            <a:r>
+              <a:rPr kumimoji="1" lang="zh-CN" altLang="en-US" dirty="0"/>
+              <a:t>的语法</a:t>
+            </a:r>
+            <a:r>
+              <a:rPr kumimoji="1" lang="en-US" altLang="zh-CN" dirty="0"/>
+              <a:t/>
+            </a:r>
+            <a:br>
+              <a:rPr kumimoji="1" lang="en-US" altLang="zh-CN" dirty="0"/>
+            </a:br>
+            <a:r>
+              <a:rPr kumimoji="1" lang="en-US" altLang="zh-CN" dirty="0"/>
+              <a:t/>
+            </a:r>
+            <a:br>
+              <a:rPr kumimoji="1" lang="en-US" altLang="zh-CN" dirty="0"/>
+            </a:br>
+            <a:endParaRPr kumimoji="1" lang="zh-CN" altLang="en-US" dirty="0"/>
+          </a:p>
+        </p:txBody>
+      </p:sp>
+      <p:sp>
+        <p:nvSpPr>
+          <p:cNvPr id="3" name="内容占位符 2"/>
+          <p:cNvSpPr>
+            <a:spLocks noGrp="1"/>
+          </p:cNvSpPr>
+          <p:nvPr>
+            <p:ph idx="1"/>
+          </p:nvPr>
+        </p:nvSpPr>
+        <p:spPr/>
+        <p:txBody>
+          <a:bodyPr/>
+          <a:lstStyle/>
+          <a:p>
+            <a:pPr marL="0" indent="0">
+              <a:buNone/>
+            </a:pPr>
+            <a:r>
+              <a:rPr kumimoji="1" lang="en-US" altLang="zh-CN" dirty="0"/>
+              <a:t>@implementation</a:t>
+            </a:r>
+            <a:r>
+              <a:rPr kumimoji="1" lang="zh-CN" altLang="en-US" dirty="0"/>
+              <a:t> </a:t>
+            </a:r>
+            <a:r>
+              <a:rPr kumimoji="1" lang="en-US" altLang="zh-CN" dirty="0" err="1"/>
+              <a:t>newClassName</a:t>
+            </a:r>
+            <a:r>
+              <a:rPr kumimoji="1" lang="en-US" altLang="zh-CN" dirty="0"/>
+              <a:t> {</a:t>
+            </a:r>
+          </a:p>
+          <a:p>
+            <a:pPr marL="0" indent="0">
+              <a:buNone/>
+            </a:pPr>
+            <a:r>
+              <a:rPr kumimoji="1" lang="en-US" altLang="zh-CN" dirty="0" err="1"/>
+              <a:t>memberDeclaratiions</a:t>
+            </a:r>
+            <a:r>
+              <a:rPr kumimoji="1" lang="en-US" altLang="zh-CN" dirty="0"/>
+              <a:t>;</a:t>
+            </a:r>
+          </a:p>
+          <a:p>
+            <a:pPr marL="0" indent="0">
+              <a:buNone/>
+            </a:pPr>
+            <a:r>
+              <a:rPr kumimoji="1" lang="en-US" altLang="zh-CN" dirty="0"/>
+              <a:t>}</a:t>
+            </a:r>
+          </a:p>
+          <a:p>
+            <a:pPr marL="0" indent="0">
+              <a:buNone/>
+            </a:pPr>
+            <a:r>
+              <a:rPr kumimoji="1" lang="en-US" altLang="zh-CN" dirty="0"/>
+              <a:t>Method </a:t>
+            </a:r>
+            <a:r>
+              <a:rPr kumimoji="1" lang="en-US" altLang="zh-CN" dirty="0" err="1"/>
+              <a:t>Definiation</a:t>
+            </a:r>
+            <a:endParaRPr kumimoji="1" lang="en-US" altLang="zh-CN" dirty="0"/>
+          </a:p>
+          <a:p>
+            <a:pPr marL="0" indent="0">
+              <a:buNone/>
+            </a:pPr>
+            <a:r>
+              <a:rPr kumimoji="1" lang="en-US" altLang="zh-CN" dirty="0"/>
+              <a:t>@end</a:t>
+            </a:r>
+            <a:endParaRPr kumimoji="1" lang="zh-CN" altLang="en-US" dirty="0"/>
+          </a:p>
+          <a:p>
+            <a:endParaRPr kumimoji="1" lang="zh-CN" altLang="en-US" dirty="0"/>
+          </a:p>
+        </p:txBody>
+      </p:sp>
+    </p:spTree>
+    <p:extLst>
+      <p:ext uri="{BB962C8B-B14F-4D97-AF65-F5344CB8AC3E}">
+        <p14:creationId xmlns:p14="http://schemas.microsoft.com/office/powerpoint/2010/main" val="3179705748"/>
+      </p:ext>
+    </p:extLst>
+  </p:cSld>
+  <p:clrMapOvr>
+    <a:masterClrMapping/>
+  </p:clrMapOvr>
+  <p:timing>
+    <p:tnLst>
+      <p:par>
+        <p:cTn xmlns:p14="http://schemas.microsoft.com/office/powerpoint/2010/main" id="1" dur="indefinite" restart="never" nodeType="tmRoot"/>
+      </p:par>
+    </p:tnLst>
+  </p:timing>
+</p:sld>
+</file>
+
+<file path=ppt/slides/slide25.xml><?xml version="1.0" encoding="utf-8"?>
+<p:sld xmlns:a="http://schemas.openxmlformats.org/drawingml/2006/main" xmlns:r="http://schemas.openxmlformats.org/officeDocument/2006/relationships" xmlns:p="http://schemas.openxmlformats.org/presentationml/2006/main">
+  <p:cSld>
+    <p:spTree>
+      <p:nvGrpSpPr>
+        <p:cNvPr id="1" name=""/>
+        <p:cNvGrpSpPr/>
+        <p:nvPr/>
+      </p:nvGrpSpPr>
+      <p:grpSpPr>
+        <a:xfrm>
+          <a:off x="0" y="0"/>
+          <a:ext cx="0" cy="0"/>
+          <a:chOff x="0" y="0"/>
+          <a:chExt cx="0" cy="0"/>
+        </a:xfrm>
+      </p:grpSpPr>
+      <p:sp>
+        <p:nvSpPr>
+          <p:cNvPr id="2" name="标题 1"/>
+          <p:cNvSpPr>
+            <a:spLocks noGrp="1"/>
+          </p:cNvSpPr>
+          <p:nvPr>
+            <p:ph type="title"/>
+          </p:nvPr>
+        </p:nvSpPr>
+        <p:spPr/>
+        <p:txBody>
+          <a:bodyPr/>
+          <a:lstStyle/>
+          <a:p>
+            <a:r>
+              <a:rPr kumimoji="1" lang="en-US" altLang="zh-CN" dirty="0" err="1"/>
+              <a:t>memberDeclaratiions</a:t>
+            </a:r>
+            <a:endParaRPr kumimoji="1" lang="zh-CN" altLang="en-US" dirty="0"/>
+          </a:p>
+        </p:txBody>
+      </p:sp>
+      <p:sp>
+        <p:nvSpPr>
+          <p:cNvPr id="3" name="内容占位符 2"/>
+          <p:cNvSpPr>
+            <a:spLocks noGrp="1"/>
+          </p:cNvSpPr>
+          <p:nvPr>
+            <p:ph idx="1"/>
+          </p:nvPr>
+        </p:nvSpPr>
+        <p:spPr/>
+        <p:txBody>
+          <a:bodyPr/>
+          <a:lstStyle/>
+          <a:p>
+            <a:pPr marL="0" indent="0">
+              <a:buNone/>
+            </a:pPr>
+            <a:r>
+              <a:rPr kumimoji="1" lang="en-US" altLang="zh-CN" dirty="0" err="1" smtClean="0"/>
+              <a:t>memberDeclaratiions</a:t>
+            </a:r>
+            <a:r>
+              <a:rPr kumimoji="1" lang="zh-CN" altLang="en-US" dirty="0" smtClean="0"/>
+              <a:t>指定将存储到</a:t>
+            </a:r>
+            <a:r>
+              <a:rPr kumimoji="1" lang="en-US" altLang="zh-CN" dirty="0" smtClean="0"/>
+              <a:t>Fraction</a:t>
+            </a:r>
+            <a:r>
+              <a:rPr kumimoji="1" lang="zh-CN" altLang="en-US" dirty="0" smtClean="0"/>
+              <a:t>的数据类型及名称</a:t>
+            </a:r>
+            <a:endParaRPr kumimoji="1" lang="en-US" altLang="zh-CN" dirty="0"/>
+          </a:p>
+          <a:p>
+            <a:r>
+              <a:rPr kumimoji="1" lang="en-US" altLang="zh-CN" dirty="0" err="1" smtClean="0"/>
+              <a:t>int</a:t>
+            </a:r>
+            <a:r>
+              <a:rPr kumimoji="1" lang="en-US" altLang="zh-CN" dirty="0"/>
+              <a:t>  numerator;</a:t>
+            </a:r>
+          </a:p>
+          <a:p>
+            <a:r>
+              <a:rPr kumimoji="1" lang="en-US" altLang="zh-CN" dirty="0" err="1"/>
+              <a:t>int</a:t>
+            </a:r>
+            <a:r>
+              <a:rPr kumimoji="1" lang="en-US" altLang="zh-CN" dirty="0"/>
+              <a:t>  denominator</a:t>
+            </a:r>
+            <a:r>
+              <a:rPr kumimoji="1" lang="en-US" altLang="zh-CN" dirty="0" smtClean="0"/>
+              <a:t>;</a:t>
+            </a:r>
+          </a:p>
+          <a:p>
+            <a:pPr marL="0" indent="0">
+              <a:buNone/>
+            </a:pPr>
+            <a:r>
+              <a:rPr kumimoji="1" lang="zh-CN" altLang="en-US" b="1" i="1" dirty="0" smtClean="0"/>
+              <a:t>实例变量</a:t>
+            </a:r>
+            <a:r>
+              <a:rPr kumimoji="1" lang="zh-CN" altLang="en-US" b="1" dirty="0" smtClean="0"/>
+              <a:t>：是</a:t>
+            </a:r>
+            <a:r>
+              <a:rPr kumimoji="1" lang="zh-CN" altLang="en-US" dirty="0" smtClean="0"/>
+              <a:t>在</a:t>
+            </a:r>
+            <a:r>
+              <a:rPr kumimoji="1" lang="en-US" altLang="zh-CN" dirty="0" err="1" smtClean="0"/>
+              <a:t>memberDeclaratiions</a:t>
+            </a:r>
+            <a:r>
+              <a:rPr kumimoji="1" lang="zh-CN" altLang="en-US" dirty="0" smtClean="0"/>
+              <a:t>声明的成员</a:t>
+            </a:r>
+            <a:endParaRPr kumimoji="1" lang="en-US" altLang="zh-CN" dirty="0" smtClean="0"/>
+          </a:p>
+        </p:txBody>
+      </p:sp>
+    </p:spTree>
+    <p:extLst>
+      <p:ext uri="{BB962C8B-B14F-4D97-AF65-F5344CB8AC3E}">
+        <p14:creationId xmlns:p14="http://schemas.microsoft.com/office/powerpoint/2010/main" val="2378854717"/>
+      </p:ext>
+    </p:extLst>
+  </p:cSld>
+  <p:clrMapOvr>
+    <a:masterClrMapping/>
+  </p:clrMapOvr>
+  <p:timing>
+    <p:tnLst>
+      <p:par>
+        <p:cTn xmlns:p14="http://schemas.microsoft.com/office/powerpoint/2010/main" id="1" dur="indefinite" restart="never" nodeType="tmRoot"/>
+      </p:par>
+    </p:tnLst>
+  </p:timing>
+</p:sld>
+</file>
+
+<file path=ppt/slides/slide26.xml><?xml version="1.0" encoding="utf-8"?>
+<p:sld xmlns:a="http://schemas.openxmlformats.org/drawingml/2006/main" xmlns:r="http://schemas.openxmlformats.org/officeDocument/2006/relationships" xmlns:p="http://schemas.openxmlformats.org/presentationml/2006/main">
+  <p:cSld>
+    <p:spTree>
+      <p:nvGrpSpPr>
+        <p:cNvPr id="1" name=""/>
+        <p:cNvGrpSpPr/>
+        <p:nvPr/>
+      </p:nvGrpSpPr>
+      <p:grpSpPr>
+        <a:xfrm>
+          <a:off x="0" y="0"/>
+          <a:ext cx="0" cy="0"/>
+          <a:chOff x="0" y="0"/>
+          <a:chExt cx="0" cy="0"/>
+        </a:xfrm>
+      </p:grpSpPr>
+      <p:sp>
+        <p:nvSpPr>
+          <p:cNvPr id="2" name="标题 1"/>
+          <p:cNvSpPr>
+            <a:spLocks noGrp="1"/>
+          </p:cNvSpPr>
+          <p:nvPr>
+            <p:ph type="title"/>
+          </p:nvPr>
+        </p:nvSpPr>
+        <p:spPr/>
+        <p:txBody>
+          <a:bodyPr>
+            <a:normAutofit fontScale="90000"/>
+          </a:bodyPr>
+          <a:lstStyle/>
+          <a:p>
+            <a:r>
+              <a:rPr kumimoji="1" lang="en-US" altLang="zh-CN" dirty="0"/>
+              <a:t>Method </a:t>
+            </a:r>
+            <a:r>
+              <a:rPr kumimoji="1" lang="en-US" altLang="zh-CN" dirty="0" err="1"/>
+              <a:t>Definiation</a:t>
+            </a:r>
+            <a:r>
+              <a:rPr kumimoji="1" lang="en-US" altLang="zh-CN" dirty="0"/>
+              <a:t/>
+            </a:r>
+            <a:br>
+              <a:rPr kumimoji="1" lang="en-US" altLang="zh-CN" dirty="0"/>
+            </a:br>
+            <a:endParaRPr kumimoji="1" lang="zh-CN" altLang="en-US" dirty="0"/>
+          </a:p>
+        </p:txBody>
+      </p:sp>
+      <p:sp>
+        <p:nvSpPr>
+          <p:cNvPr id="3" name="内容占位符 2"/>
+          <p:cNvSpPr>
+            <a:spLocks noGrp="1"/>
+          </p:cNvSpPr>
+          <p:nvPr>
+            <p:ph idx="1"/>
+          </p:nvPr>
+        </p:nvSpPr>
+        <p:spPr/>
+        <p:txBody>
+          <a:bodyPr>
+            <a:normAutofit lnSpcReduction="10000"/>
+          </a:bodyPr>
+          <a:lstStyle/>
+          <a:p>
+            <a:pPr marL="514350" indent="-514350">
+              <a:buFont typeface="+mj-lt"/>
+              <a:buAutoNum type="arabicPeriod"/>
+            </a:pPr>
+            <a:r>
+              <a:rPr kumimoji="1" lang="zh-CN" altLang="en-US" dirty="0" smtClean="0"/>
+              <a:t>方法定义又叫方法实现</a:t>
+            </a:r>
+            <a:endParaRPr kumimoji="1" lang="en-US" altLang="zh-CN" dirty="0" smtClean="0"/>
+          </a:p>
+          <a:p>
+            <a:pPr marL="514350" indent="-514350">
+              <a:buFont typeface="+mj-lt"/>
+              <a:buAutoNum type="arabicPeriod"/>
+            </a:pPr>
+            <a:r>
+              <a:rPr kumimoji="1" lang="zh-CN" altLang="en-US" dirty="0" smtClean="0"/>
+              <a:t>这些方法在接口已声明</a:t>
+            </a:r>
+            <a:endParaRPr kumimoji="1" lang="en-US" altLang="zh-CN" dirty="0" smtClean="0"/>
+          </a:p>
+          <a:p>
+            <a:pPr marL="514350" indent="-514350">
+              <a:buFont typeface="+mj-lt"/>
+              <a:buAutoNum type="arabicPeriod"/>
+            </a:pPr>
+            <a:r>
+              <a:rPr kumimoji="1" lang="zh-CN" altLang="en-US" dirty="0" smtClean="0"/>
+              <a:t>不是像声明中用分号结束，而是将代码放入花括号中</a:t>
+            </a:r>
+            <a:endParaRPr kumimoji="1" lang="en-US" altLang="zh-CN" dirty="0" smtClean="0"/>
+          </a:p>
+          <a:p>
+            <a:pPr marL="0" indent="0">
+              <a:buNone/>
+            </a:pPr>
+            <a:r>
+              <a:rPr kumimoji="1" lang="en-US" altLang="zh-CN" dirty="0" smtClean="0"/>
+              <a:t>–</a:t>
+            </a:r>
+            <a:r>
+              <a:rPr kumimoji="1" lang="en-US" altLang="zh-CN" dirty="0"/>
+              <a:t>(void) print</a:t>
+            </a:r>
+          </a:p>
+          <a:p>
+            <a:pPr marL="0" indent="0">
+              <a:buNone/>
+            </a:pPr>
+            <a:r>
+              <a:rPr kumimoji="1" lang="en-US" altLang="zh-CN" dirty="0"/>
+              <a:t>{</a:t>
+            </a:r>
+          </a:p>
+          <a:p>
+            <a:pPr marL="0" indent="0">
+              <a:buNone/>
+            </a:pPr>
+            <a:r>
+              <a:rPr kumimoji="1" lang="en-US" altLang="zh-CN" dirty="0"/>
+              <a:t>    </a:t>
+            </a:r>
+            <a:r>
+              <a:rPr kumimoji="1" lang="en-US" altLang="zh-CN" dirty="0" err="1"/>
+              <a:t>NSLog</a:t>
+            </a:r>
+            <a:r>
+              <a:rPr kumimoji="1" lang="en-US" altLang="zh-CN" dirty="0"/>
+              <a:t> (@"%</a:t>
+            </a:r>
+            <a:r>
+              <a:rPr kumimoji="1" lang="en-US" altLang="zh-CN" dirty="0" err="1"/>
+              <a:t>i</a:t>
+            </a:r>
+            <a:r>
+              <a:rPr kumimoji="1" lang="en-US" altLang="zh-CN" dirty="0"/>
+              <a:t>/%</a:t>
+            </a:r>
+            <a:r>
+              <a:rPr kumimoji="1" lang="en-US" altLang="zh-CN" dirty="0" err="1"/>
+              <a:t>i</a:t>
+            </a:r>
+            <a:r>
+              <a:rPr kumimoji="1" lang="en-US" altLang="zh-CN" dirty="0"/>
+              <a:t>", numerator, denominator);</a:t>
+            </a:r>
+          </a:p>
+          <a:p>
+            <a:pPr marL="0" indent="0">
+              <a:buNone/>
+            </a:pPr>
+            <a:r>
+              <a:rPr kumimoji="1" lang="en-US" altLang="zh-CN" dirty="0" smtClean="0"/>
+              <a:t>}</a:t>
+            </a:r>
+            <a:endParaRPr kumimoji="1" lang="en-US" altLang="zh-CN" dirty="0"/>
+          </a:p>
+          <a:p>
+            <a:endParaRPr kumimoji="1" lang="en-US" altLang="zh-CN" dirty="0"/>
+          </a:p>
+        </p:txBody>
+      </p:sp>
+    </p:spTree>
+    <p:extLst>
+      <p:ext uri="{BB962C8B-B14F-4D97-AF65-F5344CB8AC3E}">
+        <p14:creationId xmlns:p14="http://schemas.microsoft.com/office/powerpoint/2010/main" val="1269198517"/>
+      </p:ext>
+    </p:extLst>
+  </p:cSld>
+  <p:clrMapOvr>
+    <a:masterClrMapping/>
+  </p:clrMapOvr>
+  <p:timing>
+    <p:tnLst>
+      <p:par>
+        <p:cTn xmlns:p14="http://schemas.microsoft.com/office/powerpoint/2010/main" id="1" dur="indefinite" restart="never" nodeType="tmRoot"/>
+      </p:par>
+    </p:tnLst>
+  </p:timing>
+</p:sld>
+</file>
+
+<file path=ppt/slides/slide27.xml><?xml version="1.0" encoding="utf-8"?>
+<p:sld xmlns:a="http://schemas.openxmlformats.org/drawingml/2006/main" xmlns:r="http://schemas.openxmlformats.org/officeDocument/2006/relationships" xmlns:p="http://schemas.openxmlformats.org/presentationml/2006/main">
+  <p:cSld>
+    <p:spTree>
+      <p:nvGrpSpPr>
+        <p:cNvPr id="1" name=""/>
+        <p:cNvGrpSpPr/>
+        <p:nvPr/>
+      </p:nvGrpSpPr>
+      <p:grpSpPr>
+        <a:xfrm>
+          <a:off x="0" y="0"/>
+          <a:ext cx="0" cy="0"/>
+          <a:chOff x="0" y="0"/>
+          <a:chExt cx="0" cy="0"/>
+        </a:xfrm>
+      </p:grpSpPr>
+      <p:sp>
+        <p:nvSpPr>
+          <p:cNvPr id="2" name="标题 1"/>
+          <p:cNvSpPr>
+            <a:spLocks noGrp="1"/>
+          </p:cNvSpPr>
+          <p:nvPr>
+            <p:ph type="title"/>
+          </p:nvPr>
+        </p:nvSpPr>
+        <p:spPr/>
+        <p:txBody>
+          <a:bodyPr/>
+          <a:lstStyle/>
+          <a:p>
+            <a:r>
+              <a:rPr kumimoji="1" lang="en-US" altLang="zh-CN" dirty="0" smtClean="0"/>
+              <a:t>Program</a:t>
+            </a:r>
+            <a:r>
+              <a:rPr kumimoji="1" lang="zh-CN" altLang="en-US" dirty="0" smtClean="0"/>
+              <a:t>部分</a:t>
+            </a:r>
+            <a:endParaRPr kumimoji="1" lang="zh-CN" altLang="en-US" dirty="0"/>
+          </a:p>
+        </p:txBody>
+      </p:sp>
+      <p:sp>
+        <p:nvSpPr>
+          <p:cNvPr id="3" name="内容占位符 2"/>
+          <p:cNvSpPr>
+            <a:spLocks noGrp="1"/>
+          </p:cNvSpPr>
+          <p:nvPr>
+            <p:ph idx="1"/>
+          </p:nvPr>
+        </p:nvSpPr>
+        <p:spPr/>
+        <p:txBody>
+          <a:bodyPr/>
+          <a:lstStyle/>
+          <a:p>
+            <a:r>
+              <a:rPr kumimoji="1" lang="zh-CN" altLang="en-US" dirty="0" smtClean="0"/>
+              <a:t>包含解决特定问题的代码</a:t>
+            </a:r>
+            <a:endParaRPr kumimoji="1" lang="en-US" altLang="zh-CN" dirty="0" smtClean="0"/>
+          </a:p>
+          <a:p>
+            <a:r>
+              <a:rPr kumimoji="1" lang="en-US" altLang="zh-CN" dirty="0" smtClean="0"/>
+              <a:t>Main</a:t>
+            </a:r>
+            <a:r>
+              <a:rPr kumimoji="1" lang="zh-CN" altLang="en-US" dirty="0" smtClean="0"/>
+              <a:t>函数</a:t>
+            </a:r>
+            <a:endParaRPr kumimoji="1" lang="en-US" altLang="zh-CN" dirty="0" smtClean="0"/>
+          </a:p>
+          <a:p>
+            <a:r>
+              <a:rPr kumimoji="1" lang="zh-CN" altLang="en-US" dirty="0" smtClean="0"/>
+              <a:t>对象的初始化的内存分配</a:t>
+            </a:r>
+            <a:endParaRPr kumimoji="1" lang="en-US" altLang="zh-CN" dirty="0" smtClean="0"/>
+          </a:p>
+          <a:p>
+            <a:endParaRPr kumimoji="1" lang="zh-CN" altLang="en-US" dirty="0"/>
+          </a:p>
+        </p:txBody>
+      </p:sp>
+    </p:spTree>
+    <p:extLst>
+      <p:ext uri="{BB962C8B-B14F-4D97-AF65-F5344CB8AC3E}">
+        <p14:creationId xmlns:p14="http://schemas.microsoft.com/office/powerpoint/2010/main" val="176542455"/>
+      </p:ext>
+    </p:extLst>
+  </p:cSld>
+  <p:clrMapOvr>
+    <a:masterClrMapping/>
+  </p:clrMapOvr>
+  <p:timing>
+    <p:tnLst>
+      <p:par>
+        <p:cTn xmlns:p14="http://schemas.microsoft.com/office/powerpoint/2010/main" id="1" dur="indefinite" restart="never" nodeType="tmRoot"/>
+      </p:par>
+    </p:tnLst>
+  </p:timing>
+</p:sld>
+</file>
+
+<file path=ppt/slides/slide28.xml><?xml version="1.0" encoding="utf-8"?>
+<p:sld xmlns:a="http://schemas.openxmlformats.org/drawingml/2006/main" xmlns:r="http://schemas.openxmlformats.org/officeDocument/2006/relationships" xmlns:p="http://schemas.openxmlformats.org/presentationml/2006/main">
+  <p:cSld>
+    <p:spTree>
+      <p:nvGrpSpPr>
+        <p:cNvPr id="1" name=""/>
+        <p:cNvGrpSpPr/>
+        <p:nvPr/>
+      </p:nvGrpSpPr>
+      <p:grpSpPr>
+        <a:xfrm>
+          <a:off x="0" y="0"/>
+          <a:ext cx="0" cy="0"/>
+          <a:chOff x="0" y="0"/>
+          <a:chExt cx="0" cy="0"/>
+        </a:xfrm>
+      </p:grpSpPr>
+      <p:sp>
+        <p:nvSpPr>
+          <p:cNvPr id="2" name="标题 1"/>
+          <p:cNvSpPr>
+            <a:spLocks noGrp="1"/>
+          </p:cNvSpPr>
+          <p:nvPr>
+            <p:ph type="title"/>
+          </p:nvPr>
+        </p:nvSpPr>
+        <p:spPr/>
+        <p:txBody>
+          <a:bodyPr>
+            <a:normAutofit/>
+          </a:bodyPr>
+          <a:lstStyle/>
+          <a:p>
+            <a:r>
+              <a:rPr kumimoji="1" lang="en-US" altLang="zh-CN" dirty="0"/>
+              <a:t>Main</a:t>
+            </a:r>
+            <a:r>
+              <a:rPr kumimoji="1" lang="zh-CN" altLang="en-US" dirty="0" smtClean="0"/>
+              <a:t>函数</a:t>
+            </a:r>
+            <a:endParaRPr kumimoji="1" lang="zh-CN" altLang="en-US" dirty="0"/>
+          </a:p>
+        </p:txBody>
+      </p:sp>
+      <p:sp>
+        <p:nvSpPr>
+          <p:cNvPr id="3" name="内容占位符 2"/>
+          <p:cNvSpPr>
+            <a:spLocks noGrp="1"/>
+          </p:cNvSpPr>
+          <p:nvPr>
+            <p:ph idx="1"/>
+          </p:nvPr>
+        </p:nvSpPr>
+        <p:spPr/>
+        <p:txBody>
+          <a:bodyPr/>
+          <a:lstStyle/>
+          <a:p>
+            <a:pPr marL="514350" indent="-514350">
+              <a:buFont typeface="+mj-lt"/>
+              <a:buAutoNum type="arabicPeriod"/>
+            </a:pPr>
+            <a:r>
+              <a:rPr kumimoji="1" lang="zh-CN" altLang="en-US" dirty="0" smtClean="0"/>
+              <a:t>声明一个名为</a:t>
+            </a:r>
+            <a:r>
+              <a:rPr kumimoji="1" lang="en-US" altLang="zh-CN" dirty="0" err="1" smtClean="0"/>
+              <a:t>myFraction</a:t>
+            </a:r>
+            <a:r>
+              <a:rPr kumimoji="1" lang="zh-CN" altLang="en-US" dirty="0" smtClean="0"/>
+              <a:t>变量</a:t>
+            </a:r>
+            <a:endParaRPr kumimoji="1" lang="en-US" altLang="zh-CN" dirty="0" smtClean="0"/>
+          </a:p>
+          <a:p>
+            <a:pPr marL="0" indent="0">
+              <a:buNone/>
+            </a:pPr>
+            <a:r>
+              <a:rPr kumimoji="1" lang="en-US" altLang="zh-CN" dirty="0"/>
+              <a:t>Fraction *</a:t>
+            </a:r>
+            <a:r>
+              <a:rPr kumimoji="1" lang="en-US" altLang="zh-CN" dirty="0" err="1"/>
+              <a:t>myFraction</a:t>
+            </a:r>
+            <a:r>
+              <a:rPr kumimoji="1" lang="en-US" altLang="zh-CN" dirty="0"/>
+              <a:t>;</a:t>
+            </a:r>
+            <a:endParaRPr kumimoji="1" lang="en-US" altLang="zh-CN" dirty="0" smtClean="0"/>
+          </a:p>
+          <a:p>
+            <a:pPr marL="0" indent="0">
+              <a:buNone/>
+            </a:pPr>
+            <a:r>
+              <a:rPr kumimoji="1" lang="en-US" altLang="zh-CN" dirty="0" smtClean="0"/>
+              <a:t>2.</a:t>
+            </a:r>
+            <a:r>
+              <a:rPr kumimoji="1" lang="zh-CN" altLang="en-US" dirty="0" smtClean="0"/>
+              <a:t> 获得</a:t>
+            </a:r>
+            <a:r>
+              <a:rPr kumimoji="1" lang="en-US" altLang="zh-CN" dirty="0" smtClean="0"/>
+              <a:t>Fraction</a:t>
+            </a:r>
+            <a:r>
+              <a:rPr kumimoji="1" lang="zh-CN" altLang="en-US" dirty="0" smtClean="0"/>
+              <a:t>的新实例，即为新实例分配内存存储空间</a:t>
+            </a:r>
+            <a:r>
+              <a:rPr kumimoji="1" lang="en-US" altLang="zh-CN" dirty="0" err="1" smtClean="0"/>
+              <a:t>myFraction</a:t>
+            </a:r>
+            <a:r>
+              <a:rPr kumimoji="1" lang="en-US" altLang="zh-CN" dirty="0" smtClean="0"/>
+              <a:t> </a:t>
+            </a:r>
+            <a:r>
+              <a:rPr kumimoji="1" lang="en-US" altLang="zh-CN" dirty="0"/>
+              <a:t>= [Fraction </a:t>
+            </a:r>
+            <a:r>
+              <a:rPr kumimoji="1" lang="en-US" altLang="zh-CN" dirty="0" err="1"/>
+              <a:t>alloc</a:t>
+            </a:r>
+            <a:r>
+              <a:rPr kumimoji="1" lang="en-US" altLang="zh-CN" dirty="0"/>
+              <a:t>];</a:t>
+            </a:r>
+            <a:endParaRPr kumimoji="1" lang="en-US" altLang="zh-CN" dirty="0" smtClean="0"/>
+          </a:p>
+          <a:p>
+            <a:pPr marL="0" indent="0">
+              <a:buNone/>
+            </a:pPr>
+            <a:r>
+              <a:rPr kumimoji="1" lang="en-US" altLang="zh-CN" dirty="0" smtClean="0"/>
+              <a:t>3.</a:t>
+            </a:r>
+            <a:r>
+              <a:rPr kumimoji="1" lang="zh-CN" altLang="en-US" dirty="0" smtClean="0"/>
+              <a:t> 初始为新实例：</a:t>
+            </a:r>
+            <a:r>
+              <a:rPr kumimoji="1" lang="en-US" altLang="zh-CN" dirty="0" err="1" smtClean="0"/>
+              <a:t>init</a:t>
+            </a:r>
+            <a:r>
+              <a:rPr kumimoji="1" lang="zh-CN" altLang="en-US" dirty="0" smtClean="0"/>
+              <a:t>消息的接受者是</a:t>
+            </a:r>
+            <a:r>
+              <a:rPr kumimoji="1" lang="en-US" altLang="zh-CN" dirty="0" err="1" smtClean="0"/>
+              <a:t>myFraction</a:t>
+            </a:r>
+            <a:r>
+              <a:rPr kumimoji="1" lang="zh-CN" altLang="en-US" dirty="0" smtClean="0"/>
+              <a:t>实例变量，而不是</a:t>
+            </a:r>
+            <a:r>
+              <a:rPr kumimoji="1" lang="en-US" altLang="zh-CN" dirty="0" smtClean="0"/>
+              <a:t>Fraction</a:t>
+            </a:r>
+            <a:r>
+              <a:rPr kumimoji="1" lang="zh-CN" altLang="en-US" dirty="0" smtClean="0"/>
+              <a:t>类</a:t>
+            </a:r>
+            <a:endParaRPr kumimoji="1" lang="en-US" altLang="zh-CN" dirty="0" smtClean="0"/>
+          </a:p>
+          <a:p>
+            <a:pPr marL="0" indent="0">
+              <a:buNone/>
+            </a:pPr>
+            <a:r>
+              <a:rPr kumimoji="1" lang="en-US" altLang="zh-CN" dirty="0" err="1"/>
+              <a:t>myFraction</a:t>
+            </a:r>
+            <a:r>
+              <a:rPr kumimoji="1" lang="en-US" altLang="zh-CN" dirty="0"/>
+              <a:t> = [</a:t>
+            </a:r>
+            <a:r>
+              <a:rPr kumimoji="1" lang="en-US" altLang="zh-CN" dirty="0" err="1"/>
+              <a:t>myFraction</a:t>
+            </a:r>
+            <a:r>
+              <a:rPr kumimoji="1" lang="en-US" altLang="zh-CN" dirty="0"/>
+              <a:t> </a:t>
+            </a:r>
+            <a:r>
+              <a:rPr kumimoji="1" lang="en-US" altLang="zh-CN" dirty="0" err="1"/>
+              <a:t>init</a:t>
+            </a:r>
+            <a:r>
+              <a:rPr kumimoji="1" lang="en-US" altLang="zh-CN" dirty="0"/>
+              <a:t>];</a:t>
+            </a:r>
+            <a:endParaRPr kumimoji="1" lang="en-US" altLang="zh-CN" dirty="0" smtClean="0"/>
+          </a:p>
+          <a:p>
+            <a:pPr marL="0" indent="0">
+              <a:buNone/>
+            </a:pPr>
+            <a:endParaRPr kumimoji="1" lang="zh-CN" altLang="en-US" dirty="0"/>
+          </a:p>
+        </p:txBody>
+      </p:sp>
+    </p:spTree>
+    <p:extLst>
+      <p:ext uri="{BB962C8B-B14F-4D97-AF65-F5344CB8AC3E}">
+        <p14:creationId xmlns:p14="http://schemas.microsoft.com/office/powerpoint/2010/main" val="2019314742"/>
+      </p:ext>
+    </p:extLst>
+  </p:cSld>
+  <p:clrMapOvr>
+    <a:masterClrMapping/>
+  </p:clrMapOvr>
+  <p:timing>
+    <p:tnLst>
+      <p:par>
+        <p:cTn xmlns:p14="http://schemas.microsoft.com/office/powerpoint/2010/main" id="1" dur="indefinite" restart="never" nodeType="tmRoot"/>
+      </p:par>
+    </p:tnLst>
+  </p:timing>
+</p:sld>
+</file>
+
+<file path=ppt/slides/slide29.xml><?xml version="1.0" encoding="utf-8"?>
+<p:sld xmlns:a="http://schemas.openxmlformats.org/drawingml/2006/main" xmlns:r="http://schemas.openxmlformats.org/officeDocument/2006/relationships" xmlns:p="http://schemas.openxmlformats.org/presentationml/2006/main">
+  <p:cSld>
+    <p:spTree>
+      <p:nvGrpSpPr>
+        <p:cNvPr id="1" name=""/>
+        <p:cNvGrpSpPr/>
+        <p:nvPr/>
+      </p:nvGrpSpPr>
+      <p:grpSpPr>
+        <a:xfrm>
+          <a:off x="0" y="0"/>
+          <a:ext cx="0" cy="0"/>
+          <a:chOff x="0" y="0"/>
+          <a:chExt cx="0" cy="0"/>
+        </a:xfrm>
+      </p:grpSpPr>
+      <p:sp>
+        <p:nvSpPr>
+          <p:cNvPr id="2" name="标题 1"/>
+          <p:cNvSpPr>
+            <a:spLocks noGrp="1"/>
+          </p:cNvSpPr>
+          <p:nvPr>
+            <p:ph type="title"/>
+          </p:nvPr>
+        </p:nvSpPr>
+        <p:spPr/>
+        <p:txBody>
+          <a:bodyPr/>
+          <a:lstStyle/>
+          <a:p>
+            <a:r>
+              <a:rPr kumimoji="1" lang="en-US" altLang="zh-CN" dirty="0"/>
+              <a:t>Main</a:t>
+            </a:r>
+            <a:r>
+              <a:rPr kumimoji="1" lang="zh-CN" altLang="en-US" dirty="0"/>
+              <a:t>函数</a:t>
+            </a:r>
+          </a:p>
+        </p:txBody>
+      </p:sp>
+      <p:sp>
+        <p:nvSpPr>
+          <p:cNvPr id="3" name="内容占位符 2"/>
+          <p:cNvSpPr>
+            <a:spLocks noGrp="1"/>
+          </p:cNvSpPr>
+          <p:nvPr>
+            <p:ph idx="1"/>
+          </p:nvPr>
+        </p:nvSpPr>
+        <p:spPr/>
+        <p:txBody>
+          <a:bodyPr>
+            <a:normAutofit/>
+          </a:bodyPr>
+          <a:lstStyle/>
+          <a:p>
+            <a:pPr marL="514350" indent="-514350">
+              <a:buFont typeface="+mj-lt"/>
+              <a:buAutoNum type="arabicPeriod"/>
+            </a:pPr>
+            <a:r>
+              <a:rPr kumimoji="1" lang="zh-CN" altLang="en-US" dirty="0" smtClean="0"/>
+              <a:t>创建实例并初始化：</a:t>
+            </a:r>
+            <a:endParaRPr kumimoji="1" lang="en-US" altLang="zh-CN" dirty="0" smtClean="0"/>
+          </a:p>
+          <a:p>
+            <a:pPr marL="0" indent="0">
+              <a:buNone/>
+            </a:pPr>
+            <a:r>
+              <a:rPr kumimoji="1" lang="en-US" altLang="zh-CN" dirty="0" err="1" smtClean="0"/>
+              <a:t>myFraction</a:t>
+            </a:r>
+            <a:r>
+              <a:rPr kumimoji="1" lang="en-US" altLang="zh-CN" dirty="0" smtClean="0"/>
+              <a:t> </a:t>
+            </a:r>
+            <a:r>
+              <a:rPr kumimoji="1" lang="en-US" altLang="zh-CN" dirty="0"/>
+              <a:t>= [[Fraction </a:t>
+            </a:r>
+            <a:r>
+              <a:rPr kumimoji="1" lang="en-US" altLang="zh-CN" dirty="0" err="1"/>
+              <a:t>alloc</a:t>
+            </a:r>
+            <a:r>
+              <a:rPr kumimoji="1" lang="en-US" altLang="zh-CN" dirty="0"/>
+              <a:t>] </a:t>
+            </a:r>
+            <a:r>
+              <a:rPr kumimoji="1" lang="en-US" altLang="zh-CN" dirty="0" err="1"/>
+              <a:t>init</a:t>
+            </a:r>
+            <a:r>
+              <a:rPr kumimoji="1" lang="en-US" altLang="zh-CN" dirty="0"/>
+              <a:t>]</a:t>
+            </a:r>
+            <a:r>
+              <a:rPr kumimoji="1" lang="en-US" altLang="zh-CN" dirty="0" smtClean="0"/>
+              <a:t>;</a:t>
+            </a:r>
+            <a:endParaRPr kumimoji="1" lang="en-US" altLang="zh-CN" dirty="0"/>
+          </a:p>
+          <a:p>
+            <a:pPr marL="0" indent="0">
+              <a:buNone/>
+            </a:pPr>
+            <a:r>
+              <a:rPr kumimoji="1" lang="en-US" altLang="zh-CN" dirty="0"/>
+              <a:t>[Fraction </a:t>
+            </a:r>
+            <a:r>
+              <a:rPr kumimoji="1" lang="en-US" altLang="zh-CN" dirty="0" err="1"/>
+              <a:t>alloc</a:t>
+            </a:r>
+            <a:r>
+              <a:rPr kumimoji="1" lang="en-US" altLang="zh-CN" dirty="0"/>
+              <a:t>] </a:t>
+            </a:r>
+            <a:r>
+              <a:rPr kumimoji="1" lang="zh-CN" altLang="en-US" dirty="0" smtClean="0"/>
+              <a:t>将先执行，之后不是将其存到</a:t>
+            </a:r>
+            <a:r>
+              <a:rPr kumimoji="1" lang="en-US" altLang="zh-CN" dirty="0" err="1" smtClean="0"/>
+              <a:t>myFraction</a:t>
+            </a:r>
+            <a:r>
+              <a:rPr kumimoji="1" lang="zh-CN" altLang="en-US" dirty="0" smtClean="0"/>
+              <a:t>变量中，而是直接</a:t>
+            </a:r>
+            <a:r>
+              <a:rPr kumimoji="1" lang="en-US" altLang="zh-CN" dirty="0" err="1" smtClean="0"/>
+              <a:t>init</a:t>
+            </a:r>
+            <a:endParaRPr kumimoji="1" lang="en-US" altLang="zh-CN" dirty="0" smtClean="0"/>
+          </a:p>
+          <a:p>
+            <a:pPr marL="0" indent="0">
+              <a:buNone/>
+            </a:pPr>
+            <a:r>
+              <a:rPr kumimoji="1" lang="en-US" altLang="zh-CN" dirty="0" smtClean="0"/>
+              <a:t>2.</a:t>
+            </a:r>
+            <a:r>
+              <a:rPr kumimoji="1" lang="zh-CN" altLang="en-US" dirty="0" smtClean="0"/>
+              <a:t> 上面更简洁的形式：</a:t>
+            </a:r>
+            <a:endParaRPr kumimoji="1" lang="en-US" altLang="zh-CN" dirty="0"/>
+          </a:p>
+          <a:p>
+            <a:pPr marL="0" indent="0">
+              <a:buNone/>
+            </a:pPr>
+            <a:r>
+              <a:rPr kumimoji="1" lang="en-US" altLang="zh-CN" dirty="0" smtClean="0"/>
+              <a:t>Fraction </a:t>
+            </a:r>
+            <a:r>
+              <a:rPr kumimoji="1" lang="en-US" altLang="zh-CN" dirty="0"/>
+              <a:t>*</a:t>
+            </a:r>
+            <a:r>
+              <a:rPr kumimoji="1" lang="en-US" altLang="zh-CN" dirty="0" err="1"/>
+              <a:t>myFraction</a:t>
+            </a:r>
+            <a:r>
+              <a:rPr kumimoji="1" lang="en-US" altLang="zh-CN" dirty="0"/>
+              <a:t> = [[Fraction </a:t>
+            </a:r>
+            <a:r>
+              <a:rPr kumimoji="1" lang="en-US" altLang="zh-CN" dirty="0" err="1"/>
+              <a:t>alloc</a:t>
+            </a:r>
+            <a:r>
+              <a:rPr kumimoji="1" lang="en-US" altLang="zh-CN" dirty="0"/>
+              <a:t>] </a:t>
+            </a:r>
+            <a:r>
+              <a:rPr kumimoji="1" lang="en-US" altLang="zh-CN" dirty="0" err="1"/>
+              <a:t>init</a:t>
+            </a:r>
+            <a:r>
+              <a:rPr kumimoji="1" lang="en-US" altLang="zh-CN" dirty="0"/>
+              <a:t>]</a:t>
+            </a:r>
+            <a:r>
+              <a:rPr kumimoji="1" lang="en-US" altLang="zh-CN" dirty="0" smtClean="0"/>
+              <a:t>;</a:t>
+            </a:r>
+            <a:endParaRPr kumimoji="1" lang="en-US" altLang="zh-CN" dirty="0"/>
+          </a:p>
+        </p:txBody>
+      </p:sp>
+    </p:spTree>
+    <p:extLst>
+      <p:ext uri="{BB962C8B-B14F-4D97-AF65-F5344CB8AC3E}">
+        <p14:creationId xmlns:p14="http://schemas.microsoft.com/office/powerpoint/2010/main" val="1347498417"/>
+      </p:ext>
+    </p:extLst>
+  </p:cSld>
+  <p:clrMapOvr>
+    <a:masterClrMapping/>
+  </p:clrMapOvr>
+  <p:timing>
+    <p:tnLst>
+      <p:par>
+        <p:cTn xmlns:p14="http://schemas.microsoft.com/office/powerpoint/2010/main" id="1" dur="indefinite" restart="never" nodeType="tmRoot"/>
+      </p:par>
+    </p:tnLst>
+  </p:timing>
 </p:sld>
 </file>
 
@@ -3490,7 +7216,19 @@
           <a:p>
             <a:r>
               <a:rPr kumimoji="1" lang="zh-CN" altLang="en-US" dirty="0" smtClean="0"/>
-              <a:t>实例和方法</a:t>
+              <a:t>什么是对象（</a:t>
+            </a:r>
+            <a:r>
+              <a:rPr kumimoji="1" lang="en-US" altLang="zh-CN" dirty="0" smtClean="0"/>
+              <a:t>car </a:t>
+            </a:r>
+            <a:r>
+              <a:rPr kumimoji="1" lang="en-US" altLang="zh-CN" dirty="0" err="1" smtClean="0"/>
+              <a:t>exapmle</a:t>
+            </a:r>
+            <a:r>
+              <a:rPr kumimoji="1" lang="en-US" altLang="zh-CN" dirty="0" smtClean="0"/>
+              <a:t>)</a:t>
             </a:r>
             <a:endParaRPr kumimoji="1" lang="zh-CN" altLang="en-US" dirty="0"/>
           </a:p>
@@ -3512,29 +7250,34 @@
           <a:lstStyle/>
           <a:p>
             <a:r>
+              <a:rPr kumimoji="1" lang="zh-CN" altLang="en-US" dirty="0" smtClean="0"/>
+              <a:t>你买的一辆车就是一个对象</a:t>
+            </a:r>
+            <a:endParaRPr kumimoji="1" lang="en-US" altLang="zh-CN" dirty="0" smtClean="0"/>
+          </a:p>
+          <a:p>
+            <a:r>
+              <a:rPr kumimoji="1" lang="zh-CN" altLang="en-US" dirty="0" smtClean="0"/>
+              <a:t>它是由类</a:t>
+            </a:r>
+            <a:r>
               <a:rPr kumimoji="1" lang="en-US" altLang="zh-CN" dirty="0" smtClean="0"/>
-              <a:t>[</a:t>
-            </a:r>
-            <a:r>
-              <a:rPr kumimoji="1" lang="en-US" altLang="zh-CN" dirty="0" err="1" smtClean="0"/>
-              <a:t>ClassOrInstance</a:t>
-            </a:r>
-            <a:r>
-              <a:rPr kumimoji="1" lang="en-US" altLang="zh-CN" dirty="0" smtClean="0"/>
-              <a:t> method]</a:t>
-            </a:r>
-          </a:p>
-          <a:p>
-            <a:r>
-              <a:rPr kumimoji="1" lang="en-US" altLang="zh-CN" dirty="0" smtClean="0"/>
-              <a:t>[receiver message]</a:t>
-            </a:r>
-          </a:p>
-          <a:p>
-            <a:r>
-              <a:rPr kumimoji="1" lang="zh-CN" altLang="en-US" dirty="0" smtClean="0"/>
-              <a:t>面向对象主要理念：不同对象同一方法</a:t>
-            </a:r>
+              <a:t>(class)</a:t>
+            </a:r>
+            <a:r>
+              <a:rPr kumimoji="1" lang="zh-CN" altLang="en-US" dirty="0" smtClean="0"/>
+              <a:t>创建的实例</a:t>
+            </a:r>
+            <a:endParaRPr kumimoji="1" lang="en-US" altLang="zh-CN" dirty="0" smtClean="0"/>
+          </a:p>
+          <a:p>
+            <a:r>
+              <a:rPr kumimoji="1" lang="zh-CN" altLang="en-US" dirty="0" smtClean="0"/>
+              <a:t>实例即对象</a:t>
+            </a:r>
+            <a:endParaRPr kumimoji="1" lang="en-US" altLang="zh-CN" dirty="0" smtClean="0"/>
+          </a:p>
+          <a:p>
             <a:endParaRPr kumimoji="1" lang="zh-CN" altLang="en-US" dirty="0"/>
           </a:p>
         </p:txBody>
@@ -3542,13 +7285,1469 @@
     </p:spTree>
     <p:extLst>
       <p:ext uri="{BB962C8B-B14F-4D97-AF65-F5344CB8AC3E}">
-        <p14:creationId xmlns:p14="http://schemas.microsoft.com/office/powerpoint/2010/main" val="3851451411"/>
+        <p14:creationId xmlns:p14="http://schemas.microsoft.com/office/powerpoint/2010/main" val="2121233310"/>
       </p:ext>
     </p:extLst>
   </p:cSld>
   <p:clrMapOvr>
     <a:masterClrMapping/>
   </p:clrMapOvr>
+  <p:timing>
+    <p:tnLst>
+      <p:par>
+        <p:cTn xmlns:p14="http://schemas.microsoft.com/office/powerpoint/2010/main" id="1" dur="indefinite" restart="never" nodeType="tmRoot"/>
+      </p:par>
+    </p:tnLst>
+  </p:timing>
+</p:sld>
+</file>
+
+<file path=ppt/slides/slide30.xml><?xml version="1.0" encoding="utf-8"?>
+<p:sld xmlns:a="http://schemas.openxmlformats.org/drawingml/2006/main" xmlns:r="http://schemas.openxmlformats.org/officeDocument/2006/relationships" xmlns:p="http://schemas.openxmlformats.org/presentationml/2006/main">
+  <p:cSld>
+    <p:spTree>
+      <p:nvGrpSpPr>
+        <p:cNvPr id="1" name=""/>
+        <p:cNvGrpSpPr/>
+        <p:nvPr/>
+      </p:nvGrpSpPr>
+      <p:grpSpPr>
+        <a:xfrm>
+          <a:off x="0" y="0"/>
+          <a:ext cx="0" cy="0"/>
+          <a:chOff x="0" y="0"/>
+          <a:chExt cx="0" cy="0"/>
+        </a:xfrm>
+      </p:grpSpPr>
+      <p:sp>
+        <p:nvSpPr>
+          <p:cNvPr id="2" name="标题 1"/>
+          <p:cNvSpPr>
+            <a:spLocks noGrp="1"/>
+          </p:cNvSpPr>
+          <p:nvPr>
+            <p:ph type="title"/>
+          </p:nvPr>
+        </p:nvSpPr>
+        <p:spPr/>
+        <p:txBody>
+          <a:bodyPr/>
+          <a:lstStyle/>
+          <a:p>
+            <a:r>
+              <a:rPr kumimoji="1" lang="en-US" altLang="zh-CN" dirty="0"/>
+              <a:t>Main</a:t>
+            </a:r>
+            <a:r>
+              <a:rPr kumimoji="1" lang="zh-CN" altLang="en-US" dirty="0"/>
+              <a:t>函数</a:t>
+            </a:r>
+          </a:p>
+        </p:txBody>
+      </p:sp>
+      <p:sp>
+        <p:nvSpPr>
+          <p:cNvPr id="3" name="内容占位符 2"/>
+          <p:cNvSpPr>
+            <a:spLocks noGrp="1"/>
+          </p:cNvSpPr>
+          <p:nvPr>
+            <p:ph idx="1"/>
+          </p:nvPr>
+        </p:nvSpPr>
+        <p:spPr/>
+        <p:txBody>
+          <a:bodyPr/>
+          <a:lstStyle/>
+          <a:p>
+            <a:r>
+              <a:rPr kumimoji="1" lang="en-US" altLang="zh-CN" dirty="0"/>
+              <a:t>[</a:t>
+            </a:r>
+            <a:r>
+              <a:rPr kumimoji="1" lang="en-US" altLang="zh-CN" dirty="0" err="1"/>
+              <a:t>myFraction</a:t>
+            </a:r>
+            <a:r>
+              <a:rPr kumimoji="1" lang="en-US" altLang="zh-CN" dirty="0"/>
+              <a:t> </a:t>
+            </a:r>
+            <a:r>
+              <a:rPr kumimoji="1" lang="en-US" altLang="zh-CN" dirty="0" err="1"/>
+              <a:t>setNumerator</a:t>
+            </a:r>
+            <a:r>
+              <a:rPr kumimoji="1" lang="en-US" altLang="zh-CN" dirty="0"/>
+              <a:t>: 1]</a:t>
+            </a:r>
+            <a:r>
+              <a:rPr kumimoji="1" lang="en-US" altLang="zh-CN" dirty="0" smtClean="0"/>
+              <a:t>;</a:t>
+            </a:r>
+          </a:p>
+          <a:p>
+            <a:r>
+              <a:rPr kumimoji="1" lang="zh-CN" altLang="en-US" dirty="0"/>
+              <a:t>参数</a:t>
+            </a:r>
+            <a:r>
+              <a:rPr kumimoji="1" lang="en-US" altLang="zh-CN" dirty="0"/>
+              <a:t>1</a:t>
+            </a:r>
+            <a:r>
+              <a:rPr kumimoji="1" lang="zh-CN" altLang="en-US" dirty="0"/>
+              <a:t>存在变量</a:t>
+            </a:r>
+            <a:r>
+              <a:rPr kumimoji="1" lang="en-US" altLang="zh-CN" dirty="0"/>
+              <a:t>n</a:t>
+            </a:r>
+            <a:r>
+              <a:rPr kumimoji="1" lang="zh-CN" altLang="en-US" dirty="0"/>
+              <a:t>中，并赋值给实例变量</a:t>
+            </a:r>
+            <a:r>
+              <a:rPr kumimoji="1" lang="en-US" altLang="zh-CN" dirty="0" smtClean="0"/>
+              <a:t>numerator</a:t>
+            </a:r>
+          </a:p>
+          <a:p>
+            <a:r>
+              <a:rPr kumimoji="1" lang="en-US" altLang="zh-CN" dirty="0"/>
+              <a:t>[</a:t>
+            </a:r>
+            <a:r>
+              <a:rPr kumimoji="1" lang="en-US" altLang="zh-CN" dirty="0" err="1"/>
+              <a:t>myFraction</a:t>
+            </a:r>
+            <a:r>
+              <a:rPr kumimoji="1" lang="en-US" altLang="zh-CN" dirty="0"/>
+              <a:t> </a:t>
+            </a:r>
+            <a:r>
+              <a:rPr kumimoji="1" lang="en-US" altLang="zh-CN" dirty="0" err="1"/>
+              <a:t>setDenominator</a:t>
+            </a:r>
+            <a:r>
+              <a:rPr kumimoji="1" lang="en-US" altLang="zh-CN" dirty="0"/>
+              <a:t>: 3]</a:t>
+            </a:r>
+            <a:r>
+              <a:rPr kumimoji="1" lang="en-US" altLang="zh-CN" dirty="0" smtClean="0"/>
+              <a:t>;</a:t>
+            </a:r>
+          </a:p>
+          <a:p>
+            <a:r>
+              <a:rPr kumimoji="1" lang="zh-CN" altLang="en-US" dirty="0" smtClean="0"/>
+              <a:t>参数</a:t>
+            </a:r>
+            <a:r>
+              <a:rPr kumimoji="1" lang="en-US" altLang="zh-CN" dirty="0" smtClean="0"/>
+              <a:t>3</a:t>
+            </a:r>
+            <a:r>
+              <a:rPr kumimoji="1" lang="zh-CN" altLang="en-US" dirty="0" smtClean="0"/>
+              <a:t>存在变量</a:t>
+            </a:r>
+            <a:r>
+              <a:rPr kumimoji="1" lang="en-US" altLang="zh-CN" dirty="0" smtClean="0"/>
+              <a:t>d</a:t>
+            </a:r>
+            <a:r>
+              <a:rPr kumimoji="1" lang="zh-CN" altLang="en-US" dirty="0" smtClean="0"/>
+              <a:t>中，并把它存储到</a:t>
+            </a:r>
+            <a:r>
+              <a:rPr kumimoji="1" lang="en-US" altLang="zh-CN" dirty="0" smtClean="0"/>
+              <a:t>denominator</a:t>
+            </a:r>
+            <a:r>
+              <a:rPr kumimoji="1" lang="zh-CN" altLang="en-US" dirty="0" smtClean="0"/>
+              <a:t>中</a:t>
+            </a:r>
+            <a:endParaRPr kumimoji="1" lang="en-US" altLang="zh-CN" dirty="0" smtClean="0"/>
+          </a:p>
+        </p:txBody>
+      </p:sp>
+    </p:spTree>
+    <p:extLst>
+      <p:ext uri="{BB962C8B-B14F-4D97-AF65-F5344CB8AC3E}">
+        <p14:creationId xmlns:p14="http://schemas.microsoft.com/office/powerpoint/2010/main" val="4072339973"/>
+      </p:ext>
+    </p:extLst>
+  </p:cSld>
+  <p:clrMapOvr>
+    <a:masterClrMapping/>
+  </p:clrMapOvr>
+  <p:timing>
+    <p:tnLst>
+      <p:par>
+        <p:cTn xmlns:p14="http://schemas.microsoft.com/office/powerpoint/2010/main" id="1" dur="indefinite" restart="never" nodeType="tmRoot"/>
+      </p:par>
+    </p:tnLst>
+  </p:timing>
+</p:sld>
+</file>
+
+<file path=ppt/slides/slide31.xml><?xml version="1.0" encoding="utf-8"?>
+<p:sld xmlns:a="http://schemas.openxmlformats.org/drawingml/2006/main" xmlns:r="http://schemas.openxmlformats.org/officeDocument/2006/relationships" xmlns:p="http://schemas.openxmlformats.org/presentationml/2006/main">
+  <p:cSld>
+    <p:spTree>
+      <p:nvGrpSpPr>
+        <p:cNvPr id="1" name=""/>
+        <p:cNvGrpSpPr/>
+        <p:nvPr/>
+      </p:nvGrpSpPr>
+      <p:grpSpPr>
+        <a:xfrm>
+          <a:off x="0" y="0"/>
+          <a:ext cx="0" cy="0"/>
+          <a:chOff x="0" y="0"/>
+          <a:chExt cx="0" cy="0"/>
+        </a:xfrm>
+      </p:grpSpPr>
+      <p:sp>
+        <p:nvSpPr>
+          <p:cNvPr id="2" name="标题 1"/>
+          <p:cNvSpPr>
+            <a:spLocks noGrp="1"/>
+          </p:cNvSpPr>
+          <p:nvPr>
+            <p:ph type="title"/>
+          </p:nvPr>
+        </p:nvSpPr>
+        <p:spPr/>
+        <p:txBody>
+          <a:bodyPr/>
+          <a:lstStyle/>
+          <a:p>
+            <a:r>
+              <a:rPr kumimoji="1" lang="zh-CN" altLang="en-US" dirty="0" smtClean="0"/>
+              <a:t>解释星号（*）</a:t>
+            </a:r>
+            <a:endParaRPr kumimoji="1" lang="zh-CN" altLang="en-US" dirty="0"/>
+          </a:p>
+        </p:txBody>
+      </p:sp>
+      <p:sp>
+        <p:nvSpPr>
+          <p:cNvPr id="3" name="内容占位符 2"/>
+          <p:cNvSpPr>
+            <a:spLocks noGrp="1"/>
+          </p:cNvSpPr>
+          <p:nvPr>
+            <p:ph idx="1"/>
+          </p:nvPr>
+        </p:nvSpPr>
+        <p:spPr/>
+        <p:txBody>
+          <a:bodyPr/>
+          <a:lstStyle/>
+          <a:p>
+            <a:pPr marL="514350" indent="-514350">
+              <a:buFont typeface="+mj-lt"/>
+              <a:buAutoNum type="arabicPeriod"/>
+            </a:pPr>
+            <a:r>
+              <a:rPr kumimoji="1" lang="zh-CN" altLang="en-US" dirty="0" smtClean="0"/>
+              <a:t>*表明</a:t>
+            </a:r>
+            <a:r>
+              <a:rPr kumimoji="1" lang="en-US" altLang="zh-CN" dirty="0" err="1" smtClean="0"/>
+              <a:t>myFraction</a:t>
+            </a:r>
+            <a:r>
+              <a:rPr kumimoji="1" lang="zh-CN" altLang="en-US" dirty="0" smtClean="0"/>
+              <a:t>是</a:t>
+            </a:r>
+            <a:r>
+              <a:rPr kumimoji="1" lang="en-US" altLang="zh-CN" dirty="0" smtClean="0"/>
+              <a:t>Fraction</a:t>
+            </a:r>
+            <a:r>
+              <a:rPr kumimoji="1" lang="zh-CN" altLang="en-US" dirty="0" smtClean="0"/>
+              <a:t>对象的引用（或指针）</a:t>
+            </a:r>
+            <a:endParaRPr kumimoji="1" lang="en-US" altLang="zh-CN" dirty="0" smtClean="0"/>
+          </a:p>
+          <a:p>
+            <a:pPr marL="514350" indent="-514350">
+              <a:buFont typeface="+mj-lt"/>
+              <a:buAutoNum type="arabicPeriod"/>
+            </a:pPr>
+            <a:r>
+              <a:rPr kumimoji="1" lang="en-US" altLang="zh-CN" dirty="0" err="1" smtClean="0"/>
+              <a:t>myFraction</a:t>
+            </a:r>
+            <a:r>
+              <a:rPr kumimoji="1" lang="zh-CN" altLang="en-US" dirty="0" smtClean="0"/>
+              <a:t>不存储数据，只存一个内存地址（引用）</a:t>
+            </a:r>
+            <a:endParaRPr kumimoji="1" lang="en-US" altLang="zh-CN" dirty="0" smtClean="0"/>
+          </a:p>
+          <a:p>
+            <a:pPr marL="514350" indent="-514350">
+              <a:buFont typeface="+mj-lt"/>
+              <a:buAutoNum type="arabicPeriod"/>
+            </a:pPr>
+            <a:r>
+              <a:rPr kumimoji="1" lang="zh-CN" altLang="en-US" dirty="0" smtClean="0"/>
+              <a:t>内存地址表明对象在内存中的位置</a:t>
+            </a:r>
+            <a:endParaRPr kumimoji="1" lang="en-US" altLang="zh-CN" dirty="0" smtClean="0"/>
+          </a:p>
+          <a:p>
+            <a:pPr marL="0" indent="0">
+              <a:buNone/>
+            </a:pPr>
+            <a:endParaRPr kumimoji="1" lang="zh-CN" altLang="en-US" dirty="0"/>
+          </a:p>
+        </p:txBody>
+      </p:sp>
+    </p:spTree>
+    <p:extLst>
+      <p:ext uri="{BB962C8B-B14F-4D97-AF65-F5344CB8AC3E}">
+        <p14:creationId xmlns:p14="http://schemas.microsoft.com/office/powerpoint/2010/main" val="1088828889"/>
+      </p:ext>
+    </p:extLst>
+  </p:cSld>
+  <p:clrMapOvr>
+    <a:masterClrMapping/>
+  </p:clrMapOvr>
+  <p:timing>
+    <p:tnLst>
+      <p:par>
+        <p:cTn xmlns:p14="http://schemas.microsoft.com/office/powerpoint/2010/main" id="1" dur="indefinite" restart="never" nodeType="tmRoot"/>
+      </p:par>
+    </p:tnLst>
+  </p:timing>
+</p:sld>
+</file>
+
+<file path=ppt/slides/slide32.xml><?xml version="1.0" encoding="utf-8"?>
+<p:sld xmlns:a="http://schemas.openxmlformats.org/drawingml/2006/main" xmlns:r="http://schemas.openxmlformats.org/officeDocument/2006/relationships" xmlns:p="http://schemas.openxmlformats.org/presentationml/2006/main">
+  <p:cSld>
+    <p:spTree>
+      <p:nvGrpSpPr>
+        <p:cNvPr id="1" name=""/>
+        <p:cNvGrpSpPr/>
+        <p:nvPr/>
+      </p:nvGrpSpPr>
+      <p:grpSpPr>
+        <a:xfrm>
+          <a:off x="0" y="0"/>
+          <a:ext cx="0" cy="0"/>
+          <a:chOff x="0" y="0"/>
+          <a:chExt cx="0" cy="0"/>
+        </a:xfrm>
+      </p:grpSpPr>
+      <p:sp>
+        <p:nvSpPr>
+          <p:cNvPr id="2" name="标题 1"/>
+          <p:cNvSpPr>
+            <a:spLocks noGrp="1"/>
+          </p:cNvSpPr>
+          <p:nvPr>
+            <p:ph type="title"/>
+          </p:nvPr>
+        </p:nvSpPr>
+        <p:spPr/>
+        <p:txBody>
+          <a:bodyPr/>
+          <a:lstStyle/>
+          <a:p>
+            <a:r>
+              <a:rPr kumimoji="1" lang="zh-CN" altLang="en-US" dirty="0" smtClean="0"/>
+              <a:t>声明</a:t>
+            </a:r>
+            <a:r>
+              <a:rPr kumimoji="1" lang="en-US" altLang="zh-CN" dirty="0" smtClean="0"/>
+              <a:t>Fraction</a:t>
+            </a:r>
+            <a:endParaRPr kumimoji="1" lang="zh-CN" altLang="en-US" dirty="0"/>
+          </a:p>
+        </p:txBody>
+      </p:sp>
+      <p:sp>
+        <p:nvSpPr>
+          <p:cNvPr id="3" name="内容占位符 2"/>
+          <p:cNvSpPr>
+            <a:spLocks noGrp="1"/>
+          </p:cNvSpPr>
+          <p:nvPr>
+            <p:ph idx="1"/>
+          </p:nvPr>
+        </p:nvSpPr>
+        <p:spPr/>
+        <p:txBody>
+          <a:bodyPr/>
+          <a:lstStyle/>
+          <a:p>
+            <a:r>
+              <a:rPr kumimoji="1" lang="zh-CN" altLang="en-US" dirty="0" smtClean="0"/>
+              <a:t>声明时没有任何值</a:t>
+            </a:r>
+            <a:endParaRPr kumimoji="1" lang="en-US" altLang="zh-CN" dirty="0" smtClean="0"/>
+          </a:p>
+          <a:p>
+            <a:pPr marL="0" indent="0">
+              <a:buNone/>
+            </a:pPr>
+            <a:r>
+              <a:rPr kumimoji="1" lang="en-US" altLang="zh-CN" dirty="0"/>
+              <a:t>Fraction *</a:t>
+            </a:r>
+            <a:r>
+              <a:rPr kumimoji="1" lang="en-US" altLang="zh-CN" dirty="0" err="1"/>
+              <a:t>myFraction</a:t>
+            </a:r>
+            <a:r>
+              <a:rPr kumimoji="1" lang="en-US" altLang="zh-CN" dirty="0"/>
+              <a:t>;</a:t>
+            </a:r>
+            <a:endParaRPr kumimoji="1" lang="en-US" altLang="zh-CN" dirty="0" smtClean="0"/>
+          </a:p>
+          <a:p>
+            <a:pPr marL="0" indent="0">
+              <a:buNone/>
+            </a:pPr>
+            <a:endParaRPr kumimoji="1" lang="zh-CN" altLang="en-US" dirty="0"/>
+          </a:p>
+        </p:txBody>
+      </p:sp>
+      <p:pic>
+        <p:nvPicPr>
+          <p:cNvPr id="4" name="图片 3"/>
+          <p:cNvPicPr>
+            <a:picLocks noChangeAspect="1"/>
+          </p:cNvPicPr>
+          <p:nvPr/>
+        </p:nvPicPr>
+        <p:blipFill>
+          <a:blip r:embed="rId2"/>
+          <a:stretch>
+            <a:fillRect/>
+          </a:stretch>
+        </p:blipFill>
+        <p:spPr>
+          <a:xfrm>
+            <a:off x="525638" y="2856644"/>
+            <a:ext cx="8042768" cy="1470630"/>
+          </a:xfrm>
+          <a:prstGeom prst="rect">
+            <a:avLst/>
+          </a:prstGeom>
+        </p:spPr>
+      </p:pic>
+    </p:spTree>
+    <p:extLst>
+      <p:ext uri="{BB962C8B-B14F-4D97-AF65-F5344CB8AC3E}">
+        <p14:creationId xmlns:p14="http://schemas.microsoft.com/office/powerpoint/2010/main" val="2525142403"/>
+      </p:ext>
+    </p:extLst>
+  </p:cSld>
+  <p:clrMapOvr>
+    <a:masterClrMapping/>
+  </p:clrMapOvr>
+  <p:timing>
+    <p:tnLst>
+      <p:par>
+        <p:cTn xmlns:p14="http://schemas.microsoft.com/office/powerpoint/2010/main" id="1" dur="indefinite" restart="never" nodeType="tmRoot"/>
+      </p:par>
+    </p:tnLst>
+  </p:timing>
+</p:sld>
+</file>
+
+<file path=ppt/slides/slide33.xml><?xml version="1.0" encoding="utf-8"?>
+<p:sld xmlns:a="http://schemas.openxmlformats.org/drawingml/2006/main" xmlns:r="http://schemas.openxmlformats.org/officeDocument/2006/relationships" xmlns:p="http://schemas.openxmlformats.org/presentationml/2006/main">
+  <p:cSld>
+    <p:spTree>
+      <p:nvGrpSpPr>
+        <p:cNvPr id="1" name=""/>
+        <p:cNvGrpSpPr/>
+        <p:nvPr/>
+      </p:nvGrpSpPr>
+      <p:grpSpPr>
+        <a:xfrm>
+          <a:off x="0" y="0"/>
+          <a:ext cx="0" cy="0"/>
+          <a:chOff x="0" y="0"/>
+          <a:chExt cx="0" cy="0"/>
+        </a:xfrm>
+      </p:grpSpPr>
+      <p:sp>
+        <p:nvSpPr>
+          <p:cNvPr id="2" name="标题 1"/>
+          <p:cNvSpPr>
+            <a:spLocks noGrp="1"/>
+          </p:cNvSpPr>
+          <p:nvPr>
+            <p:ph type="title"/>
+          </p:nvPr>
+        </p:nvSpPr>
+        <p:spPr/>
+        <p:txBody>
+          <a:bodyPr/>
+          <a:lstStyle/>
+          <a:p>
+            <a:r>
+              <a:rPr kumimoji="1" lang="zh-CN" altLang="en-US" dirty="0" smtClean="0"/>
+              <a:t>创建对象（</a:t>
+            </a:r>
+            <a:r>
+              <a:rPr kumimoji="1" lang="en-US" altLang="zh-CN" dirty="0" err="1" smtClean="0"/>
+              <a:t>alloc</a:t>
+            </a:r>
+            <a:r>
+              <a:rPr kumimoji="1" lang="en-US" altLang="zh-CN" dirty="0" smtClean="0"/>
+              <a:t>)</a:t>
+            </a:r>
+            <a:endParaRPr kumimoji="1" lang="zh-CN" altLang="en-US" dirty="0"/>
+          </a:p>
+        </p:txBody>
+      </p:sp>
+      <p:sp>
+        <p:nvSpPr>
+          <p:cNvPr id="3" name="内容占位符 2"/>
+          <p:cNvSpPr>
+            <a:spLocks noGrp="1"/>
+          </p:cNvSpPr>
+          <p:nvPr>
+            <p:ph idx="1"/>
+          </p:nvPr>
+        </p:nvSpPr>
+        <p:spPr/>
+        <p:txBody>
+          <a:bodyPr/>
+          <a:lstStyle/>
+          <a:p>
+            <a:r>
+              <a:rPr kumimoji="1" lang="zh-CN" altLang="en-US" dirty="0" smtClean="0"/>
+              <a:t>内存中留有足够空间存储对象数据</a:t>
+            </a:r>
+            <a:endParaRPr kumimoji="1" lang="en-US" altLang="zh-CN" dirty="0" smtClean="0"/>
+          </a:p>
+          <a:p>
+            <a:r>
+              <a:rPr kumimoji="1" lang="en-US" altLang="zh-CN" dirty="0" err="1" smtClean="0"/>
+              <a:t>alloc</a:t>
+            </a:r>
+            <a:r>
+              <a:rPr kumimoji="1" lang="zh-CN" altLang="en-US" dirty="0" smtClean="0"/>
+              <a:t>也是一个方法：它返回存储数据的引用</a:t>
+            </a:r>
+            <a:endParaRPr kumimoji="1" lang="en-US" altLang="zh-CN" dirty="0" smtClean="0"/>
+          </a:p>
+          <a:p>
+            <a:pPr marL="0" indent="0">
+              <a:buNone/>
+            </a:pPr>
+            <a:r>
+              <a:rPr kumimoji="1" lang="en-US" altLang="zh-CN" dirty="0" err="1"/>
+              <a:t>myFraction</a:t>
+            </a:r>
+            <a:r>
+              <a:rPr kumimoji="1" lang="en-US" altLang="zh-CN" dirty="0"/>
+              <a:t> = [Fraction </a:t>
+            </a:r>
+            <a:r>
+              <a:rPr kumimoji="1" lang="en-US" altLang="zh-CN" dirty="0" err="1"/>
+              <a:t>alloc</a:t>
+            </a:r>
+            <a:r>
+              <a:rPr kumimoji="1" lang="en-US" altLang="zh-CN" dirty="0"/>
+              <a:t>]</a:t>
+            </a:r>
+            <a:r>
+              <a:rPr kumimoji="1" lang="en-US" altLang="zh-CN" dirty="0" smtClean="0"/>
+              <a:t>;</a:t>
+            </a:r>
+          </a:p>
+          <a:p>
+            <a:r>
+              <a:rPr kumimoji="1" lang="en-US" altLang="zh-CN" dirty="0" err="1" smtClean="0"/>
+              <a:t>alloc</a:t>
+            </a:r>
+            <a:r>
+              <a:rPr kumimoji="1" lang="zh-CN" altLang="en-US" dirty="0" smtClean="0"/>
+              <a:t>后对象中的实例变量为</a:t>
+            </a:r>
+            <a:r>
+              <a:rPr kumimoji="1" lang="en-US" altLang="zh-CN" dirty="0" smtClean="0"/>
+              <a:t>0</a:t>
+            </a:r>
+            <a:r>
+              <a:rPr kumimoji="1" lang="zh-CN" altLang="en-US" dirty="0" smtClean="0"/>
+              <a:t>，但仍需要</a:t>
+            </a:r>
+            <a:r>
+              <a:rPr kumimoji="1" lang="en-US" altLang="zh-CN" dirty="0" err="1" smtClean="0"/>
+              <a:t>init</a:t>
+            </a:r>
+            <a:endParaRPr kumimoji="1" lang="zh-CN" altLang="en-US" dirty="0"/>
+          </a:p>
+        </p:txBody>
+      </p:sp>
+      <p:pic>
+        <p:nvPicPr>
+          <p:cNvPr id="4" name="图片 3"/>
+          <p:cNvPicPr>
+            <a:picLocks noChangeAspect="1"/>
+          </p:cNvPicPr>
+          <p:nvPr/>
+        </p:nvPicPr>
+        <p:blipFill>
+          <a:blip r:embed="rId2"/>
+          <a:stretch>
+            <a:fillRect/>
+          </a:stretch>
+        </p:blipFill>
+        <p:spPr>
+          <a:xfrm>
+            <a:off x="586139" y="4147213"/>
+            <a:ext cx="8001694" cy="1908689"/>
+          </a:xfrm>
+          <a:prstGeom prst="rect">
+            <a:avLst/>
+          </a:prstGeom>
+        </p:spPr>
+      </p:pic>
+    </p:spTree>
+    <p:extLst>
+      <p:ext uri="{BB962C8B-B14F-4D97-AF65-F5344CB8AC3E}">
+        <p14:creationId xmlns:p14="http://schemas.microsoft.com/office/powerpoint/2010/main" val="3959026995"/>
+      </p:ext>
+    </p:extLst>
+  </p:cSld>
+  <p:clrMapOvr>
+    <a:masterClrMapping/>
+  </p:clrMapOvr>
+  <p:timing>
+    <p:tnLst>
+      <p:par>
+        <p:cTn xmlns:p14="http://schemas.microsoft.com/office/powerpoint/2010/main" id="1" dur="indefinite" restart="never" nodeType="tmRoot"/>
+      </p:par>
+    </p:tnLst>
+  </p:timing>
+</p:sld>
+</file>
+
+<file path=ppt/slides/slide34.xml><?xml version="1.0" encoding="utf-8"?>
+<p:sld xmlns:a="http://schemas.openxmlformats.org/drawingml/2006/main" xmlns:r="http://schemas.openxmlformats.org/officeDocument/2006/relationships" xmlns:p="http://schemas.openxmlformats.org/presentationml/2006/main">
+  <p:cSld>
+    <p:spTree>
+      <p:nvGrpSpPr>
+        <p:cNvPr id="1" name=""/>
+        <p:cNvGrpSpPr/>
+        <p:nvPr/>
+      </p:nvGrpSpPr>
+      <p:grpSpPr>
+        <a:xfrm>
+          <a:off x="0" y="0"/>
+          <a:ext cx="0" cy="0"/>
+          <a:chOff x="0" y="0"/>
+          <a:chExt cx="0" cy="0"/>
+        </a:xfrm>
+      </p:grpSpPr>
+      <p:sp>
+        <p:nvSpPr>
+          <p:cNvPr id="2" name="标题 1"/>
+          <p:cNvSpPr>
+            <a:spLocks noGrp="1"/>
+          </p:cNvSpPr>
+          <p:nvPr>
+            <p:ph type="title"/>
+          </p:nvPr>
+        </p:nvSpPr>
+        <p:spPr/>
+        <p:txBody>
+          <a:bodyPr/>
+          <a:lstStyle/>
+          <a:p>
+            <a:r>
+              <a:rPr kumimoji="1" lang="zh-CN" altLang="en-US" dirty="0" smtClean="0"/>
+              <a:t>完全初始化</a:t>
+            </a:r>
+            <a:endParaRPr kumimoji="1" lang="zh-CN" altLang="en-US" dirty="0"/>
+          </a:p>
+        </p:txBody>
+      </p:sp>
+      <p:sp>
+        <p:nvSpPr>
+          <p:cNvPr id="3" name="内容占位符 2"/>
+          <p:cNvSpPr>
+            <a:spLocks noGrp="1"/>
+          </p:cNvSpPr>
+          <p:nvPr>
+            <p:ph idx="1"/>
+          </p:nvPr>
+        </p:nvSpPr>
+        <p:spPr/>
+        <p:txBody>
+          <a:bodyPr/>
+          <a:lstStyle/>
+          <a:p>
+            <a:r>
+              <a:rPr kumimoji="1" lang="zh-CN" altLang="en-US" dirty="0" smtClean="0"/>
+              <a:t>分子为</a:t>
+            </a:r>
+            <a:r>
+              <a:rPr kumimoji="1" lang="en-US" altLang="zh-CN" dirty="0" smtClean="0"/>
+              <a:t>1</a:t>
+            </a:r>
+            <a:r>
+              <a:rPr kumimoji="1" lang="zh-CN" altLang="en-US" dirty="0" smtClean="0"/>
+              <a:t>，分母为</a:t>
+            </a:r>
+            <a:r>
+              <a:rPr kumimoji="1" lang="en-US" altLang="zh-CN" dirty="0" smtClean="0"/>
+              <a:t>3</a:t>
+            </a:r>
+            <a:endParaRPr kumimoji="1" lang="zh-CN" altLang="en-US" dirty="0"/>
+          </a:p>
+        </p:txBody>
+      </p:sp>
+      <p:pic>
+        <p:nvPicPr>
+          <p:cNvPr id="4" name="图片 3"/>
+          <p:cNvPicPr>
+            <a:picLocks noChangeAspect="1"/>
+          </p:cNvPicPr>
+          <p:nvPr/>
+        </p:nvPicPr>
+        <p:blipFill>
+          <a:blip r:embed="rId2"/>
+          <a:stretch>
+            <a:fillRect/>
+          </a:stretch>
+        </p:blipFill>
+        <p:spPr>
+          <a:xfrm>
+            <a:off x="457200" y="2604077"/>
+            <a:ext cx="8686800" cy="2503736"/>
+          </a:xfrm>
+          <a:prstGeom prst="rect">
+            <a:avLst/>
+          </a:prstGeom>
+        </p:spPr>
+      </p:pic>
+    </p:spTree>
+    <p:extLst>
+      <p:ext uri="{BB962C8B-B14F-4D97-AF65-F5344CB8AC3E}">
+        <p14:creationId xmlns:p14="http://schemas.microsoft.com/office/powerpoint/2010/main" val="2337735634"/>
+      </p:ext>
+    </p:extLst>
+  </p:cSld>
+  <p:clrMapOvr>
+    <a:masterClrMapping/>
+  </p:clrMapOvr>
+  <p:timing>
+    <p:tnLst>
+      <p:par>
+        <p:cTn xmlns:p14="http://schemas.microsoft.com/office/powerpoint/2010/main" id="1" dur="indefinite" restart="never" nodeType="tmRoot"/>
+      </p:par>
+    </p:tnLst>
+  </p:timing>
+</p:sld>
+</file>
+
+<file path=ppt/slides/slide35.xml><?xml version="1.0" encoding="utf-8"?>
+<p:sld xmlns:a="http://schemas.openxmlformats.org/drawingml/2006/main" xmlns:r="http://schemas.openxmlformats.org/officeDocument/2006/relationships" xmlns:p="http://schemas.openxmlformats.org/presentationml/2006/main">
+  <p:cSld>
+    <p:spTree>
+      <p:nvGrpSpPr>
+        <p:cNvPr id="1" name=""/>
+        <p:cNvGrpSpPr/>
+        <p:nvPr/>
+      </p:nvGrpSpPr>
+      <p:grpSpPr>
+        <a:xfrm>
+          <a:off x="0" y="0"/>
+          <a:ext cx="0" cy="0"/>
+          <a:chOff x="0" y="0"/>
+          <a:chExt cx="0" cy="0"/>
+        </a:xfrm>
+      </p:grpSpPr>
+      <p:sp>
+        <p:nvSpPr>
+          <p:cNvPr id="2" name="标题 1"/>
+          <p:cNvSpPr>
+            <a:spLocks noGrp="1"/>
+          </p:cNvSpPr>
+          <p:nvPr>
+            <p:ph type="title"/>
+          </p:nvPr>
+        </p:nvSpPr>
+        <p:spPr/>
+        <p:txBody>
+          <a:bodyPr/>
+          <a:lstStyle/>
+          <a:p>
+            <a:r>
+              <a:rPr kumimoji="1" lang="zh-CN" altLang="en-US" dirty="0" smtClean="0"/>
+              <a:t>两个</a:t>
+            </a:r>
+            <a:r>
+              <a:rPr kumimoji="1" lang="en-US" altLang="zh-CN" dirty="0" smtClean="0"/>
+              <a:t>Fraction</a:t>
+            </a:r>
+            <a:r>
+              <a:rPr kumimoji="1" lang="zh-CN" altLang="en-US" dirty="0" smtClean="0"/>
+              <a:t>对象</a:t>
+            </a:r>
+            <a:r>
+              <a:rPr kumimoji="1" lang="en-US" altLang="zh-CN" dirty="0" smtClean="0"/>
+              <a:t>frac1,frac2</a:t>
+            </a:r>
+            <a:endParaRPr kumimoji="1" lang="zh-CN" altLang="en-US" dirty="0"/>
+          </a:p>
+        </p:txBody>
+      </p:sp>
+      <p:sp>
+        <p:nvSpPr>
+          <p:cNvPr id="3" name="内容占位符 2"/>
+          <p:cNvSpPr>
+            <a:spLocks noGrp="1"/>
+          </p:cNvSpPr>
+          <p:nvPr>
+            <p:ph idx="1"/>
+          </p:nvPr>
+        </p:nvSpPr>
+        <p:spPr/>
+        <p:txBody>
+          <a:bodyPr/>
+          <a:lstStyle/>
+          <a:p>
+            <a:r>
+              <a:rPr kumimoji="1" lang="en-US" altLang="zh-CN" dirty="0" smtClean="0"/>
+              <a:t>frac1</a:t>
+            </a:r>
+            <a:r>
+              <a:rPr kumimoji="1" lang="zh-CN" altLang="en-US" dirty="0" smtClean="0"/>
+              <a:t>叫实例变量，</a:t>
+            </a:r>
+            <a:r>
+              <a:rPr kumimoji="1" lang="en-US" altLang="zh-CN" dirty="0" smtClean="0"/>
+              <a:t>frac1</a:t>
+            </a:r>
+            <a:r>
+              <a:rPr kumimoji="1" lang="zh-CN" altLang="en-US" dirty="0" smtClean="0"/>
+              <a:t>中是</a:t>
+            </a:r>
+            <a:r>
+              <a:rPr kumimoji="1" lang="en-US" altLang="zh-CN" dirty="0" err="1" smtClean="0"/>
+              <a:t>numerator,denominator</a:t>
+            </a:r>
+            <a:r>
+              <a:rPr kumimoji="1" lang="zh-CN" altLang="en-US" dirty="0" smtClean="0"/>
+              <a:t>也叫实例变量</a:t>
+            </a:r>
+            <a:endParaRPr kumimoji="1" lang="en-US" altLang="zh-CN" dirty="0" smtClean="0"/>
+          </a:p>
+          <a:p>
+            <a:r>
+              <a:rPr kumimoji="1" lang="zh-CN" altLang="en-US" dirty="0" smtClean="0"/>
+              <a:t>它们有各自特有的一组实例亦是</a:t>
+            </a:r>
+            <a:endParaRPr kumimoji="1" lang="en-US" altLang="zh-CN" dirty="0" smtClean="0"/>
+          </a:p>
+          <a:p>
+            <a:endParaRPr kumimoji="1" lang="zh-CN" altLang="en-US" dirty="0"/>
+          </a:p>
+        </p:txBody>
+      </p:sp>
+      <p:pic>
+        <p:nvPicPr>
+          <p:cNvPr id="4" name="图片 3"/>
+          <p:cNvPicPr>
+            <a:picLocks noChangeAspect="1"/>
+          </p:cNvPicPr>
+          <p:nvPr/>
+        </p:nvPicPr>
+        <p:blipFill>
+          <a:blip r:embed="rId2"/>
+          <a:stretch>
+            <a:fillRect/>
+          </a:stretch>
+        </p:blipFill>
+        <p:spPr>
+          <a:xfrm>
+            <a:off x="519699" y="3579790"/>
+            <a:ext cx="8485481" cy="1659731"/>
+          </a:xfrm>
+          <a:prstGeom prst="rect">
+            <a:avLst/>
+          </a:prstGeom>
+        </p:spPr>
+      </p:pic>
+    </p:spTree>
+    <p:extLst>
+      <p:ext uri="{BB962C8B-B14F-4D97-AF65-F5344CB8AC3E}">
+        <p14:creationId xmlns:p14="http://schemas.microsoft.com/office/powerpoint/2010/main" val="2876003905"/>
+      </p:ext>
+    </p:extLst>
+  </p:cSld>
+  <p:clrMapOvr>
+    <a:masterClrMapping/>
+  </p:clrMapOvr>
+  <p:timing>
+    <p:tnLst>
+      <p:par>
+        <p:cTn xmlns:p14="http://schemas.microsoft.com/office/powerpoint/2010/main" id="1" dur="indefinite" restart="never" nodeType="tmRoot"/>
+      </p:par>
+    </p:tnLst>
+  </p:timing>
+</p:sld>
+</file>
+
+<file path=ppt/slides/slide36.xml><?xml version="1.0" encoding="utf-8"?>
+<p:sld xmlns:a="http://schemas.openxmlformats.org/drawingml/2006/main" xmlns:r="http://schemas.openxmlformats.org/officeDocument/2006/relationships" xmlns:p="http://schemas.openxmlformats.org/presentationml/2006/main">
+  <p:cSld>
+    <p:spTree>
+      <p:nvGrpSpPr>
+        <p:cNvPr id="1" name=""/>
+        <p:cNvGrpSpPr/>
+        <p:nvPr/>
+      </p:nvGrpSpPr>
+      <p:grpSpPr>
+        <a:xfrm>
+          <a:off x="0" y="0"/>
+          <a:ext cx="0" cy="0"/>
+          <a:chOff x="0" y="0"/>
+          <a:chExt cx="0" cy="0"/>
+        </a:xfrm>
+      </p:grpSpPr>
+      <p:sp>
+        <p:nvSpPr>
+          <p:cNvPr id="2" name="标题 1"/>
+          <p:cNvSpPr>
+            <a:spLocks noGrp="1"/>
+          </p:cNvSpPr>
+          <p:nvPr>
+            <p:ph type="title"/>
+          </p:nvPr>
+        </p:nvSpPr>
+        <p:spPr/>
+        <p:txBody>
+          <a:bodyPr>
+            <a:normAutofit fontScale="90000"/>
+          </a:bodyPr>
+          <a:lstStyle/>
+          <a:p>
+            <a:r>
+              <a:rPr kumimoji="1" lang="zh-CN" altLang="en-US" dirty="0" smtClean="0"/>
+              <a:t>访问实例变量</a:t>
+            </a:r>
+            <a:r>
+              <a:rPr kumimoji="1" lang="en-US" altLang="zh-CN" dirty="0" smtClean="0"/>
+              <a:t/>
+            </a:r>
+            <a:br>
+              <a:rPr kumimoji="1" lang="en-US" altLang="zh-CN" dirty="0" smtClean="0"/>
+            </a:br>
+            <a:r>
+              <a:rPr kumimoji="1" lang="zh-CN" altLang="en-US" dirty="0" smtClean="0"/>
+              <a:t>访问器</a:t>
+            </a:r>
+            <a:r>
+              <a:rPr kumimoji="1" lang="en-US" altLang="zh-CN" dirty="0" smtClean="0"/>
+              <a:t>(</a:t>
+            </a:r>
+            <a:r>
+              <a:rPr kumimoji="1" lang="en-US" altLang="zh-CN" dirty="0" err="1" smtClean="0"/>
+              <a:t>accessor</a:t>
+            </a:r>
+            <a:r>
+              <a:rPr kumimoji="1" lang="en-US" altLang="zh-CN" dirty="0" smtClean="0"/>
+              <a:t>)</a:t>
+            </a:r>
+            <a:r>
+              <a:rPr kumimoji="1" lang="zh-CN" altLang="en-US" dirty="0" smtClean="0"/>
+              <a:t>方法</a:t>
+            </a:r>
+            <a:endParaRPr kumimoji="1" lang="zh-CN" altLang="en-US" dirty="0"/>
+          </a:p>
+        </p:txBody>
+      </p:sp>
+      <p:sp>
+        <p:nvSpPr>
+          <p:cNvPr id="3" name="内容占位符 2"/>
+          <p:cNvSpPr>
+            <a:spLocks noGrp="1"/>
+          </p:cNvSpPr>
+          <p:nvPr>
+            <p:ph idx="1"/>
+          </p:nvPr>
+        </p:nvSpPr>
+        <p:spPr/>
+        <p:txBody>
+          <a:bodyPr>
+            <a:normAutofit/>
+          </a:bodyPr>
+          <a:lstStyle/>
+          <a:p>
+            <a:endParaRPr kumimoji="1" lang="en-US" altLang="zh-CN" dirty="0" smtClean="0"/>
+          </a:p>
+          <a:p>
+            <a:r>
+              <a:rPr kumimoji="1" lang="en-US" altLang="zh-CN" dirty="0" smtClean="0"/>
+              <a:t>Getter</a:t>
+            </a:r>
+            <a:r>
+              <a:rPr kumimoji="1" lang="zh-CN" altLang="en-US" dirty="0" smtClean="0"/>
+              <a:t>方法</a:t>
+            </a:r>
+            <a:r>
+              <a:rPr kumimoji="1" lang="en-US" altLang="zh-CN" dirty="0" smtClean="0"/>
+              <a:t>:</a:t>
+            </a:r>
+            <a:r>
+              <a:rPr kumimoji="1" lang="zh-CN" altLang="en-US" dirty="0" smtClean="0"/>
+              <a:t>检索实例变</a:t>
+            </a:r>
+            <a:r>
+              <a:rPr kumimoji="1" lang="zh-CN" altLang="en-US" dirty="0" smtClean="0"/>
+              <a:t>量的值</a:t>
+            </a:r>
+            <a:endParaRPr kumimoji="1" lang="en-US" altLang="zh-CN" dirty="0" smtClean="0"/>
+          </a:p>
+          <a:p>
+            <a:pPr marL="0" indent="0">
+              <a:buNone/>
+            </a:pPr>
+            <a:r>
+              <a:rPr kumimoji="1" lang="en-US" altLang="zh-CN" dirty="0" smtClean="0"/>
+              <a:t>–</a:t>
+            </a:r>
+            <a:r>
+              <a:rPr kumimoji="1" lang="en-US" altLang="zh-CN" dirty="0"/>
+              <a:t>(</a:t>
+            </a:r>
+            <a:r>
+              <a:rPr kumimoji="1" lang="en-US" altLang="zh-CN" dirty="0" err="1"/>
+              <a:t>int</a:t>
+            </a:r>
+            <a:r>
+              <a:rPr kumimoji="1" lang="en-US" altLang="zh-CN" dirty="0"/>
+              <a:t>) numerator;</a:t>
+            </a:r>
+          </a:p>
+          <a:p>
+            <a:pPr marL="0" indent="0">
+              <a:buNone/>
+            </a:pPr>
+            <a:r>
+              <a:rPr kumimoji="1" lang="en-US" altLang="zh-CN" dirty="0"/>
+              <a:t>–(</a:t>
+            </a:r>
+            <a:r>
+              <a:rPr kumimoji="1" lang="en-US" altLang="zh-CN" dirty="0" err="1"/>
+              <a:t>int</a:t>
+            </a:r>
+            <a:r>
+              <a:rPr kumimoji="1" lang="en-US" altLang="zh-CN" dirty="0"/>
+              <a:t>) denominator</a:t>
+            </a:r>
+            <a:r>
+              <a:rPr kumimoji="1" lang="en-US" altLang="zh-CN" dirty="0" smtClean="0"/>
+              <a:t>;</a:t>
+            </a:r>
+            <a:endParaRPr kumimoji="1" lang="en-US" altLang="zh-CN" dirty="0"/>
+          </a:p>
+          <a:p>
+            <a:pPr marL="0" indent="0">
+              <a:buNone/>
+            </a:pPr>
+            <a:endParaRPr kumimoji="1" lang="en-US" altLang="zh-CN" dirty="0"/>
+          </a:p>
+        </p:txBody>
+      </p:sp>
+    </p:spTree>
+    <p:extLst>
+      <p:ext uri="{BB962C8B-B14F-4D97-AF65-F5344CB8AC3E}">
+        <p14:creationId xmlns:p14="http://schemas.microsoft.com/office/powerpoint/2010/main" val="3166164094"/>
+      </p:ext>
+    </p:extLst>
+  </p:cSld>
+  <p:clrMapOvr>
+    <a:masterClrMapping/>
+  </p:clrMapOvr>
+  <p:timing>
+    <p:tnLst>
+      <p:par>
+        <p:cTn xmlns:p14="http://schemas.microsoft.com/office/powerpoint/2010/main" id="1" dur="indefinite" restart="never" nodeType="tmRoot"/>
+      </p:par>
+    </p:tnLst>
+  </p:timing>
+</p:sld>
+</file>
+
+<file path=ppt/slides/slide37.xml><?xml version="1.0" encoding="utf-8"?>
+<p:sld xmlns:a="http://schemas.openxmlformats.org/drawingml/2006/main" xmlns:r="http://schemas.openxmlformats.org/officeDocument/2006/relationships" xmlns:p="http://schemas.openxmlformats.org/presentationml/2006/main">
+  <p:cSld>
+    <p:spTree>
+      <p:nvGrpSpPr>
+        <p:cNvPr id="1" name=""/>
+        <p:cNvGrpSpPr/>
+        <p:nvPr/>
+      </p:nvGrpSpPr>
+      <p:grpSpPr>
+        <a:xfrm>
+          <a:off x="0" y="0"/>
+          <a:ext cx="0" cy="0"/>
+          <a:chOff x="0" y="0"/>
+          <a:chExt cx="0" cy="0"/>
+        </a:xfrm>
+      </p:grpSpPr>
+      <p:sp>
+        <p:nvSpPr>
+          <p:cNvPr id="2" name="标题 1"/>
+          <p:cNvSpPr>
+            <a:spLocks noGrp="1"/>
+          </p:cNvSpPr>
+          <p:nvPr>
+            <p:ph type="title"/>
+          </p:nvPr>
+        </p:nvSpPr>
+        <p:spPr/>
+        <p:txBody>
+          <a:bodyPr>
+            <a:normAutofit fontScale="90000"/>
+          </a:bodyPr>
+          <a:lstStyle/>
+          <a:p>
+            <a:r>
+              <a:rPr kumimoji="1" lang="zh-CN" altLang="en-US" dirty="0"/>
+              <a:t>访问实例变量</a:t>
+            </a:r>
+            <a:r>
+              <a:rPr kumimoji="1" lang="en-US" altLang="zh-CN" dirty="0"/>
+              <a:t/>
+            </a:r>
+            <a:br>
+              <a:rPr kumimoji="1" lang="en-US" altLang="zh-CN" dirty="0"/>
+            </a:br>
+            <a:r>
+              <a:rPr kumimoji="1" lang="zh-CN" altLang="en-US" dirty="0"/>
+              <a:t>访问器</a:t>
+            </a:r>
+            <a:r>
+              <a:rPr kumimoji="1" lang="en-US" altLang="zh-CN" dirty="0"/>
+              <a:t>(</a:t>
+            </a:r>
+            <a:r>
+              <a:rPr kumimoji="1" lang="en-US" altLang="zh-CN" dirty="0" err="1"/>
+              <a:t>accessor</a:t>
+            </a:r>
+            <a:r>
+              <a:rPr kumimoji="1" lang="en-US" altLang="zh-CN" dirty="0"/>
+              <a:t>)</a:t>
+            </a:r>
+            <a:r>
+              <a:rPr kumimoji="1" lang="zh-CN" altLang="en-US" dirty="0"/>
+              <a:t>方法</a:t>
+            </a:r>
+          </a:p>
+        </p:txBody>
+      </p:sp>
+      <p:sp>
+        <p:nvSpPr>
+          <p:cNvPr id="3" name="内容占位符 2"/>
+          <p:cNvSpPr>
+            <a:spLocks noGrp="1"/>
+          </p:cNvSpPr>
+          <p:nvPr>
+            <p:ph idx="1"/>
+          </p:nvPr>
+        </p:nvSpPr>
+        <p:spPr/>
+        <p:txBody>
+          <a:bodyPr/>
+          <a:lstStyle/>
+          <a:p>
+            <a:r>
+              <a:rPr kumimoji="1" lang="en-US" altLang="zh-CN" dirty="0"/>
+              <a:t>Setter</a:t>
+            </a:r>
+            <a:r>
+              <a:rPr kumimoji="1" lang="zh-CN" altLang="en-US" dirty="0"/>
+              <a:t>方法</a:t>
+            </a:r>
+            <a:r>
+              <a:rPr kumimoji="1" lang="en-US" altLang="zh-CN" dirty="0"/>
+              <a:t>:</a:t>
+            </a:r>
+            <a:r>
+              <a:rPr kumimoji="1" lang="zh-CN" altLang="en-US" dirty="0"/>
+              <a:t>设置实例变量的值</a:t>
+            </a:r>
+          </a:p>
+          <a:p>
+            <a:pPr marL="0" indent="0">
+              <a:buNone/>
+            </a:pPr>
+            <a:r>
+              <a:rPr kumimoji="1" lang="en-US" altLang="zh-CN" dirty="0" smtClean="0"/>
+              <a:t>-</a:t>
+            </a:r>
+            <a:r>
+              <a:rPr kumimoji="1" lang="en-US" altLang="zh-CN" dirty="0"/>
+              <a:t>(void) </a:t>
+            </a:r>
+            <a:r>
+              <a:rPr kumimoji="1" lang="en-US" altLang="zh-CN" dirty="0" err="1"/>
+              <a:t>setNumerator</a:t>
+            </a:r>
+            <a:r>
+              <a:rPr kumimoji="1" lang="en-US" altLang="zh-CN" dirty="0"/>
+              <a:t>: (</a:t>
+            </a:r>
+            <a:r>
+              <a:rPr kumimoji="1" lang="en-US" altLang="zh-CN" dirty="0" err="1"/>
+              <a:t>int</a:t>
+            </a:r>
+            <a:r>
+              <a:rPr kumimoji="1" lang="en-US" altLang="zh-CN" dirty="0"/>
+              <a:t>) n;</a:t>
+            </a:r>
+          </a:p>
+          <a:p>
+            <a:pPr marL="0" indent="0">
+              <a:buNone/>
+            </a:pPr>
+            <a:r>
+              <a:rPr kumimoji="1" lang="en-US" altLang="zh-CN" dirty="0"/>
+              <a:t>-(void) </a:t>
+            </a:r>
+            <a:r>
+              <a:rPr kumimoji="1" lang="en-US" altLang="zh-CN" dirty="0" err="1"/>
+              <a:t>setDenominator</a:t>
+            </a:r>
+            <a:r>
+              <a:rPr kumimoji="1" lang="en-US" altLang="zh-CN" dirty="0"/>
+              <a:t>: (</a:t>
+            </a:r>
+            <a:r>
+              <a:rPr kumimoji="1" lang="en-US" altLang="zh-CN" dirty="0" err="1"/>
+              <a:t>int</a:t>
+            </a:r>
+            <a:r>
+              <a:rPr kumimoji="1" lang="en-US" altLang="zh-CN" dirty="0"/>
+              <a:t>) d</a:t>
+            </a:r>
+            <a:r>
+              <a:rPr kumimoji="1" lang="en-US" altLang="zh-CN" dirty="0" smtClean="0"/>
+              <a:t>;</a:t>
+            </a:r>
+            <a:endParaRPr kumimoji="1" lang="en-US" altLang="zh-CN" dirty="0"/>
+          </a:p>
+          <a:p>
+            <a:endParaRPr kumimoji="1" lang="en-US" altLang="zh-CN" dirty="0"/>
+          </a:p>
+        </p:txBody>
+      </p:sp>
+    </p:spTree>
+    <p:extLst>
+      <p:ext uri="{BB962C8B-B14F-4D97-AF65-F5344CB8AC3E}">
+        <p14:creationId xmlns:p14="http://schemas.microsoft.com/office/powerpoint/2010/main" val="3471821832"/>
+      </p:ext>
+    </p:extLst>
+  </p:cSld>
+  <p:clrMapOvr>
+    <a:masterClrMapping/>
+  </p:clrMapOvr>
+  <p:timing>
+    <p:tnLst>
+      <p:par>
+        <p:cTn xmlns:p14="http://schemas.microsoft.com/office/powerpoint/2010/main" id="1" dur="indefinite" restart="never" nodeType="tmRoot"/>
+      </p:par>
+    </p:tnLst>
+  </p:timing>
+</p:sld>
+</file>
+
+<file path=ppt/slides/slide38.xml><?xml version="1.0" encoding="utf-8"?>
+<p:sld xmlns:a="http://schemas.openxmlformats.org/drawingml/2006/main" xmlns:r="http://schemas.openxmlformats.org/officeDocument/2006/relationships" xmlns:p="http://schemas.openxmlformats.org/presentationml/2006/main">
+  <p:cSld>
+    <p:spTree>
+      <p:nvGrpSpPr>
+        <p:cNvPr id="1" name=""/>
+        <p:cNvGrpSpPr/>
+        <p:nvPr/>
+      </p:nvGrpSpPr>
+      <p:grpSpPr>
+        <a:xfrm>
+          <a:off x="0" y="0"/>
+          <a:ext cx="0" cy="0"/>
+          <a:chOff x="0" y="0"/>
+          <a:chExt cx="0" cy="0"/>
+        </a:xfrm>
+      </p:grpSpPr>
+      <p:sp>
+        <p:nvSpPr>
+          <p:cNvPr id="2" name="标题 1"/>
+          <p:cNvSpPr>
+            <a:spLocks noGrp="1"/>
+          </p:cNvSpPr>
+          <p:nvPr>
+            <p:ph type="title"/>
+          </p:nvPr>
+        </p:nvSpPr>
+        <p:spPr/>
+        <p:txBody>
+          <a:bodyPr/>
+          <a:lstStyle/>
+          <a:p>
+            <a:r>
+              <a:rPr kumimoji="1" lang="zh-CN" altLang="en-US" dirty="0" smtClean="0"/>
+              <a:t>数据封装</a:t>
+            </a:r>
+            <a:endParaRPr kumimoji="1" lang="zh-CN" altLang="en-US" dirty="0"/>
+          </a:p>
+        </p:txBody>
+      </p:sp>
+      <p:sp>
+        <p:nvSpPr>
+          <p:cNvPr id="3" name="内容占位符 2"/>
+          <p:cNvSpPr>
+            <a:spLocks noGrp="1"/>
+          </p:cNvSpPr>
+          <p:nvPr>
+            <p:ph idx="1"/>
+          </p:nvPr>
+        </p:nvSpPr>
+        <p:spPr/>
+        <p:txBody>
+          <a:bodyPr/>
+          <a:lstStyle/>
+          <a:p>
+            <a:r>
+              <a:rPr kumimoji="1" lang="zh-CN" altLang="en-US" dirty="0" smtClean="0"/>
+              <a:t>实例变量的值不能被外部直接设置或获取</a:t>
+            </a:r>
+            <a:endParaRPr kumimoji="1" lang="en-US" altLang="zh-CN" dirty="0" smtClean="0"/>
+          </a:p>
+          <a:p>
+            <a:r>
+              <a:rPr kumimoji="1" lang="zh-CN" altLang="en-US" dirty="0" smtClean="0"/>
+              <a:t>需通过取值、设值方法来设置或获取变量的值</a:t>
+            </a:r>
+            <a:endParaRPr kumimoji="1" lang="en-US" altLang="zh-CN" dirty="0" smtClean="0"/>
+          </a:p>
+          <a:p>
+            <a:r>
+              <a:rPr kumimoji="1" lang="zh-CN" altLang="en-US" dirty="0" smtClean="0"/>
+              <a:t>实例变量对外部是隐藏的</a:t>
+            </a:r>
+            <a:endParaRPr kumimoji="1" lang="en-US" altLang="zh-CN" dirty="0" smtClean="0"/>
+          </a:p>
+          <a:p>
+            <a:r>
+              <a:rPr kumimoji="1" lang="zh-CN" altLang="en-US" dirty="0" smtClean="0"/>
+              <a:t>可以防止其他代码改变实例变量的值</a:t>
+            </a:r>
+            <a:endParaRPr kumimoji="1" lang="zh-CN" altLang="en-US" dirty="0"/>
+          </a:p>
+        </p:txBody>
+      </p:sp>
+    </p:spTree>
+    <p:extLst>
+      <p:ext uri="{BB962C8B-B14F-4D97-AF65-F5344CB8AC3E}">
+        <p14:creationId xmlns:p14="http://schemas.microsoft.com/office/powerpoint/2010/main" val="4124757820"/>
+      </p:ext>
+    </p:extLst>
+  </p:cSld>
+  <p:clrMapOvr>
+    <a:masterClrMapping/>
+  </p:clrMapOvr>
+  <p:timing>
+    <p:tnLst>
+      <p:par>
+        <p:cTn xmlns:p14="http://schemas.microsoft.com/office/powerpoint/2010/main" id="1" dur="indefinite" restart="never" nodeType="tmRoot"/>
+      </p:par>
+    </p:tnLst>
+  </p:timing>
+</p:sld>
+</file>
+
+<file path=ppt/slides/slide39.xml><?xml version="1.0" encoding="utf-8"?>
+<p:sld xmlns:a="http://schemas.openxmlformats.org/drawingml/2006/main" xmlns:r="http://schemas.openxmlformats.org/officeDocument/2006/relationships" xmlns:p="http://schemas.openxmlformats.org/presentationml/2006/main">
+  <p:cSld>
+    <p:spTree>
+      <p:nvGrpSpPr>
+        <p:cNvPr id="1" name=""/>
+        <p:cNvGrpSpPr/>
+        <p:nvPr/>
+      </p:nvGrpSpPr>
+      <p:grpSpPr>
+        <a:xfrm>
+          <a:off x="0" y="0"/>
+          <a:ext cx="0" cy="0"/>
+          <a:chOff x="0" y="0"/>
+          <a:chExt cx="0" cy="0"/>
+        </a:xfrm>
+      </p:grpSpPr>
+      <p:sp>
+        <p:nvSpPr>
+          <p:cNvPr id="2" name="标题 1"/>
+          <p:cNvSpPr>
+            <a:spLocks noGrp="1"/>
+          </p:cNvSpPr>
+          <p:nvPr>
+            <p:ph type="title"/>
+          </p:nvPr>
+        </p:nvSpPr>
+        <p:spPr/>
+        <p:txBody>
+          <a:bodyPr/>
+          <a:lstStyle/>
+          <a:p>
+            <a:r>
+              <a:rPr kumimoji="1" lang="zh-CN" altLang="en-US" dirty="0" smtClean="0"/>
+              <a:t>练习说明</a:t>
+            </a:r>
+            <a:endParaRPr kumimoji="1" lang="zh-CN" altLang="en-US" dirty="0"/>
+          </a:p>
+        </p:txBody>
+      </p:sp>
+      <p:sp>
+        <p:nvSpPr>
+          <p:cNvPr id="3" name="内容占位符 2"/>
+          <p:cNvSpPr>
+            <a:spLocks noGrp="1"/>
+          </p:cNvSpPr>
+          <p:nvPr>
+            <p:ph idx="1"/>
+          </p:nvPr>
+        </p:nvSpPr>
+        <p:spPr/>
+        <p:txBody>
+          <a:bodyPr/>
+          <a:lstStyle/>
+          <a:p>
+            <a:endParaRPr kumimoji="1" lang="zh-CN" altLang="en-US" dirty="0"/>
+          </a:p>
+        </p:txBody>
+      </p:sp>
+    </p:spTree>
+    <p:extLst>
+      <p:ext uri="{BB962C8B-B14F-4D97-AF65-F5344CB8AC3E}">
+        <p14:creationId xmlns:p14="http://schemas.microsoft.com/office/powerpoint/2010/main" val="2407519209"/>
+      </p:ext>
+    </p:extLst>
+  </p:cSld>
+  <p:clrMapOvr>
+    <a:masterClrMapping/>
+  </p:clrMapOvr>
+  <p:timing>
+    <p:tnLst>
+      <p:par>
+        <p:cTn xmlns:p14="http://schemas.microsoft.com/office/powerpoint/2010/main" id="1" dur="indefinite" restart="never" nodeType="tmRoot"/>
+      </p:par>
+    </p:tnLst>
+  </p:timing>
 </p:sld>
 </file>
 
@@ -3585,159 +8784,205 @@
           <a:lstStyle/>
           <a:p>
             <a:r>
-              <a:rPr kumimoji="1" lang="zh-CN" altLang="en-US" dirty="0" smtClean="0"/>
-              <a:t>举例：分数类</a:t>
+              <a:rPr kumimoji="1" lang="zh-CN" altLang="en-US" dirty="0"/>
+              <a:t>执</a:t>
+            </a:r>
+            <a:r>
+              <a:rPr kumimoji="1" lang="zh-CN" altLang="en-US" dirty="0" smtClean="0"/>
+              <a:t>行的操作</a:t>
             </a:r>
             <a:endParaRPr kumimoji="1" lang="zh-CN" altLang="en-US" dirty="0"/>
           </a:p>
         </p:txBody>
       </p:sp>
-      <p:sp>
-        <p:nvSpPr>
-          <p:cNvPr id="3" name="内容占位符 2"/>
-          <p:cNvSpPr>
-            <a:spLocks noGrp="1"/>
-          </p:cNvSpPr>
+      <p:graphicFrame>
+        <p:nvGraphicFramePr>
+          <p:cNvPr id="4" name="内容占位符 3"/>
+          <p:cNvGraphicFramePr>
+            <a:graphicFrameLocks noGrp="1"/>
+          </p:cNvGraphicFramePr>
           <p:nvPr>
             <p:ph idx="1"/>
-          </p:nvPr>
-        </p:nvSpPr>
-        <p:spPr/>
-        <p:txBody>
-          <a:bodyPr>
-            <a:normAutofit fontScale="92500" lnSpcReduction="20000"/>
-          </a:bodyPr>
-          <a:lstStyle/>
-          <a:p>
-            <a:pPr marL="0" indent="0">
-              <a:buNone/>
-            </a:pPr>
-            <a:r>
-              <a:rPr kumimoji="1" lang="en-US" altLang="zh-CN" dirty="0" smtClean="0"/>
-              <a:t>@</a:t>
-            </a:r>
-            <a:r>
-              <a:rPr kumimoji="1" lang="en-US" altLang="zh-CN" dirty="0" err="1" smtClean="0"/>
-              <a:t>interace</a:t>
-            </a:r>
-            <a:r>
-              <a:rPr kumimoji="1" lang="en-US" altLang="zh-CN" dirty="0" smtClean="0"/>
-              <a:t> </a:t>
-            </a:r>
-            <a:r>
-              <a:rPr kumimoji="1" lang="en-US" altLang="zh-CN" dirty="0" err="1" smtClean="0"/>
-              <a:t>NewClassName:ParentClassName</a:t>
-            </a:r>
-            <a:endParaRPr kumimoji="1" lang="en-US" altLang="zh-CN" dirty="0" smtClean="0"/>
-          </a:p>
-          <a:p>
-            <a:pPr marL="0" indent="0">
-              <a:buNone/>
-            </a:pPr>
-            <a:r>
-              <a:rPr kumimoji="1" lang="en-US" altLang="zh-CN" dirty="0" err="1" smtClean="0"/>
-              <a:t>propertyAndMethodDeclarations</a:t>
-            </a:r>
-            <a:r>
-              <a:rPr kumimoji="1" lang="en-US" altLang="zh-CN" dirty="0" smtClean="0"/>
-              <a:t>;</a:t>
-            </a:r>
-          </a:p>
-          <a:p>
-            <a:pPr marL="0" indent="0">
-              <a:buNone/>
-            </a:pPr>
-            <a:r>
-              <a:rPr kumimoji="1" lang="en-US" altLang="zh-CN" dirty="0" smtClean="0"/>
-              <a:t>@end</a:t>
-            </a:r>
-          </a:p>
-          <a:p>
-            <a:pPr marL="0" indent="0">
-              <a:buNone/>
-            </a:pPr>
-            <a:endParaRPr kumimoji="1" lang="en-US" altLang="zh-CN" dirty="0"/>
-          </a:p>
-          <a:p>
-            <a:pPr marL="0" indent="0">
-              <a:buNone/>
-            </a:pPr>
-            <a:r>
-              <a:rPr kumimoji="1" lang="en-US" altLang="zh-CN" dirty="0" smtClean="0"/>
-              <a:t>@implementation</a:t>
-            </a:r>
-            <a:r>
-              <a:rPr kumimoji="1" lang="zh-CN" altLang="en-US" dirty="0" smtClean="0"/>
-              <a:t> </a:t>
-            </a:r>
-            <a:r>
-              <a:rPr kumimoji="1" lang="en-US" altLang="zh-CN" dirty="0" err="1" smtClean="0"/>
-              <a:t>newClassName</a:t>
-            </a:r>
-            <a:r>
-              <a:rPr kumimoji="1" lang="en-US" altLang="zh-CN" dirty="0" smtClean="0"/>
-              <a:t> {</a:t>
-            </a:r>
-          </a:p>
-          <a:p>
-            <a:pPr marL="0" indent="0">
-              <a:buNone/>
-            </a:pPr>
-            <a:r>
-              <a:rPr kumimoji="1" lang="en-US" altLang="zh-CN" dirty="0" err="1" smtClean="0"/>
-              <a:t>memberDeclaratiions</a:t>
-            </a:r>
-            <a:r>
-              <a:rPr kumimoji="1" lang="en-US" altLang="zh-CN" dirty="0" smtClean="0"/>
-              <a:t>;</a:t>
-            </a:r>
-          </a:p>
-          <a:p>
-            <a:pPr marL="0" indent="0">
-              <a:buNone/>
-            </a:pPr>
-            <a:r>
-              <a:rPr kumimoji="1" lang="en-US" altLang="zh-CN" dirty="0"/>
-              <a:t>}</a:t>
-            </a:r>
-            <a:endParaRPr kumimoji="1" lang="en-US" altLang="zh-CN" dirty="0" smtClean="0"/>
-          </a:p>
-          <a:p>
-            <a:pPr marL="0" indent="0">
-              <a:buNone/>
-            </a:pPr>
-            <a:r>
-              <a:rPr kumimoji="1" lang="en-US" altLang="zh-CN" dirty="0" smtClean="0"/>
-              <a:t>Method </a:t>
-            </a:r>
-            <a:r>
-              <a:rPr kumimoji="1" lang="en-US" altLang="zh-CN" dirty="0" err="1" smtClean="0"/>
-              <a:t>Definiation</a:t>
-            </a:r>
-            <a:endParaRPr kumimoji="1" lang="en-US" altLang="zh-CN" dirty="0" smtClean="0"/>
-          </a:p>
-          <a:p>
-            <a:pPr marL="0" indent="0">
-              <a:buNone/>
-            </a:pPr>
-            <a:r>
-              <a:rPr kumimoji="1" lang="en-US" altLang="zh-CN" dirty="0" smtClean="0"/>
-              <a:t>@end</a:t>
-            </a:r>
-            <a:endParaRPr kumimoji="1" lang="zh-CN" altLang="en-US" dirty="0"/>
-          </a:p>
-        </p:txBody>
-      </p:sp>
+            <p:extLst>
+              <p:ext uri="{D42A27DB-BD31-4B8C-83A1-F6EECF244321}">
+                <p14:modId xmlns:p14="http://schemas.microsoft.com/office/powerpoint/2010/main" val="4246453000"/>
+              </p:ext>
+            </p:extLst>
+          </p:nvPr>
+        </p:nvGraphicFramePr>
+        <p:xfrm>
+          <a:off x="457200" y="1600200"/>
+          <a:ext cx="8229600" cy="1833880"/>
+        </p:xfrm>
+        <a:graphic>
+          <a:graphicData uri="http://schemas.openxmlformats.org/drawingml/2006/table">
+            <a:tbl>
+              <a:tblPr firstRow="1" bandRow="1">
+                <a:tableStyleId>{5C22544A-7EE6-4342-B048-85BDC9FD1C3A}</a:tableStyleId>
+              </a:tblPr>
+              <a:tblGrid>
+                <a:gridCol w="4114800"/>
+                <a:gridCol w="4114800"/>
+              </a:tblGrid>
+              <a:tr h="370840">
+                <a:tc>
+                  <a:txBody>
+                    <a:bodyPr/>
+                    <a:lstStyle/>
+                    <a:p>
+                      <a:r>
+                        <a:rPr lang="zh-CN" altLang="en-US" dirty="0" smtClean="0"/>
+                        <a:t>对象</a:t>
+                      </a:r>
+                      <a:endParaRPr lang="zh-CN" altLang="en-US" dirty="0"/>
+                    </a:p>
+                  </a:txBody>
+                  <a:tcPr/>
+                </a:tc>
+                <a:tc>
+                  <a:txBody>
+                    <a:bodyPr/>
+                    <a:lstStyle/>
+                    <a:p>
+                      <a:r>
+                        <a:rPr lang="zh-CN" altLang="en-US" dirty="0" smtClean="0"/>
+                        <a:t>执行的操作</a:t>
+                      </a:r>
+                      <a:endParaRPr lang="zh-CN" altLang="en-US" dirty="0"/>
+                    </a:p>
+                  </a:txBody>
+                  <a:tcPr/>
+                </a:tc>
+              </a:tr>
+              <a:tr h="0">
+                <a:tc rowSpan="4">
+                  <a:txBody>
+                    <a:bodyPr/>
+                    <a:lstStyle/>
+                    <a:p>
+                      <a:r>
+                        <a:rPr lang="zh-CN" altLang="en-US" dirty="0" smtClean="0"/>
+                        <a:t>你的汽车</a:t>
+                      </a:r>
+                      <a:endParaRPr lang="zh-CN" altLang="en-US" dirty="0"/>
+                    </a:p>
+                  </a:txBody>
+                  <a:tcPr/>
+                </a:tc>
+                <a:tc>
+                  <a:txBody>
+                    <a:bodyPr/>
+                    <a:lstStyle/>
+                    <a:p>
+                      <a:r>
+                        <a:rPr lang="zh-CN" altLang="en-US" dirty="0" smtClean="0"/>
+                        <a:t>驾驶</a:t>
+                      </a:r>
+                      <a:endParaRPr lang="en-US" altLang="zh-CN" dirty="0" smtClean="0"/>
+                    </a:p>
+                  </a:txBody>
+                  <a:tcPr/>
+                </a:tc>
+              </a:tr>
+              <a:tr h="252413">
+                <a:tc vMerge="1">
+                  <a:txBody>
+                    <a:bodyPr/>
+                    <a:lstStyle/>
+                    <a:p>
+                      <a:endParaRPr lang="zh-CN" altLang="en-US"/>
+                    </a:p>
+                  </a:txBody>
+                  <a:tcPr/>
+                </a:tc>
+                <a:tc>
+                  <a:txBody>
+                    <a:bodyPr/>
+                    <a:lstStyle/>
+                    <a:p>
+                      <a:r>
+                        <a:rPr lang="zh-CN" altLang="en-US" dirty="0" smtClean="0"/>
+                        <a:t>加油</a:t>
+                      </a:r>
+                      <a:endParaRPr lang="en-US" altLang="zh-CN" dirty="0" smtClean="0"/>
+                    </a:p>
+                  </a:txBody>
+                  <a:tcPr/>
+                </a:tc>
+              </a:tr>
+              <a:tr h="139065">
+                <a:tc vMerge="1">
+                  <a:txBody>
+                    <a:bodyPr/>
+                    <a:lstStyle/>
+                    <a:p>
+                      <a:endParaRPr lang="zh-CN" altLang="en-US"/>
+                    </a:p>
+                  </a:txBody>
+                  <a:tcPr/>
+                </a:tc>
+                <a:tc>
+                  <a:txBody>
+                    <a:bodyPr/>
+                    <a:lstStyle/>
+                    <a:p>
+                      <a:r>
+                        <a:rPr lang="zh-CN" altLang="en-US" dirty="0" smtClean="0"/>
+                        <a:t>洗车</a:t>
+                      </a:r>
+                      <a:endParaRPr lang="en-US" altLang="zh-CN" dirty="0" smtClean="0"/>
+                    </a:p>
+                  </a:txBody>
+                  <a:tcPr/>
+                </a:tc>
+              </a:tr>
+              <a:tr h="0">
+                <a:tc vMerge="1">
+                  <a:txBody>
+                    <a:bodyPr/>
+                    <a:lstStyle/>
+                    <a:p>
+                      <a:endParaRPr lang="zh-CN" altLang="en-US"/>
+                    </a:p>
+                  </a:txBody>
+                  <a:tcPr/>
+                </a:tc>
+                <a:tc>
+                  <a:txBody>
+                    <a:bodyPr/>
+                    <a:lstStyle/>
+                    <a:p>
+                      <a:r>
+                        <a:rPr lang="zh-CN" altLang="en-US" dirty="0" smtClean="0"/>
+                        <a:t>维修</a:t>
+                      </a:r>
+                      <a:endParaRPr lang="en-US" altLang="zh-CN" dirty="0" smtClean="0"/>
+                    </a:p>
+                  </a:txBody>
+                  <a:tcPr/>
+                </a:tc>
+              </a:tr>
+            </a:tbl>
+          </a:graphicData>
+        </a:graphic>
+      </p:graphicFrame>
     </p:spTree>
     <p:extLst>
       <p:ext uri="{BB962C8B-B14F-4D97-AF65-F5344CB8AC3E}">
-        <p14:creationId xmlns:p14="http://schemas.microsoft.com/office/powerpoint/2010/main" val="4103207823"/>
+        <p14:creationId xmlns:p14="http://schemas.microsoft.com/office/powerpoint/2010/main" val="939437233"/>
       </p:ext>
     </p:extLst>
   </p:cSld>
   <p:clrMapOvr>
     <a:masterClrMapping/>
   </p:clrMapOvr>
+  <p:timing>
+    <p:tnLst>
+      <p:par>
+        <p:cTn xmlns:p14="http://schemas.microsoft.com/office/powerpoint/2010/main" id="1" dur="indefinite" restart="never" nodeType="tmRoot"/>
+      </p:par>
+    </p:tnLst>
+  </p:timing>
 </p:sld>
 </file>
 
@@ -3775,7 +9020,7 @@
           <a:p>
             <a:r>
               <a:rPr kumimoji="1" lang="zh-CN" altLang="en-US" dirty="0" smtClean="0"/>
-              <a:t>选择名称</a:t>
+              <a:t>类和对象</a:t>
             </a:r>
             <a:endParaRPr kumimoji="1" lang="zh-CN" altLang="en-US" dirty="0"/>
           </a:p>
@@ -3797,27 +9042,41 @@
           <a:lstStyle/>
           <a:p>
             <a:r>
-              <a:rPr kumimoji="1" lang="en-US" altLang="zh-CN" dirty="0" smtClean="0"/>
-              <a:t>$</a:t>
-            </a:r>
-          </a:p>
-          <a:p>
-            <a:r>
-              <a:rPr kumimoji="1" lang="en-US" altLang="zh-CN" dirty="0" smtClean="0"/>
-              <a:t>My leg</a:t>
-            </a:r>
-          </a:p>
-          <a:p>
-            <a:r>
-              <a:rPr kumimoji="1" lang="en-US" altLang="zh-CN" dirty="0" smtClean="0"/>
-              <a:t>3name</a:t>
-            </a:r>
-          </a:p>
-          <a:p>
-            <a:r>
-              <a:rPr kumimoji="1" lang="en-US" altLang="zh-CN" dirty="0" err="1" smtClean="0"/>
-              <a:t>int</a:t>
-            </a:r>
+              <a:rPr kumimoji="1" lang="zh-CN" altLang="en-US" dirty="0" smtClean="0"/>
+              <a:t>对象是类的独特表示</a:t>
+            </a:r>
+            <a:endParaRPr kumimoji="1" lang="en-US" altLang="zh-CN" dirty="0" smtClean="0"/>
+          </a:p>
+          <a:p>
+            <a:r>
+              <a:rPr kumimoji="1" lang="zh-CN" altLang="en-US" dirty="0" smtClean="0"/>
+              <a:t>每个对象包含私有数据</a:t>
+            </a:r>
+            <a:endParaRPr kumimoji="1" lang="en-US" altLang="zh-CN" dirty="0" smtClean="0"/>
+          </a:p>
+          <a:p>
+            <a:r>
+              <a:rPr kumimoji="1" lang="zh-CN" altLang="en-US" dirty="0" smtClean="0"/>
+              <a:t>方法用来访问、更改这些数据</a:t>
+            </a:r>
+            <a:endParaRPr kumimoji="1" lang="en-US" altLang="zh-CN" dirty="0" smtClean="0"/>
+          </a:p>
+          <a:p>
+            <a:r>
+              <a:rPr kumimoji="1" lang="zh-CN" altLang="en-US" dirty="0" smtClean="0"/>
+              <a:t>对象使用方法会影响对象的状态：比如你给使用“给洗车加油”这个方法</a:t>
+            </a:r>
+            <a:r>
+              <a:rPr kumimoji="1" lang="zh-CN" altLang="zh-CN" dirty="0" smtClean="0"/>
+              <a:t>，</a:t>
+            </a:r>
+            <a:r>
+              <a:rPr kumimoji="1" lang="zh-CN" altLang="en-US" dirty="0" smtClean="0"/>
+              <a:t>油箱的状态受影响</a:t>
+            </a:r>
+            <a:endParaRPr kumimoji="1" lang="en-US" altLang="zh-CN" dirty="0" smtClean="0"/>
+          </a:p>
+          <a:p>
             <a:endParaRPr kumimoji="1" lang="zh-CN" altLang="en-US" dirty="0"/>
           </a:p>
         </p:txBody>
@@ -3825,13 +9084,20 @@
     </p:spTree>
     <p:extLst>
       <p:ext uri="{BB962C8B-B14F-4D97-AF65-F5344CB8AC3E}">
-        <p14:creationId xmlns:p14="http://schemas.microsoft.com/office/powerpoint/2010/main" val="4066536200"/>
+        <p14:creationId xmlns:p14="http://schemas.microsoft.com/office/powerpoint/2010/main" val="1815712653"/>
       </p:ext>
     </p:extLst>
   </p:cSld>
   <p:clrMapOvr>
     <a:masterClrMapping/>
   </p:clrMapOvr>
+  <p:timing>
+    <p:tnLst>
+      <p:par>
+        <p:cTn xmlns:p14="http://schemas.microsoft.com/office/powerpoint/2010/main" id="1" dur="indefinite" restart="never" nodeType="tmRoot"/>
+      </p:par>
+    </p:tnLst>
+  </p:timing>
 </p:sld>
 </file>
 
@@ -3869,78 +9135,87 @@
           <a:p>
             <a:r>
               <a:rPr kumimoji="1" lang="zh-CN" altLang="en-US" dirty="0" smtClean="0"/>
-              <a:t>类方法和实例方法</a:t>
+              <a:t>类或对象方法</a:t>
+            </a:r>
+            <a:endParaRPr kumimoji="1" lang="zh-CN" altLang="en-US" dirty="0"/>
+          </a:p>
+        </p:txBody>
+      </p:sp>
+      <p:sp>
+        <p:nvSpPr>
+          <p:cNvPr id="3" name="内容占位符 2"/>
+          <p:cNvSpPr>
+            <a:spLocks noGrp="1"/>
+          </p:cNvSpPr>
+          <p:nvPr>
+            <p:ph idx="1"/>
+          </p:nvPr>
+        </p:nvSpPr>
+        <p:spPr/>
+        <p:txBody>
+          <a:bodyPr/>
+          <a:lstStyle/>
+          <a:p>
+            <a:r>
+              <a:rPr kumimoji="1" lang="zh-CN" altLang="en-US" dirty="0" smtClean="0"/>
+              <a:t>对类或对象应用方法的语法：</a:t>
             </a:r>
             <a:r>
               <a:rPr kumimoji="1" lang="en-US" altLang="zh-CN" dirty="0" smtClean="0"/>
-              <a:t>	</a:t>
-            </a:r>
-            <a:endParaRPr kumimoji="1" lang="zh-CN" altLang="en-US" dirty="0"/>
-          </a:p>
-        </p:txBody>
-      </p:sp>
-      <p:sp>
-        <p:nvSpPr>
-          <p:cNvPr id="3" name="内容占位符 2"/>
-          <p:cNvSpPr>
-            <a:spLocks noGrp="1"/>
-          </p:cNvSpPr>
-          <p:nvPr>
-            <p:ph idx="1"/>
-          </p:nvPr>
-        </p:nvSpPr>
-        <p:spPr/>
-        <p:txBody>
-          <a:bodyPr/>
-          <a:lstStyle/>
-          <a:p>
+              <a:t>[</a:t>
+            </a:r>
+            <a:r>
+              <a:rPr kumimoji="1" lang="en-US" altLang="zh-CN" dirty="0" err="1" smtClean="0"/>
+              <a:t>ClassOrInstance</a:t>
+            </a:r>
             <a:r>
               <a:rPr kumimoji="1" lang="en-US" altLang="zh-CN" dirty="0" smtClean="0"/>
-              <a:t>+</a:t>
-            </a:r>
-            <a:r>
-              <a:rPr kumimoji="1" lang="zh-CN" altLang="en-US" dirty="0" smtClean="0"/>
-              <a:t>类，</a:t>
+              <a:t> method]</a:t>
+            </a:r>
+          </a:p>
+          <a:p>
+            <a:r>
+              <a:rPr kumimoji="1" lang="zh-CN" altLang="en-US" dirty="0" smtClean="0"/>
+              <a:t>请求一个类或对象方法的实质：向它发送一条消息</a:t>
+            </a:r>
+            <a:endParaRPr kumimoji="1" lang="en-US" altLang="zh-CN" dirty="0" smtClean="0"/>
+          </a:p>
+          <a:p>
+            <a:pPr marL="0" indent="0">
+              <a:buNone/>
+            </a:pPr>
+            <a:r>
+              <a:rPr kumimoji="1" lang="zh-CN" altLang="zh-CN" dirty="0"/>
+              <a:t> </a:t>
+            </a:r>
+            <a:r>
+              <a:rPr kumimoji="1" lang="zh-CN" altLang="en-US" dirty="0" smtClean="0"/>
+              <a:t>  </a:t>
             </a:r>
             <a:r>
               <a:rPr kumimoji="1" lang="en-US" altLang="zh-CN" dirty="0" smtClean="0"/>
-              <a:t>-</a:t>
-            </a:r>
-            <a:r>
-              <a:rPr kumimoji="1" lang="zh-CN" altLang="en-US" dirty="0" smtClean="0"/>
-              <a:t>实例</a:t>
-            </a:r>
-            <a:endParaRPr kumimoji="1" lang="en-US" altLang="zh-CN" dirty="0" smtClean="0"/>
-          </a:p>
-          <a:p>
-            <a:r>
-              <a:rPr kumimoji="1" lang="zh-CN" altLang="en-US" dirty="0" smtClean="0"/>
-              <a:t>返回值</a:t>
-            </a:r>
-            <a:endParaRPr kumimoji="1" lang="en-US" altLang="zh-CN" dirty="0" smtClean="0"/>
-          </a:p>
-          <a:p>
-            <a:r>
-              <a:rPr kumimoji="1" lang="zh-CN" altLang="en-US" dirty="0" smtClean="0"/>
-              <a:t>方法参数：</a:t>
-            </a:r>
-            <a:endParaRPr kumimoji="1" lang="en-US" altLang="zh-CN" dirty="0" smtClean="0"/>
-          </a:p>
-          <a:p>
-            <a:endParaRPr kumimoji="1" lang="zh-CN" altLang="en-US" dirty="0"/>
+              <a:t>[receiver message]</a:t>
+            </a:r>
           </a:p>
         </p:txBody>
       </p:sp>
     </p:spTree>
     <p:extLst>
       <p:ext uri="{BB962C8B-B14F-4D97-AF65-F5344CB8AC3E}">
-        <p14:creationId xmlns:p14="http://schemas.microsoft.com/office/powerpoint/2010/main" val="2342254730"/>
+        <p14:creationId xmlns:p14="http://schemas.microsoft.com/office/powerpoint/2010/main" val="3851451411"/>
       </p:ext>
     </p:extLst>
   </p:cSld>
   <p:clrMapOvr>
     <a:masterClrMapping/>
   </p:clrMapOvr>
+  <p:timing>
+    <p:tnLst>
+      <p:par>
+        <p:cTn xmlns:p14="http://schemas.microsoft.com/office/powerpoint/2010/main" id="1" dur="indefinite" restart="never" nodeType="tmRoot"/>
+      </p:par>
+    </p:tnLst>
+  </p:timing>
 </p:sld>
 </file>
 
@@ -3961,40 +9236,184 @@
           <a:chExt cx="0" cy="0"/>
         </a:xfrm>
       </p:grpSpPr>
-      <p:pic>
-        <p:nvPicPr>
-          <p:cNvPr id="6" name="图片 5"/>
-          <p:cNvPicPr>
-            <a:picLocks noChangeAspect="1"/>
-          </p:cNvPicPr>
-          <p:nvPr/>
-        </p:nvPicPr>
-        <p:blipFill>
-          <a:blip r:embed="rId2"/>
-          <a:stretch>
-            <a:fillRect/>
-          </a:stretch>
-        </p:blipFill>
-        <p:spPr>
-          <a:xfrm>
-            <a:off x="0" y="1790700"/>
-            <a:ext cx="9144000" cy="3264061"/>
-          </a:xfrm>
-          <a:prstGeom prst="rect">
-            <a:avLst/>
-          </a:prstGeom>
-        </p:spPr>
-      </p:pic>
+      <p:sp>
+        <p:nvSpPr>
+          <p:cNvPr id="2" name="标题 1"/>
+          <p:cNvSpPr>
+            <a:spLocks noGrp="1"/>
+          </p:cNvSpPr>
+          <p:nvPr>
+            <p:ph type="title"/>
+          </p:nvPr>
+        </p:nvSpPr>
+        <p:spPr/>
+        <p:txBody>
+          <a:bodyPr/>
+          <a:lstStyle/>
+          <a:p>
+            <a:r>
+              <a:rPr kumimoji="1" lang="zh-CN" altLang="en-US" dirty="0" smtClean="0"/>
+              <a:t>类、对象、方法例子</a:t>
+            </a:r>
+            <a:endParaRPr kumimoji="1" lang="zh-CN" altLang="en-US" dirty="0"/>
+          </a:p>
+        </p:txBody>
+      </p:sp>
+      <p:sp>
+        <p:nvSpPr>
+          <p:cNvPr id="3" name="内容占位符 2"/>
+          <p:cNvSpPr>
+            <a:spLocks noGrp="1"/>
+          </p:cNvSpPr>
+          <p:nvPr>
+            <p:ph idx="1"/>
+          </p:nvPr>
+        </p:nvSpPr>
+        <p:spPr/>
+        <p:txBody>
+          <a:bodyPr/>
+          <a:lstStyle/>
+          <a:p>
+            <a:pPr marL="0" indent="0">
+              <a:buNone/>
+            </a:pPr>
+            <a:r>
+              <a:rPr kumimoji="1" lang="zh-CN" altLang="en-US" dirty="0" smtClean="0"/>
+              <a:t>从</a:t>
+            </a:r>
+            <a:r>
+              <a:rPr kumimoji="1" lang="en-US" altLang="zh-CN" dirty="0" smtClean="0"/>
+              <a:t>Car</a:t>
+            </a:r>
+            <a:r>
+              <a:rPr kumimoji="1" lang="zh-CN" altLang="en-US" dirty="0" smtClean="0"/>
+              <a:t>类获得一辆独特的汽车名字叫</a:t>
+            </a:r>
+            <a:r>
+              <a:rPr kumimoji="1" lang="en-US" altLang="zh-CN" dirty="0" err="1" smtClean="0"/>
+              <a:t>youcar</a:t>
+            </a:r>
+            <a:r>
+              <a:rPr kumimoji="1" lang="en-US" altLang="zh-CN" dirty="0" smtClean="0"/>
+              <a:t>:</a:t>
+            </a:r>
+          </a:p>
+          <a:p>
+            <a:pPr marL="0" indent="0">
+              <a:buNone/>
+            </a:pPr>
+            <a:r>
+              <a:rPr kumimoji="1" lang="en-US" altLang="zh-CN" dirty="0"/>
+              <a:t> </a:t>
+            </a:r>
+            <a:r>
+              <a:rPr kumimoji="1" lang="en-US" altLang="zh-CN" dirty="0" smtClean="0"/>
+              <a:t>   </a:t>
+            </a:r>
+            <a:r>
+              <a:rPr kumimoji="1" lang="en-US" altLang="zh-CN" dirty="0" err="1" smtClean="0"/>
+              <a:t>yourCar</a:t>
+            </a:r>
+            <a:r>
+              <a:rPr kumimoji="1" lang="en-US" altLang="zh-CN" dirty="0" smtClean="0"/>
+              <a:t> = [Car new];</a:t>
+            </a:r>
+          </a:p>
+          <a:p>
+            <a:pPr marL="0" indent="0">
+              <a:buNone/>
+            </a:pPr>
+            <a:r>
+              <a:rPr kumimoji="1" lang="zh-CN" altLang="zh-CN" dirty="0"/>
+              <a:t> </a:t>
+            </a:r>
+            <a:r>
+              <a:rPr kumimoji="1" lang="zh-CN" altLang="en-US" dirty="0" smtClean="0"/>
+              <a:t> </a:t>
+            </a:r>
+            <a:r>
+              <a:rPr kumimoji="1" lang="zh-CN" altLang="zh-CN" dirty="0"/>
+              <a:t>  </a:t>
+            </a:r>
+            <a:r>
+              <a:rPr kumimoji="1" lang="en-US" altLang="zh-CN" dirty="0" smtClean="0"/>
+              <a:t>1</a:t>
+            </a:r>
+            <a:r>
+              <a:rPr kumimoji="1" lang="zh-CN" altLang="en-US" dirty="0" smtClean="0"/>
+              <a:t>、</a:t>
+            </a:r>
+            <a:r>
+              <a:rPr kumimoji="1" lang="en-US" altLang="zh-CN" dirty="0" err="1" smtClean="0"/>
+              <a:t>yourCar</a:t>
+            </a:r>
+            <a:r>
+              <a:rPr kumimoji="1" lang="zh-CN" altLang="en-US" dirty="0" smtClean="0"/>
+              <a:t>是</a:t>
+            </a:r>
+            <a:r>
+              <a:rPr kumimoji="1" lang="en-US" altLang="zh-CN" dirty="0" smtClean="0"/>
+              <a:t>Car</a:t>
+            </a:r>
+            <a:r>
+              <a:rPr kumimoji="1" lang="zh-CN" altLang="en-US" dirty="0" smtClean="0"/>
+              <a:t>的实例即对象</a:t>
+            </a:r>
+            <a:endParaRPr kumimoji="1" lang="en-US" altLang="zh-CN" dirty="0" smtClean="0"/>
+          </a:p>
+          <a:p>
+            <a:pPr marL="0" indent="0">
+              <a:buNone/>
+            </a:pPr>
+            <a:r>
+              <a:rPr kumimoji="1" lang="zh-CN" altLang="zh-CN" dirty="0"/>
+              <a:t> </a:t>
+            </a:r>
+            <a:r>
+              <a:rPr kumimoji="1" lang="zh-CN" altLang="en-US" dirty="0" smtClean="0"/>
+              <a:t>  </a:t>
+            </a:r>
+            <a:r>
+              <a:rPr kumimoji="1" lang="en-US" altLang="zh-CN" dirty="0" smtClean="0"/>
+              <a:t>2</a:t>
+            </a:r>
+            <a:r>
+              <a:rPr kumimoji="1" lang="zh-CN" altLang="en-US" dirty="0" smtClean="0"/>
+              <a:t>、</a:t>
+            </a:r>
+            <a:r>
+              <a:rPr kumimoji="1" lang="en-US" altLang="zh-CN" dirty="0" smtClean="0"/>
+              <a:t>Car</a:t>
+            </a:r>
+            <a:r>
+              <a:rPr kumimoji="1" lang="zh-CN" altLang="en-US" dirty="0" smtClean="0"/>
+              <a:t>是类方法或制造厂</a:t>
+            </a:r>
+            <a:r>
+              <a:rPr kumimoji="1" lang="zh-CN" altLang="en-US" smtClean="0"/>
+              <a:t>方法：  </a:t>
+            </a:r>
+            <a:endParaRPr kumimoji="1" lang="zh-CN" altLang="en-US" dirty="0"/>
+          </a:p>
+        </p:txBody>
+      </p:sp>
     </p:spTree>
     <p:extLst>
       <p:ext uri="{BB962C8B-B14F-4D97-AF65-F5344CB8AC3E}">
-        <p14:creationId xmlns:p14="http://schemas.microsoft.com/office/powerpoint/2010/main" val="1290319672"/>
+        <p14:creationId xmlns:p14="http://schemas.microsoft.com/office/powerpoint/2010/main" val="3042060228"/>
       </p:ext>
     </p:extLst>
   </p:cSld>
   <p:clrMapOvr>
     <a:masterClrMapping/>
   </p:clrMapOvr>
+  <p:timing>
+    <p:tnLst>
+      <p:par>
+        <p:cTn xmlns:p14="http://schemas.microsoft.com/office/powerpoint/2010/main" id="1" dur="indefinite" restart="never" nodeType="tmRoot"/>
+      </p:par>
+    </p:tnLst>
+  </p:timing>
 </p:sld>
 </file>
 
@@ -4031,12 +9450,16 @@
           <a:lstStyle/>
           <a:p>
             <a:r>
+              <a:rPr kumimoji="1" lang="en-US" altLang="zh-CN" dirty="0" err="1" smtClean="0"/>
+              <a:t>youCar</a:t>
+            </a:r>
+            <a:r>
               <a:rPr kumimoji="1" lang="en-US" altLang="zh-CN" dirty="0" smtClean="0"/>
-              <a:t>Program</a:t>
-            </a:r>
-            <a:r>
-              <a:rPr kumimoji="1" lang="zh-CN" altLang="en-US" dirty="0" smtClean="0"/>
-              <a:t>部分</a:t>
+              <a:t>(Car</a:t>
+            </a:r>
+            <a:r>
+              <a:rPr kumimoji="1" lang="zh-CN" altLang="en-US" dirty="0" smtClean="0"/>
+              <a:t>的一个实例）的方法</a:t>
             </a:r>
             <a:endParaRPr kumimoji="1" lang="zh-CN" altLang="en-US" dirty="0"/>
           </a:p>
@@ -4054,41 +9477,180 @@
         </p:nvSpPr>
         <p:spPr/>
         <p:txBody>
-          <a:bodyPr/>
+          <a:bodyPr>
+            <a:normAutofit fontScale="92500" lnSpcReduction="20000"/>
+          </a:bodyPr>
           <a:lstStyle/>
           <a:p>
             <a:r>
               <a:rPr kumimoji="1" lang="en-US" altLang="zh-CN" dirty="0" smtClean="0"/>
-              <a:t>Main</a:t>
-            </a:r>
-            <a:r>
-              <a:rPr kumimoji="1" lang="zh-CN" altLang="en-US" dirty="0" smtClean="0"/>
-              <a:t>函数</a:t>
-            </a:r>
-            <a:endParaRPr kumimoji="1" lang="en-US" altLang="zh-CN" dirty="0" smtClean="0"/>
-          </a:p>
-          <a:p>
-            <a:r>
-              <a:rPr kumimoji="1" lang="zh-CN" altLang="en-US" dirty="0" smtClean="0"/>
-              <a:t>对象的初始化的内存分配</a:t>
-            </a:r>
-            <a:endParaRPr kumimoji="1" lang="en-US" altLang="zh-CN" dirty="0" smtClean="0"/>
-          </a:p>
-          <a:p>
-            <a:endParaRPr kumimoji="1" lang="zh-CN" altLang="en-US" dirty="0"/>
+              <a:t>[</a:t>
+            </a:r>
+            <a:r>
+              <a:rPr kumimoji="1" lang="en-US" altLang="zh-CN" dirty="0" err="1"/>
+              <a:t>yourCar</a:t>
+            </a:r>
+            <a:r>
+              <a:rPr kumimoji="1" lang="en-US" altLang="zh-CN" dirty="0"/>
+              <a:t> prep];         get it ready for </a:t>
+            </a:r>
+          </a:p>
+          <a:p>
+            <a:r>
+              <a:rPr kumimoji="1" lang="en-US" altLang="zh-CN" dirty="0" smtClean="0"/>
+              <a:t>[</a:t>
+            </a:r>
+            <a:r>
+              <a:rPr kumimoji="1" lang="en-US" altLang="zh-CN" dirty="0" err="1"/>
+              <a:t>yourCar</a:t>
+            </a:r>
+            <a:r>
+              <a:rPr kumimoji="1" lang="en-US" altLang="zh-CN" dirty="0"/>
+              <a:t> drive];        drive your car</a:t>
+            </a:r>
+          </a:p>
+          <a:p>
+            <a:r>
+              <a:rPr kumimoji="1" lang="en-US" altLang="zh-CN" dirty="0"/>
+              <a:t>[</a:t>
+            </a:r>
+            <a:r>
+              <a:rPr kumimoji="1" lang="en-US" altLang="zh-CN" dirty="0" err="1"/>
+              <a:t>yourCar</a:t>
+            </a:r>
+            <a:r>
+              <a:rPr kumimoji="1" lang="en-US" altLang="zh-CN" dirty="0"/>
+              <a:t> wash];         wash your car</a:t>
+            </a:r>
+          </a:p>
+          <a:p>
+            <a:r>
+              <a:rPr kumimoji="1" lang="en-US" altLang="zh-CN" dirty="0"/>
+              <a:t>[</a:t>
+            </a:r>
+            <a:r>
+              <a:rPr kumimoji="1" lang="en-US" altLang="zh-CN" dirty="0" err="1"/>
+              <a:t>yourCar</a:t>
+            </a:r>
+            <a:r>
+              <a:rPr kumimoji="1" lang="en-US" altLang="zh-CN" dirty="0"/>
+              <a:t> </a:t>
+            </a:r>
+            <a:r>
+              <a:rPr kumimoji="1" lang="en-US" altLang="zh-CN" dirty="0" err="1"/>
+              <a:t>getGas</a:t>
+            </a:r>
+            <a:r>
+              <a:rPr kumimoji="1" lang="en-US" altLang="zh-CN" dirty="0"/>
+              <a:t>];       put gas in your car if you need it</a:t>
+            </a:r>
+          </a:p>
+          <a:p>
+            <a:r>
+              <a:rPr kumimoji="1" lang="en-US" altLang="zh-CN" dirty="0"/>
+              <a:t>[</a:t>
+            </a:r>
+            <a:r>
+              <a:rPr kumimoji="1" lang="en-US" altLang="zh-CN" dirty="0" err="1"/>
+              <a:t>yourCar</a:t>
+            </a:r>
+            <a:r>
+              <a:rPr kumimoji="1" lang="en-US" altLang="zh-CN" dirty="0"/>
+              <a:t> service];      service your car</a:t>
+            </a:r>
+          </a:p>
+          <a:p>
+            <a:endParaRPr kumimoji="1" lang="en-US" altLang="zh-CN" dirty="0"/>
+          </a:p>
+          <a:p>
+            <a:r>
+              <a:rPr kumimoji="1" lang="en-US" altLang="zh-CN" dirty="0"/>
+              <a:t>[</a:t>
+            </a:r>
+            <a:r>
+              <a:rPr kumimoji="1" lang="en-US" altLang="zh-CN" dirty="0" err="1"/>
+              <a:t>yourCar</a:t>
+            </a:r>
+            <a:r>
+              <a:rPr kumimoji="1" lang="en-US" altLang="zh-CN" dirty="0"/>
+              <a:t> </a:t>
+            </a:r>
+            <a:r>
+              <a:rPr kumimoji="1" lang="en-US" altLang="zh-CN" dirty="0" err="1"/>
+              <a:t>topDown</a:t>
+            </a:r>
+            <a:r>
+              <a:rPr kumimoji="1" lang="en-US" altLang="zh-CN" dirty="0"/>
+              <a:t>];      if it's a convertible</a:t>
+            </a:r>
+          </a:p>
+          <a:p>
+            <a:r>
+              <a:rPr kumimoji="1" lang="en-US" altLang="zh-CN" dirty="0"/>
+              <a:t>[</a:t>
+            </a:r>
+            <a:r>
+              <a:rPr kumimoji="1" lang="en-US" altLang="zh-CN" dirty="0" err="1"/>
+              <a:t>yourCar</a:t>
+            </a:r>
+            <a:r>
+              <a:rPr kumimoji="1" lang="en-US" altLang="zh-CN" dirty="0"/>
+              <a:t> </a:t>
+            </a:r>
+            <a:r>
+              <a:rPr kumimoji="1" lang="en-US" altLang="zh-CN" dirty="0" err="1"/>
+              <a:t>topUp</a:t>
+            </a:r>
+            <a:r>
+              <a:rPr kumimoji="1" lang="en-US" altLang="zh-CN" dirty="0"/>
+              <a:t>];</a:t>
+            </a:r>
+          </a:p>
+          <a:p>
+            <a:r>
+              <a:rPr kumimoji="1" lang="en-US" altLang="zh-CN" dirty="0" err="1"/>
+              <a:t>currentMileage</a:t>
+            </a:r>
+            <a:r>
+              <a:rPr kumimoji="1" lang="en-US" altLang="zh-CN" dirty="0"/>
+              <a:t> = [</a:t>
+            </a:r>
+            <a:r>
+              <a:rPr kumimoji="1" lang="en-US" altLang="zh-CN" dirty="0" err="1"/>
+              <a:t>yourCar</a:t>
+            </a:r>
+            <a:r>
+              <a:rPr kumimoji="1" lang="en-US" altLang="zh-CN" dirty="0"/>
+              <a:t> odometer]</a:t>
+            </a:r>
+            <a:r>
+              <a:rPr kumimoji="1" lang="en-US" altLang="zh-CN" dirty="0" smtClean="0"/>
+              <a:t>;</a:t>
+            </a:r>
+            <a:endParaRPr kumimoji="1" lang="en-US" altLang="zh-CN" dirty="0"/>
+          </a:p>
+          <a:p>
+            <a:endParaRPr kumimoji="1" lang="en-US" altLang="zh-CN" dirty="0"/>
           </a:p>
         </p:txBody>
       </p:sp>
     </p:spTree>
     <p:extLst>
       <p:ext uri="{BB962C8B-B14F-4D97-AF65-F5344CB8AC3E}">
-        <p14:creationId xmlns:p14="http://schemas.microsoft.com/office/powerpoint/2010/main" val="176542455"/>
+        <p14:creationId xmlns:p14="http://schemas.microsoft.com/office/powerpoint/2010/main" val="2230792425"/>
       </p:ext>
     </p:extLst>
   </p:cSld>
   <p:clrMapOvr>
     <a:masterClrMapping/>
   </p:clrMapOvr>
+  <p:timing>
+    <p:tnLst>
+      <p:par>
+        <p:cTn xmlns:p14="http://schemas.microsoft.com/office/powerpoint/2010/main" id="1" dur="indefinite" restart="never" nodeType="tmRoot"/>
+      </p:par>
+    </p:tnLst>
+  </p:timing>
 </p:sld>
 </file>
 
@@ -4109,88 +9671,147 @@
           <a:chExt cx="0" cy="0"/>
         </a:xfrm>
       </p:grpSpPr>
-      <p:pic>
-        <p:nvPicPr>
-          <p:cNvPr id="5" name="图片 4"/>
-          <p:cNvPicPr>
-            <a:picLocks noChangeAspect="1"/>
-          </p:cNvPicPr>
-          <p:nvPr/>
-        </p:nvPicPr>
-        <p:blipFill>
-          <a:blip r:embed="rId2"/>
-          <a:stretch>
-            <a:fillRect/>
-          </a:stretch>
-        </p:blipFill>
-        <p:spPr>
-          <a:xfrm>
-            <a:off x="68191" y="0"/>
-            <a:ext cx="9144000" cy="1671992"/>
-          </a:xfrm>
-          <a:prstGeom prst="rect">
-            <a:avLst/>
-          </a:prstGeom>
-        </p:spPr>
-      </p:pic>
-      <p:pic>
-        <p:nvPicPr>
-          <p:cNvPr id="6" name="图片 5"/>
-          <p:cNvPicPr>
-            <a:picLocks noChangeAspect="1"/>
-          </p:cNvPicPr>
-          <p:nvPr/>
-        </p:nvPicPr>
-        <p:blipFill>
-          <a:blip r:embed="rId3"/>
-          <a:stretch>
-            <a:fillRect/>
-          </a:stretch>
-        </p:blipFill>
-        <p:spPr>
-          <a:xfrm>
-            <a:off x="68191" y="1671992"/>
-            <a:ext cx="9144000" cy="2674104"/>
-          </a:xfrm>
-          <a:prstGeom prst="rect">
-            <a:avLst/>
-          </a:prstGeom>
-        </p:spPr>
-      </p:pic>
-      <p:pic>
-        <p:nvPicPr>
-          <p:cNvPr id="7" name="图片 6"/>
-          <p:cNvPicPr>
-            <a:picLocks noChangeAspect="1"/>
-          </p:cNvPicPr>
-          <p:nvPr/>
-        </p:nvPicPr>
-        <p:blipFill>
-          <a:blip r:embed="rId4"/>
-          <a:stretch>
-            <a:fillRect/>
-          </a:stretch>
-        </p:blipFill>
-        <p:spPr>
-          <a:xfrm>
-            <a:off x="68191" y="4346096"/>
-            <a:ext cx="9144000" cy="2635512"/>
-          </a:xfrm>
-          <a:prstGeom prst="rect">
-            <a:avLst/>
-          </a:prstGeom>
-        </p:spPr>
-      </p:pic>
+      <p:sp>
+        <p:nvSpPr>
+          <p:cNvPr id="2" name="标题 1"/>
+          <p:cNvSpPr>
+            <a:spLocks noGrp="1"/>
+          </p:cNvSpPr>
+          <p:nvPr>
+            <p:ph type="title"/>
+          </p:nvPr>
+        </p:nvSpPr>
+        <p:spPr/>
+        <p:txBody>
+          <a:bodyPr>
+            <a:normAutofit/>
+          </a:bodyPr>
+          <a:lstStyle/>
+          <a:p>
+            <a:r>
+              <a:rPr kumimoji="1" lang="zh-CN" altLang="en-US" dirty="0" smtClean="0"/>
+              <a:t>不同对</a:t>
+            </a:r>
+            <a:r>
+              <a:rPr kumimoji="1" lang="zh-CN" altLang="en-US" dirty="0"/>
+              <a:t>象同一</a:t>
+            </a:r>
+            <a:r>
+              <a:rPr kumimoji="1" lang="zh-CN" altLang="en-US" dirty="0" smtClean="0"/>
+              <a:t>方法</a:t>
+            </a:r>
+            <a:endParaRPr kumimoji="1" lang="zh-CN" altLang="en-US" dirty="0"/>
+          </a:p>
+        </p:txBody>
+      </p:sp>
+      <p:sp>
+        <p:nvSpPr>
+          <p:cNvPr id="3" name="内容占位符 2"/>
+          <p:cNvSpPr>
+            <a:spLocks noGrp="1"/>
+          </p:cNvSpPr>
+          <p:nvPr>
+            <p:ph idx="1"/>
+          </p:nvPr>
+        </p:nvSpPr>
+        <p:spPr/>
+        <p:txBody>
+          <a:bodyPr/>
+          <a:lstStyle/>
+          <a:p>
+            <a:r>
+              <a:rPr kumimoji="1" lang="en-US" altLang="zh-CN" dirty="0" smtClean="0"/>
+              <a:t>[</a:t>
+            </a:r>
+            <a:r>
+              <a:rPr kumimoji="1" lang="en-US" altLang="zh-CN" dirty="0" err="1" smtClean="0"/>
+              <a:t>fionasCar</a:t>
+            </a:r>
+            <a:r>
+              <a:rPr kumimoji="1" lang="en-US" altLang="zh-CN" dirty="0" smtClean="0"/>
+              <a:t> </a:t>
+            </a:r>
+            <a:r>
+              <a:rPr kumimoji="1" lang="en-US" altLang="zh-CN" dirty="0"/>
+              <a:t>prep];         get it ready for </a:t>
+            </a:r>
+          </a:p>
+          <a:p>
+            <a:r>
+              <a:rPr kumimoji="1" lang="en-US" altLang="zh-CN" dirty="0" smtClean="0"/>
+              <a:t>[</a:t>
+            </a:r>
+            <a:r>
+              <a:rPr kumimoji="1" lang="en-US" altLang="zh-CN" dirty="0" err="1"/>
+              <a:t>fionasCar</a:t>
+            </a:r>
+            <a:r>
+              <a:rPr kumimoji="1" lang="en-US" altLang="zh-CN" dirty="0"/>
+              <a:t> </a:t>
+            </a:r>
+            <a:r>
+              <a:rPr kumimoji="1" lang="en-US" altLang="zh-CN" dirty="0" smtClean="0"/>
+              <a:t>drive</a:t>
+            </a:r>
+            <a:r>
+              <a:rPr kumimoji="1" lang="en-US" altLang="zh-CN" dirty="0"/>
+              <a:t>];        drive </a:t>
+            </a:r>
+            <a:r>
+              <a:rPr kumimoji="1" lang="en-US" altLang="zh-CN" dirty="0" smtClean="0"/>
+              <a:t>car</a:t>
+            </a:r>
+            <a:endParaRPr kumimoji="1" lang="en-US" altLang="zh-CN" dirty="0"/>
+          </a:p>
+          <a:p>
+            <a:r>
+              <a:rPr kumimoji="1" lang="en-US" altLang="zh-CN" dirty="0" smtClean="0"/>
+              <a:t>[</a:t>
+            </a:r>
+            <a:r>
+              <a:rPr kumimoji="1" lang="en-US" altLang="zh-CN" dirty="0" err="1"/>
+              <a:t>fionasCar</a:t>
+            </a:r>
+            <a:r>
+              <a:rPr kumimoji="1" lang="en-US" altLang="zh-CN" dirty="0"/>
+              <a:t> </a:t>
+            </a:r>
+            <a:r>
+              <a:rPr kumimoji="1" lang="en-US" altLang="zh-CN" dirty="0" smtClean="0"/>
+              <a:t>wash</a:t>
+            </a:r>
+            <a:r>
+              <a:rPr kumimoji="1" lang="en-US" altLang="zh-CN" dirty="0"/>
+              <a:t>];         wash </a:t>
+            </a:r>
+            <a:r>
+              <a:rPr kumimoji="1" lang="en-US" altLang="zh-CN" dirty="0" smtClean="0"/>
+              <a:t>car</a:t>
+            </a:r>
+            <a:endParaRPr kumimoji="1" lang="en-US" altLang="zh-CN" dirty="0"/>
+          </a:p>
+          <a:p>
+            <a:endParaRPr kumimoji="1" lang="zh-CN" altLang="en-US" dirty="0"/>
+          </a:p>
+        </p:txBody>
+      </p:sp>
     </p:spTree>
     <p:extLst>
       <p:ext uri="{BB962C8B-B14F-4D97-AF65-F5344CB8AC3E}">
-        <p14:creationId xmlns:p14="http://schemas.microsoft.com/office/powerpoint/2010/main" val="1712449614"/>
+        <p14:creationId xmlns:p14="http://schemas.microsoft.com/office/powerpoint/2010/main" val="1096382161"/>
       </p:ext>
     </p:extLst>
   </p:cSld>
   <p:clrMapOvr>
     <a:masterClrMapping/>
   </p:clrMapOvr>
+  <p:timing>
+    <p:tnLst>
+      <p:par>
+        <p:cTn xmlns:p14="http://schemas.microsoft.com/office/powerpoint/2010/main" id="1" dur="indefinite" restart="never" nodeType="tmRoot"/>
+      </p:par>
+    </p:tnLst>
+  </p:timing>
 </p:sld>
 </file>
 
@@ -4512,4 +10133,324 @@
   </a:objectDefaults>
   <a:extraClrSchemeLst/>
 </a:theme>
+</file>
+
+<file path=ppt/theme/theme2.xml><?xml version="1.0" encoding="utf-8"?>
+<a:theme xmlns:a="http://schemas.openxmlformats.org/drawingml/2006/main" name="Office 主题">
+  <a:themeElements>
+    <a:clrScheme name="办公室">
+      <a:dk1>
+        <a:sysClr val="windowText" lastClr="000000"/>
+      </a:dk1>
+      <a:lt1>
+        <a:sysClr val="window" lastClr="FFFFFF"/>
+      </a:lt1>
+      <a:dk2>
+        <a:srgbClr val="1F497D"/>
+      </a:dk2>
+      <a:lt2>
+        <a:srgbClr val="EEECE1"/>
+      </a:lt2>
+      <a:accent1>
+        <a:srgbClr val="4F81BD"/>
+      </a:accent1>
+      <a:accent2>
+        <a:srgbClr val="C0504D"/>
+      </a:accent2>
+      <a:accent3>
+        <a:srgbClr val="9BBB59"/>
+      </a:accent3>
+      <a:accent4>
+        <a:srgbClr val="8064A2"/>
+      </a:accent4>
+      <a:accent5>
+        <a:srgbClr val="4BACC6"/>
+      </a:accent5>
+      <a:accent6>
+        <a:srgbClr val="F79646"/>
+      </a:accent6>
+      <a:hlink>
+        <a:srgbClr val="0000FF"/>
+      </a:hlink>
+      <a:folHlink>
+        <a:srgbClr val="800080"/>
+      </a:folHlink>
+    </a:clrScheme>
+    <a:fontScheme name="办公室">
+      <a:majorFont>
+        <a:latin typeface="Calibri"/>
+        <a:ea typeface=""/>
+        <a:cs typeface=""/>
+        <a:font script="Jpan" typeface="ＭＳ Ｐゴシック"/>
+        <a:font script="Hang" typeface="맑은 고딕"/>
+        <a:font script="Hans" typeface="宋体"/>
+        <a:font script="Hant" typeface="新細明體"/>
+        <a:font script="Arab" typeface="Times New Roman"/>
+        <a:font script="Hebr" typeface="Times New Roman"/>
+        <a:font script="Thai" typeface="Angsana New"/>
+        <a:font script="Ethi" typeface="Nyala"/>
+        <a:font script="Beng" typeface="Vrinda"/>
+        <a:font script="Gujr" typeface="Shruti"/>
+        <a:font script="Khmr" typeface="MoolBoran"/>
+        <a:font script="Knda" typeface="Tunga"/>
+        <a:font script="Guru" typeface="Raavi"/>
+        <a:font script="Cans" typeface="Euphemia"/>
+        <a:font script="Cher" typeface="Plantagenet Cherokee"/>
+        <a:font script="Yiii" typeface="Microsoft Yi Baiti"/>
+        <a:font script="Tibt" typeface="Microsoft Himalaya"/>
+        <a:font script="Thaa" typeface="MV Boli"/>
+        <a:font script="Deva" typeface="Mangal"/>
+        <a:font script="Telu" typeface="Gautami"/>
+        <a:font script="Taml" typeface="Latha"/>
+        <a:font script="Syrc" typeface="Estrangelo Edessa"/>
+        <a:font script="Orya" typeface="Kalinga"/>
+        <a:font script="Mlym" typeface="Kartika"/>
+        <a:font script="Laoo" typeface="DokChampa"/>
+        <a:font script="Sinh" typeface="Iskoola Pota"/>
+        <a:font script="Mong" typeface="Mongolian Baiti"/>
+        <a:font script="Viet" typeface="Times New Roman"/>
+        <a:font script="Uigh" typeface="Microsoft Uighur"/>
+        <a:font script="Geor" typeface="Sylfaen"/>
+      </a:majorFont>
+      <a:minorFont>
+        <a:latin typeface="Calibri"/>
+        <a:ea typeface=""/>
+        <a:cs typeface=""/>
+        <a:font script="Jpan" typeface="ＭＳ Ｐゴシック"/>
+        <a:font script="Hang" typeface="맑은 고딕"/>
+        <a:font script="Hans" typeface="宋体"/>
+        <a:font script="Hant" typeface="新細明體"/>
+        <a:font script="Arab" typeface="Arial"/>
+        <a:font script="Hebr" typeface="Arial"/>
+        <a:font script="Thai" typeface="Cordia New"/>
+        <a:font script="Ethi" typeface="Nyala"/>
+        <a:font script="Beng" typeface="Vrinda"/>
+        <a:font script="Gujr" typeface="Shruti"/>
+        <a:font script="Khmr" typeface="DaunPenh"/>
+        <a:font script="Knda" typeface="Tunga"/>
+        <a:font script="Guru" typeface="Raavi"/>
+        <a:font script="Cans" typeface="Euphemia"/>
+        <a:font script="Cher" typeface="Plantagenet Cherokee"/>
+        <a:font script="Yiii" typeface="Microsoft Yi Baiti"/>
+        <a:font script="Tibt" typeface="Microsoft Himalaya"/>
+        <a:font script="Thaa" typeface="MV Boli"/>
+        <a:font script="Deva" typeface="Mangal"/>
+        <a:font script="Telu" typeface="Gautami"/>
+        <a:font script="Taml" typeface="Latha"/>
+        <a:font script="Syrc" typeface="Estrangelo Edessa"/>
+        <a:font script="Orya" typeface="Kalinga"/>
+        <a:font script="Mlym" typeface="Kartika"/>
+        <a:font script="Laoo" typeface="DokChampa"/>
+        <a:font script="Sinh" typeface="Iskoola Pota"/>
+        <a:font script="Mong" typeface="Mongolian Baiti"/>
+        <a:font script="Viet" typeface="Arial"/>
+        <a:font script="Uigh" typeface="Microsoft Uighur"/>
+        <a:font script="Geor" typeface="Sylfaen"/>
+      </a:minorFont>
+    </a:fontScheme>
+    <a:fmtScheme name="办公室">
+      <a:fillStyleLst>
+        <a:solidFill>
+          <a:schemeClr val="phClr"/>
+        </a:solidFill>
+        <a:gradFill rotWithShape="1">
+          <a:gsLst>
+            <a:gs pos="0">
+              <a:schemeClr val="phClr">
+                <a:tint val="50000"/>
+                <a:satMod val="300000"/>
+              </a:schemeClr>
+            </a:gs>
+            <a:gs pos="35000">
+              <a:schemeClr val="phClr">
+                <a:tint val="37000"/>
+                <a:satMod val="300000"/>
+              </a:schemeClr>
+            </a:gs>
+            <a:gs pos="100000">
+              <a:schemeClr val="phClr">
+                <a:tint val="15000"/>
+                <a:satMod val="350000"/>
+              </a:schemeClr>
+            </a:gs>
+          </a:gsLst>
+          <a:lin ang="16200000" scaled="1"/>
+        </a:gradFill>
+        <a:gradFill rotWithShape="1">
+          <a:gsLst>
+            <a:gs pos="0">
+              <a:schemeClr val="phClr">
+                <a:tint val="100000"/>
+                <a:shade val="100000"/>
+                <a:satMod val="130000"/>
+              </a:schemeClr>
+            </a:gs>
+            <a:gs pos="100000">
+              <a:schemeClr val="phClr">
+                <a:tint val="50000"/>
+                <a:shade val="100000"/>
+                <a:satMod val="350000"/>
+              </a:schemeClr>
+            </a:gs>
+          </a:gsLst>
+          <a:lin ang="16200000" scaled="0"/>
+        </a:gradFill>
+      </a:fillStyleLst>
+      <a:lnStyleLst>
+        <a:ln w="9525" cap="flat" cmpd="sng" algn="ctr">
+          <a:solidFill>
+            <a:schemeClr val="phClr">
+              <a:shade val="95000"/>
+              <a:satMod val="105000"/>
+            </a:schemeClr>
+          </a:solidFill>
+          <a:prstDash val="solid"/>
+        </a:ln>
+        <a:ln w="25400" cap="flat" cmpd="sng" algn="ctr">
+          <a:solidFill>
+            <a:schemeClr val="phClr"/>
+          </a:solidFill>
+          <a:prstDash val="solid"/>
+        </a:ln>
+        <a:ln w="38100" cap="flat" cmpd="sng" algn="ctr">
+          <a:solidFill>
+            <a:schemeClr val="phClr"/>
+          </a:solidFill>
+          <a:prstDash val="solid"/>
+        </a:ln>
+      </a:lnStyleLst>
+      <a:effectStyleLst>
+        <a:effectStyle>
+          <a:effectLst>
+            <a:outerShdw blurRad="40000" dist="20000" dir="5400000" rotWithShape="0">
+              <a:srgbClr val="000000">
+                <a:alpha val="38000"/>
+              </a:srgbClr>
+            </a:outerShdw>
+          </a:effectLst>
+        </a:effectStyle>
+        <a:effectStyle>
+          <a:effectLst>
+            <a:outerShdw blurRad="40000" dist="23000" dir="5400000" rotWithShape="0">
+              <a:srgbClr val="000000">
+                <a:alpha val="35000"/>
+              </a:srgbClr>
+            </a:outerShdw>
+          </a:effectLst>
+        </a:effectStyle>
+        <a:effectStyle>
+          <a:effectLst>
+            <a:outerShdw blurRad="40000" dist="23000" dir="5400000" rotWithShape="0">
+              <a:srgbClr val="000000">
+                <a:alpha val="35000"/>
+              </a:srgbClr>
+            </a:outerShdw>
+          </a:effectLst>
+          <a:scene3d>
+            <a:camera prst="orthographicFront">
+              <a:rot lat="0" lon="0" rev="0"/>
+            </a:camera>
+            <a:lightRig rig="threePt" dir="t">
+              <a:rot lat="0" lon="0" rev="1200000"/>
+            </a:lightRig>
+          </a:scene3d>
+          <a:sp3d>
+            <a:bevelT w="63500" h="25400"/>
+          </a:sp3d>
+        </a:effectStyle>
+      </a:effectStyleLst>
+      <a:bgFillStyleLst>
+        <a:solidFill>
+          <a:schemeClr val="phClr"/>
+        </a:solidFill>
+        <a:gradFill rotWithShape="1">
+          <a:gsLst>
+            <a:gs pos="0">
+              <a:schemeClr val="phClr">
+                <a:tint val="40000"/>
+                <a:satMod val="350000"/>
+              </a:schemeClr>
+            </a:gs>
+            <a:gs pos="40000">
+              <a:schemeClr val="phClr">
+                <a:tint val="45000"/>
+                <a:shade val="99000"/>
+                <a:satMod val="350000"/>
+              </a:schemeClr>
+            </a:gs>
+            <a:gs pos="100000">
+              <a:schemeClr val="phClr">
+                <a:shade val="20000"/>
+                <a:satMod val="255000"/>
+              </a:schemeClr>
+            </a:gs>
+          </a:gsLst>
+          <a:path path="circle">
+            <a:fillToRect l="50000" t="-80000" r="50000" b="180000"/>
+          </a:path>
+        </a:gradFill>
+        <a:gradFill rotWithShape="1">
+          <a:gsLst>
+            <a:gs pos="0">
+              <a:schemeClr val="phClr">
+                <a:tint val="80000"/>
+                <a:satMod val="300000"/>
+              </a:schemeClr>
+            </a:gs>
+            <a:gs pos="100000">
+              <a:schemeClr val="phClr">
+                <a:shade val="30000"/>
+                <a:satMod val="200000"/>
+              </a:schemeClr>
+            </a:gs>
+          </a:gsLst>
+          <a:path path="circle">
+            <a:fillToRect l="50000" t="50000" r="50000" b="50000"/>
+          </a:path>
+        </a:gradFill>
+      </a:bgFillStyleLst>
+    </a:fmtScheme>
+  </a:themeElements>
+  <a:objectDefaults>
+    <a:spDef>
+      <a:spPr/>
+      <a:bodyPr/>
+      <a:lstStyle/>
+      <a:style>
+        <a:lnRef idx="1">
+          <a:schemeClr val="accent1"/>
+        </a:lnRef>
+        <a:fillRef idx="3">
+          <a:schemeClr val="accent1"/>
+        </a:fillRef>
+        <a:effectRef idx="2">
+          <a:schemeClr val="accent1"/>
+        </a:effectRef>
+        <a:fontRef idx="minor">
+          <a:schemeClr val="lt1"/>
+        </a:fontRef>
+      </a:style>
+    </a:spDef>
+    <a:lnDef>
+      <a:spPr/>
+      <a:bodyPr/>
+      <a:lstStyle/>
+      <a:style>
+        <a:lnRef idx="2">
+          <a:schemeClr val="accent1"/>
+        </a:lnRef>
+        <a:fillRef idx="0">
+          <a:schemeClr val="accent1"/>
+        </a:fillRef>
+        <a:effectRef idx="1">
+          <a:schemeClr val="accent1"/>
+        </a:effectRef>
+        <a:fontRef idx="minor">
+          <a:schemeClr val="tx1"/>
+        </a:fontRef>
+      </a:style>
+    </a:lnDef>
+  </a:objectDefaults>
+  <a:extraClrSchemeLst/>
+</a:theme>
 </file>
--- a/CoursePPT/chap3_class_object_method.pptx
+++ b/CoursePPT/chap3_class_object_method.pptx
@@ -230,7 +230,7 @@
           <a:p>
             <a:fld id="{5FCF99D6-1F51-2B49-8552-7D1C5CC49976}" type="datetimeFigureOut">
               <a:rPr kumimoji="1" lang="zh-CN" altLang="en-US" smtClean="0"/>
-              <a:t>11/24/15</a:t>
+              <a:t>11/25/15</a:t>
             </a:fld>
             <a:endParaRPr kumimoji="1" lang="zh-CN" altLang="en-US"/>
           </a:p>
@@ -865,7 +865,7 @@
           <a:p>
             <a:fld id="{E3812BC1-F107-5949-9815-8BEE7F3ABC94}" type="datetimeFigureOut">
               <a:rPr kumimoji="1" lang="zh-CN" altLang="en-US" smtClean="0"/>
-              <a:t>11/24/15</a:t>
+              <a:t>11/25/15</a:t>
             </a:fld>
             <a:endParaRPr kumimoji="1" lang="zh-CN" altLang="en-US"/>
           </a:p>
@@ -1035,7 +1035,7 @@
           <a:p>
             <a:fld id="{E3812BC1-F107-5949-9815-8BEE7F3ABC94}" type="datetimeFigureOut">
               <a:rPr kumimoji="1" lang="zh-CN" altLang="en-US" smtClean="0"/>
-              <a:t>11/24/15</a:t>
+              <a:t>11/25/15</a:t>
             </a:fld>
             <a:endParaRPr kumimoji="1" lang="zh-CN" altLang="en-US"/>
           </a:p>
@@ -1215,7 +1215,7 @@
           <a:p>
             <a:fld id="{E3812BC1-F107-5949-9815-8BEE7F3ABC94}" type="datetimeFigureOut">
               <a:rPr kumimoji="1" lang="zh-CN" altLang="en-US" smtClean="0"/>
-              <a:t>11/24/15</a:t>
+              <a:t>11/25/15</a:t>
             </a:fld>
             <a:endParaRPr kumimoji="1" lang="zh-CN" altLang="en-US"/>
           </a:p>
@@ -1385,7 +1385,7 @@
           <a:p>
             <a:fld id="{E3812BC1-F107-5949-9815-8BEE7F3ABC94}" type="datetimeFigureOut">
               <a:rPr kumimoji="1" lang="zh-CN" altLang="en-US" smtClean="0"/>
-              <a:t>11/24/15</a:t>
+              <a:t>11/25/15</a:t>
             </a:fld>
             <a:endParaRPr kumimoji="1" lang="zh-CN" altLang="en-US"/>
           </a:p>
@@ -1631,7 +1631,7 @@
           <a:p>
             <a:fld id="{E3812BC1-F107-5949-9815-8BEE7F3ABC94}" type="datetimeFigureOut">
               <a:rPr kumimoji="1" lang="zh-CN" altLang="en-US" smtClean="0"/>
-              <a:t>11/24/15</a:t>
+              <a:t>11/25/15</a:t>
             </a:fld>
             <a:endParaRPr kumimoji="1" lang="zh-CN" altLang="en-US"/>
           </a:p>
@@ -1919,7 +1919,7 @@
           <a:p>
             <a:fld id="{E3812BC1-F107-5949-9815-8BEE7F3ABC94}" type="datetimeFigureOut">
               <a:rPr kumimoji="1" lang="zh-CN" altLang="en-US" smtClean="0"/>
-              <a:t>11/24/15</a:t>
+              <a:t>11/25/15</a:t>
             </a:fld>
             <a:endParaRPr kumimoji="1" lang="zh-CN" altLang="en-US"/>
           </a:p>
@@ -2341,7 +2341,7 @@
           <a:p>
             <a:fld id="{E3812BC1-F107-5949-9815-8BEE7F3ABC94}" type="datetimeFigureOut">
               <a:rPr kumimoji="1" lang="zh-CN" altLang="en-US" smtClean="0"/>
-              <a:t>11/24/15</a:t>
+              <a:t>11/25/15</a:t>
             </a:fld>
             <a:endParaRPr kumimoji="1" lang="zh-CN" altLang="en-US"/>
           </a:p>
@@ -2459,7 +2459,7 @@
           <a:p>
             <a:fld id="{E3812BC1-F107-5949-9815-8BEE7F3ABC94}" type="datetimeFigureOut">
               <a:rPr kumimoji="1" lang="zh-CN" altLang="en-US" smtClean="0"/>
-              <a:t>11/24/15</a:t>
+              <a:t>11/25/15</a:t>
             </a:fld>
             <a:endParaRPr kumimoji="1" lang="zh-CN" altLang="en-US"/>
           </a:p>
@@ -2554,7 +2554,7 @@
           <a:p>
             <a:fld id="{E3812BC1-F107-5949-9815-8BEE7F3ABC94}" type="datetimeFigureOut">
               <a:rPr kumimoji="1" lang="zh-CN" altLang="en-US" smtClean="0"/>
-              <a:t>11/24/15</a:t>
+              <a:t>11/25/15</a:t>
             </a:fld>
             <a:endParaRPr kumimoji="1" lang="zh-CN" altLang="en-US"/>
           </a:p>
@@ -2831,7 +2831,7 @@
           <a:p>
             <a:fld id="{E3812BC1-F107-5949-9815-8BEE7F3ABC94}" type="datetimeFigureOut">
               <a:rPr kumimoji="1" lang="zh-CN" altLang="en-US" smtClean="0"/>
-              <a:t>11/24/15</a:t>
+              <a:t>11/25/15</a:t>
             </a:fld>
             <a:endParaRPr kumimoji="1" lang="zh-CN" altLang="en-US"/>
           </a:p>
@@ -3084,7 +3084,7 @@
           <a:p>
             <a:fld id="{E3812BC1-F107-5949-9815-8BEE7F3ABC94}" type="datetimeFigureOut">
               <a:rPr kumimoji="1" lang="zh-CN" altLang="en-US" smtClean="0"/>
-              <a:t>11/24/15</a:t>
+              <a:t>11/25/15</a:t>
             </a:fld>
             <a:endParaRPr kumimoji="1" lang="zh-CN" altLang="en-US"/>
           </a:p>
@@ -3297,7 +3297,7 @@
           <a:p>
             <a:fld id="{E3812BC1-F107-5949-9815-8BEE7F3ABC94}" type="datetimeFigureOut">
               <a:rPr kumimoji="1" lang="zh-CN" altLang="en-US" smtClean="0"/>
-              <a:t>11/24/15</a:t>
+              <a:t>11/25/15</a:t>
             </a:fld>
             <a:endParaRPr kumimoji="1" lang="zh-CN" altLang="en-US"/>
           </a:p>
@@ -3719,7 +3719,15 @@
           <a:p>
             <a:r>
               <a:rPr kumimoji="1" lang="zh-CN" altLang="en-US" dirty="0" smtClean="0"/>
-              <a:t>方法是类或方法的形为</a:t>
+              <a:t>方法是类或</a:t>
+            </a:r>
+            <a:r>
+              <a:rPr kumimoji="1" lang="zh-CN" altLang="en-US" dirty="0" smtClean="0"/>
+              <a:t>对象</a:t>
+            </a:r>
+            <a:r>
+              <a:rPr kumimoji="1" lang="zh-CN" altLang="en-US" dirty="0" smtClean="0"/>
+              <a:t>的形为</a:t>
             </a:r>
             <a:endParaRPr kumimoji="1" lang="zh-CN" altLang="en-US" dirty="0"/>
           </a:p>
@@ -8305,11 +8313,7 @@
             </a:r>
             <a:r>
               <a:rPr kumimoji="1" lang="zh-CN" altLang="en-US" dirty="0" smtClean="0"/>
-              <a:t>检索实例变</a:t>
-            </a:r>
-            <a:r>
-              <a:rPr kumimoji="1" lang="zh-CN" altLang="en-US" dirty="0" smtClean="0"/>
-              <a:t>量的值</a:t>
+              <a:t>检索实例变量的值</a:t>
             </a:r>
             <a:endParaRPr kumimoji="1" lang="en-US" altLang="zh-CN" dirty="0" smtClean="0"/>
           </a:p>
